--- a/Py B - unit 1a.pptx
+++ b/Py B - unit 1a.pptx
@@ -125,17 +125,25 @@
 </p:presentation>
 </file>
 
+<file path=ppt/revisionInfo.xml><?xml version="1.0" encoding="utf-8"?>
+<p1510:revInfo xmlns:a="http://schemas.openxmlformats.org/drawingml/2006/main" xmlns:r="http://schemas.openxmlformats.org/officeDocument/2006/relationships" xmlns:p1510="http://schemas.microsoft.com/office/powerpoint/2015/10/main">
+  <p1510:revLst>
+    <p1510:client id="{B5189E16-D950-4BFB-8123-3C3064A27E32}" v="61" dt="2022-03-11T10:19:19.239"/>
+  </p1510:revLst>
+</p1510:revInfo>
+</file>
+
 <file path=ppt/changesInfos/changesInfo1.xml><?xml version="1.0" encoding="utf-8"?>
 <pc:chgInfo xmlns:a="http://schemas.openxmlformats.org/drawingml/2006/main" xmlns:r="http://schemas.openxmlformats.org/officeDocument/2006/relationships" xmlns:ac="http://schemas.microsoft.com/office/drawing/2013/main/command" xmlns:pc="http://schemas.microsoft.com/office/powerpoint/2013/main/command">
   <pc:docChgLst>
     <pc:chgData name="Li Lixiang" userId="6104bbfcb56aea79" providerId="LiveId" clId="{B5189E16-D950-4BFB-8123-3C3064A27E32}"/>
-    <pc:docChg chg="undo custSel addSld modSld">
-      <pc:chgData name="Li Lixiang" userId="6104bbfcb56aea79" providerId="LiveId" clId="{B5189E16-D950-4BFB-8123-3C3064A27E32}" dt="2021-10-05T03:35:12.067" v="76" actId="1076"/>
+    <pc:docChg chg="undo redo custSel addSld modSld">
+      <pc:chgData name="Li Lixiang" userId="6104bbfcb56aea79" providerId="LiveId" clId="{B5189E16-D950-4BFB-8123-3C3064A27E32}" dt="2022-03-11T10:19:37.205" v="897" actId="1036"/>
       <pc:docMkLst>
         <pc:docMk/>
       </pc:docMkLst>
       <pc:sldChg chg="addSp delSp modSp new mod">
-        <pc:chgData name="Li Lixiang" userId="6104bbfcb56aea79" providerId="LiveId" clId="{B5189E16-D950-4BFB-8123-3C3064A27E32}" dt="2021-10-04T11:56:28.633" v="25" actId="1035"/>
+        <pc:chgData name="Li Lixiang" userId="6104bbfcb56aea79" providerId="LiveId" clId="{B5189E16-D950-4BFB-8123-3C3064A27E32}" dt="2022-03-11T10:13:12.696" v="839" actId="1076"/>
         <pc:sldMkLst>
           <pc:docMk/>
           <pc:sldMk cId="2598200755" sldId="283"/>
@@ -156,8 +164,184 @@
             <ac:spMk id="3" creationId="{E4C105AE-6450-4B6F-A287-FD798413D676}"/>
           </ac:spMkLst>
         </pc:spChg>
+        <pc:spChg chg="add mod">
+          <ac:chgData name="Li Lixiang" userId="6104bbfcb56aea79" providerId="LiveId" clId="{B5189E16-D950-4BFB-8123-3C3064A27E32}" dt="2022-03-11T10:12:14.674" v="822" actId="1035"/>
+          <ac:spMkLst>
+            <pc:docMk/>
+            <pc:sldMk cId="2598200755" sldId="283"/>
+            <ac:spMk id="8" creationId="{2EC94B8C-7D43-40D0-97CB-4FECA28237D1}"/>
+          </ac:spMkLst>
+        </pc:spChg>
+        <pc:spChg chg="add mod">
+          <ac:chgData name="Li Lixiang" userId="6104bbfcb56aea79" providerId="LiveId" clId="{B5189E16-D950-4BFB-8123-3C3064A27E32}" dt="2022-03-11T10:12:12.453" v="821" actId="1076"/>
+          <ac:spMkLst>
+            <pc:docMk/>
+            <pc:sldMk cId="2598200755" sldId="283"/>
+            <ac:spMk id="10" creationId="{CD37BBA5-76BA-455F-B26B-2B107E6C94FE}"/>
+          </ac:spMkLst>
+        </pc:spChg>
+        <pc:spChg chg="add mod">
+          <ac:chgData name="Li Lixiang" userId="6104bbfcb56aea79" providerId="LiveId" clId="{B5189E16-D950-4BFB-8123-3C3064A27E32}" dt="2022-03-11T10:12:14.674" v="822" actId="1035"/>
+          <ac:spMkLst>
+            <pc:docMk/>
+            <pc:sldMk cId="2598200755" sldId="283"/>
+            <ac:spMk id="12" creationId="{46898BC5-1E09-4B7E-A0EA-B97CCACB0982}"/>
+          </ac:spMkLst>
+        </pc:spChg>
+        <pc:spChg chg="add mod">
+          <ac:chgData name="Li Lixiang" userId="6104bbfcb56aea79" providerId="LiveId" clId="{B5189E16-D950-4BFB-8123-3C3064A27E32}" dt="2022-03-11T10:12:14.674" v="822" actId="1035"/>
+          <ac:spMkLst>
+            <pc:docMk/>
+            <pc:sldMk cId="2598200755" sldId="283"/>
+            <ac:spMk id="14" creationId="{055808F2-BD40-4349-88CC-DC97E2D10A90}"/>
+          </ac:spMkLst>
+        </pc:spChg>
+        <pc:spChg chg="add mod">
+          <ac:chgData name="Li Lixiang" userId="6104bbfcb56aea79" providerId="LiveId" clId="{B5189E16-D950-4BFB-8123-3C3064A27E32}" dt="2022-03-11T10:12:26.559" v="824" actId="1076"/>
+          <ac:spMkLst>
+            <pc:docMk/>
+            <pc:sldMk cId="2598200755" sldId="283"/>
+            <ac:spMk id="15" creationId="{CFD224A1-773E-469E-993B-E7EF0A18B532}"/>
+          </ac:spMkLst>
+        </pc:spChg>
+        <pc:spChg chg="add mod">
+          <ac:chgData name="Li Lixiang" userId="6104bbfcb56aea79" providerId="LiveId" clId="{B5189E16-D950-4BFB-8123-3C3064A27E32}" dt="2022-03-11T10:12:26.559" v="824" actId="1076"/>
+          <ac:spMkLst>
+            <pc:docMk/>
+            <pc:sldMk cId="2598200755" sldId="283"/>
+            <ac:spMk id="16" creationId="{16981334-A0F8-4402-9A60-E7C4353F0B42}"/>
+          </ac:spMkLst>
+        </pc:spChg>
+        <pc:spChg chg="add mod">
+          <ac:chgData name="Li Lixiang" userId="6104bbfcb56aea79" providerId="LiveId" clId="{B5189E16-D950-4BFB-8123-3C3064A27E32}" dt="2022-03-11T10:12:26.559" v="824" actId="1076"/>
+          <ac:spMkLst>
+            <pc:docMk/>
+            <pc:sldMk cId="2598200755" sldId="283"/>
+            <ac:spMk id="17" creationId="{63A4DD44-9B51-4BAE-A1D5-315ECD3C9A40}"/>
+          </ac:spMkLst>
+        </pc:spChg>
+        <pc:spChg chg="add mod">
+          <ac:chgData name="Li Lixiang" userId="6104bbfcb56aea79" providerId="LiveId" clId="{B5189E16-D950-4BFB-8123-3C3064A27E32}" dt="2022-03-11T10:12:34.183" v="826" actId="1076"/>
+          <ac:spMkLst>
+            <pc:docMk/>
+            <pc:sldMk cId="2598200755" sldId="283"/>
+            <ac:spMk id="18" creationId="{BFA83646-847A-401C-922E-D2469625FFC6}"/>
+          </ac:spMkLst>
+        </pc:spChg>
+        <pc:spChg chg="add mod">
+          <ac:chgData name="Li Lixiang" userId="6104bbfcb56aea79" providerId="LiveId" clId="{B5189E16-D950-4BFB-8123-3C3064A27E32}" dt="2022-03-11T10:12:34.183" v="826" actId="1076"/>
+          <ac:spMkLst>
+            <pc:docMk/>
+            <pc:sldMk cId="2598200755" sldId="283"/>
+            <ac:spMk id="19" creationId="{349A367B-6136-4E6C-948D-E997A4D13ECA}"/>
+          </ac:spMkLst>
+        </pc:spChg>
+        <pc:spChg chg="add mod">
+          <ac:chgData name="Li Lixiang" userId="6104bbfcb56aea79" providerId="LiveId" clId="{B5189E16-D950-4BFB-8123-3C3064A27E32}" dt="2022-03-11T10:12:34.183" v="826" actId="1076"/>
+          <ac:spMkLst>
+            <pc:docMk/>
+            <pc:sldMk cId="2598200755" sldId="283"/>
+            <ac:spMk id="20" creationId="{756CFEAE-79D4-46D7-9E1F-8E55A26B4796}"/>
+          </ac:spMkLst>
+        </pc:spChg>
+        <pc:spChg chg="add mod">
+          <ac:chgData name="Li Lixiang" userId="6104bbfcb56aea79" providerId="LiveId" clId="{B5189E16-D950-4BFB-8123-3C3064A27E32}" dt="2022-03-11T10:13:02.969" v="837" actId="1038"/>
+          <ac:spMkLst>
+            <pc:docMk/>
+            <pc:sldMk cId="2598200755" sldId="283"/>
+            <ac:spMk id="21" creationId="{854B94D6-E1F7-4298-B028-2276F3CCD54D}"/>
+          </ac:spMkLst>
+        </pc:spChg>
+        <pc:spChg chg="add mod">
+          <ac:chgData name="Li Lixiang" userId="6104bbfcb56aea79" providerId="LiveId" clId="{B5189E16-D950-4BFB-8123-3C3064A27E32}" dt="2022-03-11T10:13:02.969" v="837" actId="1038"/>
+          <ac:spMkLst>
+            <pc:docMk/>
+            <pc:sldMk cId="2598200755" sldId="283"/>
+            <ac:spMk id="22" creationId="{21ACD5A4-CB4D-47E8-8051-0B01CAC71519}"/>
+          </ac:spMkLst>
+        </pc:spChg>
+        <pc:spChg chg="add mod">
+          <ac:chgData name="Li Lixiang" userId="6104bbfcb56aea79" providerId="LiveId" clId="{B5189E16-D950-4BFB-8123-3C3064A27E32}" dt="2022-03-11T10:13:02.969" v="837" actId="1038"/>
+          <ac:spMkLst>
+            <pc:docMk/>
+            <pc:sldMk cId="2598200755" sldId="283"/>
+            <ac:spMk id="23" creationId="{DF292AC7-285F-4500-A334-7E7632FFD268}"/>
+          </ac:spMkLst>
+        </pc:spChg>
+        <pc:spChg chg="add mod">
+          <ac:chgData name="Li Lixiang" userId="6104bbfcb56aea79" providerId="LiveId" clId="{B5189E16-D950-4BFB-8123-3C3064A27E32}" dt="2022-03-11T10:13:02.969" v="837" actId="1038"/>
+          <ac:spMkLst>
+            <pc:docMk/>
+            <pc:sldMk cId="2598200755" sldId="283"/>
+            <ac:spMk id="24" creationId="{CABC944A-D1F4-4C85-852E-44C06EC45A91}"/>
+          </ac:spMkLst>
+        </pc:spChg>
+        <pc:spChg chg="add mod">
+          <ac:chgData name="Li Lixiang" userId="6104bbfcb56aea79" providerId="LiveId" clId="{B5189E16-D950-4BFB-8123-3C3064A27E32}" dt="2022-03-11T10:13:02.969" v="837" actId="1038"/>
+          <ac:spMkLst>
+            <pc:docMk/>
+            <pc:sldMk cId="2598200755" sldId="283"/>
+            <ac:spMk id="25" creationId="{CE4DA358-026F-48A8-AC80-3FF8DE50EE8F}"/>
+          </ac:spMkLst>
+        </pc:spChg>
+        <pc:spChg chg="add mod">
+          <ac:chgData name="Li Lixiang" userId="6104bbfcb56aea79" providerId="LiveId" clId="{B5189E16-D950-4BFB-8123-3C3064A27E32}" dt="2022-03-11T10:13:02.969" v="837" actId="1038"/>
+          <ac:spMkLst>
+            <pc:docMk/>
+            <pc:sldMk cId="2598200755" sldId="283"/>
+            <ac:spMk id="26" creationId="{29822EBD-E9FC-41CE-958C-A0CF781E505D}"/>
+          </ac:spMkLst>
+        </pc:spChg>
+        <pc:spChg chg="add mod">
+          <ac:chgData name="Li Lixiang" userId="6104bbfcb56aea79" providerId="LiveId" clId="{B5189E16-D950-4BFB-8123-3C3064A27E32}" dt="2022-03-11T10:13:02.969" v="837" actId="1038"/>
+          <ac:spMkLst>
+            <pc:docMk/>
+            <pc:sldMk cId="2598200755" sldId="283"/>
+            <ac:spMk id="27" creationId="{4A1A9CF6-28FB-43A8-B95D-1E08A33A5A5A}"/>
+          </ac:spMkLst>
+        </pc:spChg>
+        <pc:spChg chg="add mod">
+          <ac:chgData name="Li Lixiang" userId="6104bbfcb56aea79" providerId="LiveId" clId="{B5189E16-D950-4BFB-8123-3C3064A27E32}" dt="2022-03-11T10:13:12.696" v="839" actId="1076"/>
+          <ac:spMkLst>
+            <pc:docMk/>
+            <pc:sldMk cId="2598200755" sldId="283"/>
+            <ac:spMk id="28" creationId="{E3741D92-59A1-457B-A7F3-1E4BE0F9F321}"/>
+          </ac:spMkLst>
+        </pc:spChg>
+        <pc:spChg chg="add mod">
+          <ac:chgData name="Li Lixiang" userId="6104bbfcb56aea79" providerId="LiveId" clId="{B5189E16-D950-4BFB-8123-3C3064A27E32}" dt="2022-03-11T10:13:12.696" v="839" actId="1076"/>
+          <ac:spMkLst>
+            <pc:docMk/>
+            <pc:sldMk cId="2598200755" sldId="283"/>
+            <ac:spMk id="29" creationId="{A56BA1D1-D07E-4B21-AC5A-E88DA7D8F9F4}"/>
+          </ac:spMkLst>
+        </pc:spChg>
+        <pc:spChg chg="add mod">
+          <ac:chgData name="Li Lixiang" userId="6104bbfcb56aea79" providerId="LiveId" clId="{B5189E16-D950-4BFB-8123-3C3064A27E32}" dt="2022-03-11T10:13:12.696" v="839" actId="1076"/>
+          <ac:spMkLst>
+            <pc:docMk/>
+            <pc:sldMk cId="2598200755" sldId="283"/>
+            <ac:spMk id="30" creationId="{B411E496-7692-4887-8DBC-39489449C6C3}"/>
+          </ac:spMkLst>
+        </pc:spChg>
+        <pc:spChg chg="add mod">
+          <ac:chgData name="Li Lixiang" userId="6104bbfcb56aea79" providerId="LiveId" clId="{B5189E16-D950-4BFB-8123-3C3064A27E32}" dt="2022-03-11T10:13:12.696" v="839" actId="1076"/>
+          <ac:spMkLst>
+            <pc:docMk/>
+            <pc:sldMk cId="2598200755" sldId="283"/>
+            <ac:spMk id="31" creationId="{D9950B97-5DB3-4077-A4A7-209E1B992D0F}"/>
+          </ac:spMkLst>
+        </pc:spChg>
+        <pc:spChg chg="add mod">
+          <ac:chgData name="Li Lixiang" userId="6104bbfcb56aea79" providerId="LiveId" clId="{B5189E16-D950-4BFB-8123-3C3064A27E32}" dt="2022-03-11T10:13:12.696" v="839" actId="1076"/>
+          <ac:spMkLst>
+            <pc:docMk/>
+            <pc:sldMk cId="2598200755" sldId="283"/>
+            <ac:spMk id="32" creationId="{0901FEE8-9073-4EDC-8C65-50033E278A2A}"/>
+          </ac:spMkLst>
+        </pc:spChg>
         <pc:picChg chg="add mod modCrop">
-          <ac:chgData name="Li Lixiang" userId="6104bbfcb56aea79" providerId="LiveId" clId="{B5189E16-D950-4BFB-8123-3C3064A27E32}" dt="2021-10-04T11:56:28.633" v="25" actId="1035"/>
+          <ac:chgData name="Li Lixiang" userId="6104bbfcb56aea79" providerId="LiveId" clId="{B5189E16-D950-4BFB-8123-3C3064A27E32}" dt="2022-03-11T10:11:39.731" v="798" actId="1076"/>
           <ac:picMkLst>
             <pc:docMk/>
             <pc:sldMk cId="2598200755" sldId="283"/>
@@ -165,7 +349,7 @@
           </ac:picMkLst>
         </pc:picChg>
         <pc:picChg chg="add mod">
-          <ac:chgData name="Li Lixiang" userId="6104bbfcb56aea79" providerId="LiveId" clId="{B5189E16-D950-4BFB-8123-3C3064A27E32}" dt="2021-10-04T11:56:28.633" v="25" actId="1035"/>
+          <ac:chgData name="Li Lixiang" userId="6104bbfcb56aea79" providerId="LiveId" clId="{B5189E16-D950-4BFB-8123-3C3064A27E32}" dt="2022-03-11T10:11:36.867" v="797" actId="1076"/>
           <ac:picMkLst>
             <pc:docMk/>
             <pc:sldMk cId="2598200755" sldId="283"/>
@@ -173,7 +357,7 @@
           </ac:picMkLst>
         </pc:picChg>
         <pc:picChg chg="add mod">
-          <ac:chgData name="Li Lixiang" userId="6104bbfcb56aea79" providerId="LiveId" clId="{B5189E16-D950-4BFB-8123-3C3064A27E32}" dt="2021-10-04T11:56:28.633" v="25" actId="1035"/>
+          <ac:chgData name="Li Lixiang" userId="6104bbfcb56aea79" providerId="LiveId" clId="{B5189E16-D950-4BFB-8123-3C3064A27E32}" dt="2022-03-11T10:11:41.548" v="799" actId="1076"/>
           <ac:picMkLst>
             <pc:docMk/>
             <pc:sldMk cId="2598200755" sldId="283"/>
@@ -181,7 +365,7 @@
           </ac:picMkLst>
         </pc:picChg>
         <pc:picChg chg="add mod">
-          <ac:chgData name="Li Lixiang" userId="6104bbfcb56aea79" providerId="LiveId" clId="{B5189E16-D950-4BFB-8123-3C3064A27E32}" dt="2021-10-04T11:54:13.333" v="13" actId="1076"/>
+          <ac:chgData name="Li Lixiang" userId="6104bbfcb56aea79" providerId="LiveId" clId="{B5189E16-D950-4BFB-8123-3C3064A27E32}" dt="2022-03-11T10:11:45.059" v="801" actId="1076"/>
           <ac:picMkLst>
             <pc:docMk/>
             <pc:sldMk cId="2598200755" sldId="283"/>
@@ -189,7 +373,7 @@
           </ac:picMkLst>
         </pc:picChg>
         <pc:picChg chg="add mod">
-          <ac:chgData name="Li Lixiang" userId="6104bbfcb56aea79" providerId="LiveId" clId="{B5189E16-D950-4BFB-8123-3C3064A27E32}" dt="2021-10-04T11:55:34.840" v="15" actId="1076"/>
+          <ac:chgData name="Li Lixiang" userId="6104bbfcb56aea79" providerId="LiveId" clId="{B5189E16-D950-4BFB-8123-3C3064A27E32}" dt="2022-03-11T10:11:43.364" v="800" actId="1076"/>
           <ac:picMkLst>
             <pc:docMk/>
             <pc:sldMk cId="2598200755" sldId="283"/>
@@ -198,13 +382,13 @@
         </pc:picChg>
       </pc:sldChg>
       <pc:sldChg chg="addSp delSp modSp new mod">
-        <pc:chgData name="Li Lixiang" userId="6104bbfcb56aea79" providerId="LiveId" clId="{B5189E16-D950-4BFB-8123-3C3064A27E32}" dt="2021-10-04T12:03:25.553" v="38"/>
+        <pc:chgData name="Li Lixiang" userId="6104bbfcb56aea79" providerId="LiveId" clId="{B5189E16-D950-4BFB-8123-3C3064A27E32}" dt="2022-03-11T10:11:31.960" v="796" actId="1036"/>
         <pc:sldMkLst>
           <pc:docMk/>
           <pc:sldMk cId="4012340591" sldId="284"/>
         </pc:sldMkLst>
         <pc:spChg chg="mod">
-          <ac:chgData name="Li Lixiang" userId="6104bbfcb56aea79" providerId="LiveId" clId="{B5189E16-D950-4BFB-8123-3C3064A27E32}" dt="2021-10-04T12:03:25.553" v="38"/>
+          <ac:chgData name="Li Lixiang" userId="6104bbfcb56aea79" providerId="LiveId" clId="{B5189E16-D950-4BFB-8123-3C3064A27E32}" dt="2022-03-11T10:10:17.177" v="730"/>
           <ac:spMkLst>
             <pc:docMk/>
             <pc:sldMk cId="4012340591" sldId="284"/>
@@ -219,8 +403,256 @@
             <ac:spMk id="3" creationId="{F65B2260-A4F0-4D30-84E2-A693761425B9}"/>
           </ac:spMkLst>
         </pc:spChg>
+        <pc:spChg chg="add mod">
+          <ac:chgData name="Li Lixiang" userId="6104bbfcb56aea79" providerId="LiveId" clId="{B5189E16-D950-4BFB-8123-3C3064A27E32}" dt="2022-03-11T10:10:57.462" v="754" actId="1036"/>
+          <ac:spMkLst>
+            <pc:docMk/>
+            <pc:sldMk cId="4012340591" sldId="284"/>
+            <ac:spMk id="6" creationId="{8F0966C4-F59A-4C67-8A65-858FE2E8017E}"/>
+          </ac:spMkLst>
+        </pc:spChg>
+        <pc:spChg chg="add mod">
+          <ac:chgData name="Li Lixiang" userId="6104bbfcb56aea79" providerId="LiveId" clId="{B5189E16-D950-4BFB-8123-3C3064A27E32}" dt="2022-03-11T10:10:45.755" v="734" actId="1076"/>
+          <ac:spMkLst>
+            <pc:docMk/>
+            <pc:sldMk cId="4012340591" sldId="284"/>
+            <ac:spMk id="7" creationId="{6CB0D6F1-82F8-4749-B5B4-F03470023C65}"/>
+          </ac:spMkLst>
+        </pc:spChg>
+        <pc:spChg chg="add mod">
+          <ac:chgData name="Li Lixiang" userId="6104bbfcb56aea79" providerId="LiveId" clId="{B5189E16-D950-4BFB-8123-3C3064A27E32}" dt="2022-03-11T10:10:57.462" v="754" actId="1036"/>
+          <ac:spMkLst>
+            <pc:docMk/>
+            <pc:sldMk cId="4012340591" sldId="284"/>
+            <ac:spMk id="8" creationId="{DF8B097D-F9C7-407B-81E2-7F0AC4DF6BB6}"/>
+          </ac:spMkLst>
+        </pc:spChg>
+        <pc:spChg chg="add mod">
+          <ac:chgData name="Li Lixiang" userId="6104bbfcb56aea79" providerId="LiveId" clId="{B5189E16-D950-4BFB-8123-3C3064A27E32}" dt="2022-03-11T10:10:57.462" v="754" actId="1036"/>
+          <ac:spMkLst>
+            <pc:docMk/>
+            <pc:sldMk cId="4012340591" sldId="284"/>
+            <ac:spMk id="10" creationId="{6DD06AA3-D650-4A48-B1FC-44AFF4E2A079}"/>
+          </ac:spMkLst>
+        </pc:spChg>
+        <pc:spChg chg="add mod">
+          <ac:chgData name="Li Lixiang" userId="6104bbfcb56aea79" providerId="LiveId" clId="{B5189E16-D950-4BFB-8123-3C3064A27E32}" dt="2022-03-11T10:10:57.462" v="754" actId="1036"/>
+          <ac:spMkLst>
+            <pc:docMk/>
+            <pc:sldMk cId="4012340591" sldId="284"/>
+            <ac:spMk id="12" creationId="{F4CCE62D-8181-4406-8963-8C00B9D7608B}"/>
+          </ac:spMkLst>
+        </pc:spChg>
+        <pc:spChg chg="add mod">
+          <ac:chgData name="Li Lixiang" userId="6104bbfcb56aea79" providerId="LiveId" clId="{B5189E16-D950-4BFB-8123-3C3064A27E32}" dt="2022-03-11T10:10:57.462" v="754" actId="1036"/>
+          <ac:spMkLst>
+            <pc:docMk/>
+            <pc:sldMk cId="4012340591" sldId="284"/>
+            <ac:spMk id="13" creationId="{43E42FAC-7C9F-459D-A198-4249296D84EB}"/>
+          </ac:spMkLst>
+        </pc:spChg>
+        <pc:spChg chg="add mod">
+          <ac:chgData name="Li Lixiang" userId="6104bbfcb56aea79" providerId="LiveId" clId="{B5189E16-D950-4BFB-8123-3C3064A27E32}" dt="2022-03-11T10:10:57.462" v="754" actId="1036"/>
+          <ac:spMkLst>
+            <pc:docMk/>
+            <pc:sldMk cId="4012340591" sldId="284"/>
+            <ac:spMk id="14" creationId="{D0ADCA94-DA2D-4968-AFEE-87DC345D01C3}"/>
+          </ac:spMkLst>
+        </pc:spChg>
+        <pc:spChg chg="add mod">
+          <ac:chgData name="Li Lixiang" userId="6104bbfcb56aea79" providerId="LiveId" clId="{B5189E16-D950-4BFB-8123-3C3064A27E32}" dt="2022-03-11T10:10:57.462" v="754" actId="1036"/>
+          <ac:spMkLst>
+            <pc:docMk/>
+            <pc:sldMk cId="4012340591" sldId="284"/>
+            <ac:spMk id="15" creationId="{8FD52783-ECF8-412F-A40E-47D55E7CC323}"/>
+          </ac:spMkLst>
+        </pc:spChg>
+        <pc:spChg chg="add mod">
+          <ac:chgData name="Li Lixiang" userId="6104bbfcb56aea79" providerId="LiveId" clId="{B5189E16-D950-4BFB-8123-3C3064A27E32}" dt="2022-03-11T10:10:57.462" v="754" actId="1036"/>
+          <ac:spMkLst>
+            <pc:docMk/>
+            <pc:sldMk cId="4012340591" sldId="284"/>
+            <ac:spMk id="16" creationId="{C1E4EA7E-77F0-48B8-AE15-2365CFC5F01E}"/>
+          </ac:spMkLst>
+        </pc:spChg>
+        <pc:spChg chg="add mod">
+          <ac:chgData name="Li Lixiang" userId="6104bbfcb56aea79" providerId="LiveId" clId="{B5189E16-D950-4BFB-8123-3C3064A27E32}" dt="2022-03-11T10:11:05.201" v="772" actId="1036"/>
+          <ac:spMkLst>
+            <pc:docMk/>
+            <pc:sldMk cId="4012340591" sldId="284"/>
+            <ac:spMk id="17" creationId="{F7DDF4DD-133E-4551-A102-5DC7368F4C93}"/>
+          </ac:spMkLst>
+        </pc:spChg>
+        <pc:spChg chg="add del mod">
+          <ac:chgData name="Li Lixiang" userId="6104bbfcb56aea79" providerId="LiveId" clId="{B5189E16-D950-4BFB-8123-3C3064A27E32}" dt="2022-03-11T10:11:07.741" v="773" actId="478"/>
+          <ac:spMkLst>
+            <pc:docMk/>
+            <pc:sldMk cId="4012340591" sldId="284"/>
+            <ac:spMk id="18" creationId="{E9907927-6017-442A-B46C-3B013A46A1A4}"/>
+          </ac:spMkLst>
+        </pc:spChg>
+        <pc:spChg chg="add mod">
+          <ac:chgData name="Li Lixiang" userId="6104bbfcb56aea79" providerId="LiveId" clId="{B5189E16-D950-4BFB-8123-3C3064A27E32}" dt="2022-03-11T10:11:18.713" v="777" actId="1036"/>
+          <ac:spMkLst>
+            <pc:docMk/>
+            <pc:sldMk cId="4012340591" sldId="284"/>
+            <ac:spMk id="19" creationId="{36A946A8-3D7D-49CC-B006-F3EDD142C9DD}"/>
+          </ac:spMkLst>
+        </pc:spChg>
+        <pc:spChg chg="add mod">
+          <ac:chgData name="Li Lixiang" userId="6104bbfcb56aea79" providerId="LiveId" clId="{B5189E16-D950-4BFB-8123-3C3064A27E32}" dt="2022-03-11T10:11:18.713" v="777" actId="1036"/>
+          <ac:spMkLst>
+            <pc:docMk/>
+            <pc:sldMk cId="4012340591" sldId="284"/>
+            <ac:spMk id="20" creationId="{6E58E738-956B-4493-B696-25ECEC6AC1AF}"/>
+          </ac:spMkLst>
+        </pc:spChg>
+        <pc:spChg chg="add mod">
+          <ac:chgData name="Li Lixiang" userId="6104bbfcb56aea79" providerId="LiveId" clId="{B5189E16-D950-4BFB-8123-3C3064A27E32}" dt="2022-03-11T10:11:18.713" v="777" actId="1036"/>
+          <ac:spMkLst>
+            <pc:docMk/>
+            <pc:sldMk cId="4012340591" sldId="284"/>
+            <ac:spMk id="21" creationId="{140F4188-2EA3-4C6A-913D-C29F87F56020}"/>
+          </ac:spMkLst>
+        </pc:spChg>
+        <pc:spChg chg="add mod">
+          <ac:chgData name="Li Lixiang" userId="6104bbfcb56aea79" providerId="LiveId" clId="{B5189E16-D950-4BFB-8123-3C3064A27E32}" dt="2022-03-11T10:11:18.713" v="777" actId="1036"/>
+          <ac:spMkLst>
+            <pc:docMk/>
+            <pc:sldMk cId="4012340591" sldId="284"/>
+            <ac:spMk id="22" creationId="{3A820BC8-4BDB-4137-87C3-A24A4DC40B24}"/>
+          </ac:spMkLst>
+        </pc:spChg>
+        <pc:spChg chg="add mod">
+          <ac:chgData name="Li Lixiang" userId="6104bbfcb56aea79" providerId="LiveId" clId="{B5189E16-D950-4BFB-8123-3C3064A27E32}" dt="2022-03-11T10:11:18.713" v="777" actId="1036"/>
+          <ac:spMkLst>
+            <pc:docMk/>
+            <pc:sldMk cId="4012340591" sldId="284"/>
+            <ac:spMk id="23" creationId="{79E8D5BF-3478-4941-B41B-D593F230338C}"/>
+          </ac:spMkLst>
+        </pc:spChg>
+        <pc:spChg chg="add mod">
+          <ac:chgData name="Li Lixiang" userId="6104bbfcb56aea79" providerId="LiveId" clId="{B5189E16-D950-4BFB-8123-3C3064A27E32}" dt="2022-03-11T10:11:18.713" v="777" actId="1036"/>
+          <ac:spMkLst>
+            <pc:docMk/>
+            <pc:sldMk cId="4012340591" sldId="284"/>
+            <ac:spMk id="24" creationId="{653BD732-8248-46D7-A52E-2FABD71F31E6}"/>
+          </ac:spMkLst>
+        </pc:spChg>
+        <pc:spChg chg="add mod">
+          <ac:chgData name="Li Lixiang" userId="6104bbfcb56aea79" providerId="LiveId" clId="{B5189E16-D950-4BFB-8123-3C3064A27E32}" dt="2022-03-11T10:11:18.713" v="777" actId="1036"/>
+          <ac:spMkLst>
+            <pc:docMk/>
+            <pc:sldMk cId="4012340591" sldId="284"/>
+            <ac:spMk id="25" creationId="{DEFEF8F2-3DAD-4AFC-9CEA-19CFAE360420}"/>
+          </ac:spMkLst>
+        </pc:spChg>
+        <pc:spChg chg="add mod">
+          <ac:chgData name="Li Lixiang" userId="6104bbfcb56aea79" providerId="LiveId" clId="{B5189E16-D950-4BFB-8123-3C3064A27E32}" dt="2022-03-11T10:11:18.713" v="777" actId="1036"/>
+          <ac:spMkLst>
+            <pc:docMk/>
+            <pc:sldMk cId="4012340591" sldId="284"/>
+            <ac:spMk id="26" creationId="{4328D172-DAA5-439C-A7C2-DBA6A5911E3D}"/>
+          </ac:spMkLst>
+        </pc:spChg>
+        <pc:spChg chg="add mod">
+          <ac:chgData name="Li Lixiang" userId="6104bbfcb56aea79" providerId="LiveId" clId="{B5189E16-D950-4BFB-8123-3C3064A27E32}" dt="2022-03-11T10:11:18.713" v="777" actId="1036"/>
+          <ac:spMkLst>
+            <pc:docMk/>
+            <pc:sldMk cId="4012340591" sldId="284"/>
+            <ac:spMk id="27" creationId="{565157FC-42D3-406A-A920-4F9AB581D30C}"/>
+          </ac:spMkLst>
+        </pc:spChg>
+        <pc:spChg chg="add mod">
+          <ac:chgData name="Li Lixiang" userId="6104bbfcb56aea79" providerId="LiveId" clId="{B5189E16-D950-4BFB-8123-3C3064A27E32}" dt="2022-03-11T10:11:18.713" v="777" actId="1036"/>
+          <ac:spMkLst>
+            <pc:docMk/>
+            <pc:sldMk cId="4012340591" sldId="284"/>
+            <ac:spMk id="28" creationId="{0DFE3423-8269-4548-950B-9098E3B1320B}"/>
+          </ac:spMkLst>
+        </pc:spChg>
+        <pc:spChg chg="add mod">
+          <ac:chgData name="Li Lixiang" userId="6104bbfcb56aea79" providerId="LiveId" clId="{B5189E16-D950-4BFB-8123-3C3064A27E32}" dt="2022-03-11T10:11:31.960" v="796" actId="1036"/>
+          <ac:spMkLst>
+            <pc:docMk/>
+            <pc:sldMk cId="4012340591" sldId="284"/>
+            <ac:spMk id="29" creationId="{39A3495B-9954-49A2-8AC0-5E384044417B}"/>
+          </ac:spMkLst>
+        </pc:spChg>
+        <pc:spChg chg="add mod">
+          <ac:chgData name="Li Lixiang" userId="6104bbfcb56aea79" providerId="LiveId" clId="{B5189E16-D950-4BFB-8123-3C3064A27E32}" dt="2022-03-11T10:11:31.960" v="796" actId="1036"/>
+          <ac:spMkLst>
+            <pc:docMk/>
+            <pc:sldMk cId="4012340591" sldId="284"/>
+            <ac:spMk id="30" creationId="{9EC35B2B-AA95-4632-B1DC-B2C5B3DB503F}"/>
+          </ac:spMkLst>
+        </pc:spChg>
+        <pc:spChg chg="add mod">
+          <ac:chgData name="Li Lixiang" userId="6104bbfcb56aea79" providerId="LiveId" clId="{B5189E16-D950-4BFB-8123-3C3064A27E32}" dt="2022-03-11T10:11:31.960" v="796" actId="1036"/>
+          <ac:spMkLst>
+            <pc:docMk/>
+            <pc:sldMk cId="4012340591" sldId="284"/>
+            <ac:spMk id="31" creationId="{91BD25BA-2D96-4FB4-B307-9A57DCADE716}"/>
+          </ac:spMkLst>
+        </pc:spChg>
+        <pc:spChg chg="add mod">
+          <ac:chgData name="Li Lixiang" userId="6104bbfcb56aea79" providerId="LiveId" clId="{B5189E16-D950-4BFB-8123-3C3064A27E32}" dt="2022-03-11T10:11:31.960" v="796" actId="1036"/>
+          <ac:spMkLst>
+            <pc:docMk/>
+            <pc:sldMk cId="4012340591" sldId="284"/>
+            <ac:spMk id="32" creationId="{10EDF9F5-214D-4BFD-B25C-D666F8BB09A8}"/>
+          </ac:spMkLst>
+        </pc:spChg>
+        <pc:spChg chg="add mod">
+          <ac:chgData name="Li Lixiang" userId="6104bbfcb56aea79" providerId="LiveId" clId="{B5189E16-D950-4BFB-8123-3C3064A27E32}" dt="2022-03-11T10:11:31.960" v="796" actId="1036"/>
+          <ac:spMkLst>
+            <pc:docMk/>
+            <pc:sldMk cId="4012340591" sldId="284"/>
+            <ac:spMk id="33" creationId="{D901B2B4-3269-47D3-92F6-CE9998D9855E}"/>
+          </ac:spMkLst>
+        </pc:spChg>
+        <pc:spChg chg="add mod">
+          <ac:chgData name="Li Lixiang" userId="6104bbfcb56aea79" providerId="LiveId" clId="{B5189E16-D950-4BFB-8123-3C3064A27E32}" dt="2022-03-11T10:11:31.960" v="796" actId="1036"/>
+          <ac:spMkLst>
+            <pc:docMk/>
+            <pc:sldMk cId="4012340591" sldId="284"/>
+            <ac:spMk id="34" creationId="{D5F28A42-FDD5-42CB-983A-CE7DE1318154}"/>
+          </ac:spMkLst>
+        </pc:spChg>
+        <pc:spChg chg="add mod">
+          <ac:chgData name="Li Lixiang" userId="6104bbfcb56aea79" providerId="LiveId" clId="{B5189E16-D950-4BFB-8123-3C3064A27E32}" dt="2022-03-11T10:11:31.960" v="796" actId="1036"/>
+          <ac:spMkLst>
+            <pc:docMk/>
+            <pc:sldMk cId="4012340591" sldId="284"/>
+            <ac:spMk id="35" creationId="{CF661C4C-7230-41FB-95BF-5FDACC897C47}"/>
+          </ac:spMkLst>
+        </pc:spChg>
+        <pc:spChg chg="add mod">
+          <ac:chgData name="Li Lixiang" userId="6104bbfcb56aea79" providerId="LiveId" clId="{B5189E16-D950-4BFB-8123-3C3064A27E32}" dt="2022-03-11T10:11:31.960" v="796" actId="1036"/>
+          <ac:spMkLst>
+            <pc:docMk/>
+            <pc:sldMk cId="4012340591" sldId="284"/>
+            <ac:spMk id="36" creationId="{3E6E5A4F-FA54-4955-A10A-A572C41522C6}"/>
+          </ac:spMkLst>
+        </pc:spChg>
+        <pc:spChg chg="add mod">
+          <ac:chgData name="Li Lixiang" userId="6104bbfcb56aea79" providerId="LiveId" clId="{B5189E16-D950-4BFB-8123-3C3064A27E32}" dt="2022-03-11T10:11:31.960" v="796" actId="1036"/>
+          <ac:spMkLst>
+            <pc:docMk/>
+            <pc:sldMk cId="4012340591" sldId="284"/>
+            <ac:spMk id="37" creationId="{D88F2C18-4E78-426E-9211-640F72439C3A}"/>
+          </ac:spMkLst>
+        </pc:spChg>
+        <pc:spChg chg="add mod">
+          <ac:chgData name="Li Lixiang" userId="6104bbfcb56aea79" providerId="LiveId" clId="{B5189E16-D950-4BFB-8123-3C3064A27E32}" dt="2022-03-11T10:11:31.960" v="796" actId="1036"/>
+          <ac:spMkLst>
+            <pc:docMk/>
+            <pc:sldMk cId="4012340591" sldId="284"/>
+            <ac:spMk id="38" creationId="{82661DA3-CE1B-4785-87B8-8C4C313511CE}"/>
+          </ac:spMkLst>
+        </pc:spChg>
         <pc:picChg chg="add mod">
-          <ac:chgData name="Li Lixiang" userId="6104bbfcb56aea79" providerId="LiveId" clId="{B5189E16-D950-4BFB-8123-3C3064A27E32}" dt="2021-10-04T12:01:28.797" v="35" actId="1076"/>
+          <ac:chgData name="Li Lixiang" userId="6104bbfcb56aea79" providerId="LiveId" clId="{B5189E16-D950-4BFB-8123-3C3064A27E32}" dt="2022-03-11T10:10:38.745" v="732" actId="1076"/>
           <ac:picMkLst>
             <pc:docMk/>
             <pc:sldMk cId="4012340591" sldId="284"/>
@@ -236,7 +668,7 @@
           </ac:picMkLst>
         </pc:picChg>
         <pc:picChg chg="add mod">
-          <ac:chgData name="Li Lixiang" userId="6104bbfcb56aea79" providerId="LiveId" clId="{B5189E16-D950-4BFB-8123-3C3064A27E32}" dt="2021-10-04T12:01:26.395" v="34" actId="1076"/>
+          <ac:chgData name="Li Lixiang" userId="6104bbfcb56aea79" providerId="LiveId" clId="{B5189E16-D950-4BFB-8123-3C3064A27E32}" dt="2022-03-11T10:10:37.106" v="731" actId="1076"/>
           <ac:picMkLst>
             <pc:docMk/>
             <pc:sldMk cId="4012340591" sldId="284"/>
@@ -253,13 +685,13 @@
         </pc:picChg>
       </pc:sldChg>
       <pc:sldChg chg="addSp delSp modSp new mod">
-        <pc:chgData name="Li Lixiang" userId="6104bbfcb56aea79" providerId="LiveId" clId="{B5189E16-D950-4BFB-8123-3C3064A27E32}" dt="2021-10-05T03:25:33.372" v="48" actId="1076"/>
+        <pc:chgData name="Li Lixiang" userId="6104bbfcb56aea79" providerId="LiveId" clId="{B5189E16-D950-4BFB-8123-3C3064A27E32}" dt="2022-03-11T10:19:37.205" v="897" actId="1036"/>
         <pc:sldMkLst>
           <pc:docMk/>
           <pc:sldMk cId="2976620627" sldId="285"/>
         </pc:sldMkLst>
         <pc:spChg chg="mod">
-          <ac:chgData name="Li Lixiang" userId="6104bbfcb56aea79" providerId="LiveId" clId="{B5189E16-D950-4BFB-8123-3C3064A27E32}" dt="2021-10-05T03:23:18.881" v="40"/>
+          <ac:chgData name="Li Lixiang" userId="6104bbfcb56aea79" providerId="LiveId" clId="{B5189E16-D950-4BFB-8123-3C3064A27E32}" dt="2022-03-11T10:09:14.652" v="720" actId="27636"/>
           <ac:spMkLst>
             <pc:docMk/>
             <pc:sldMk cId="2976620627" sldId="285"/>
@@ -274,8 +706,112 @@
             <ac:spMk id="3" creationId="{CF797837-42F4-4985-9CF9-D987B02892EF}"/>
           </ac:spMkLst>
         </pc:spChg>
+        <pc:spChg chg="add mod">
+          <ac:chgData name="Li Lixiang" userId="6104bbfcb56aea79" providerId="LiveId" clId="{B5189E16-D950-4BFB-8123-3C3064A27E32}" dt="2022-03-11T10:09:36.169" v="723" actId="1076"/>
+          <ac:spMkLst>
+            <pc:docMk/>
+            <pc:sldMk cId="2976620627" sldId="285"/>
+            <ac:spMk id="6" creationId="{6230C113-E826-4A1F-8F70-F17F438E7F18}"/>
+          </ac:spMkLst>
+        </pc:spChg>
+        <pc:spChg chg="add mod">
+          <ac:chgData name="Li Lixiang" userId="6104bbfcb56aea79" providerId="LiveId" clId="{B5189E16-D950-4BFB-8123-3C3064A27E32}" dt="2022-03-11T10:09:36.169" v="723" actId="1076"/>
+          <ac:spMkLst>
+            <pc:docMk/>
+            <pc:sldMk cId="2976620627" sldId="285"/>
+            <ac:spMk id="8" creationId="{8DD14460-15AD-4D3C-891C-564291138FE1}"/>
+          </ac:spMkLst>
+        </pc:spChg>
+        <pc:spChg chg="add mod">
+          <ac:chgData name="Li Lixiang" userId="6104bbfcb56aea79" providerId="LiveId" clId="{B5189E16-D950-4BFB-8123-3C3064A27E32}" dt="2022-03-11T10:09:36.169" v="723" actId="1076"/>
+          <ac:spMkLst>
+            <pc:docMk/>
+            <pc:sldMk cId="2976620627" sldId="285"/>
+            <ac:spMk id="9" creationId="{5EC5E2B8-88FA-4225-94E7-A686C33AEBA6}"/>
+          </ac:spMkLst>
+        </pc:spChg>
+        <pc:spChg chg="add mod">
+          <ac:chgData name="Li Lixiang" userId="6104bbfcb56aea79" providerId="LiveId" clId="{B5189E16-D950-4BFB-8123-3C3064A27E32}" dt="2022-03-11T10:09:36.169" v="723" actId="1076"/>
+          <ac:spMkLst>
+            <pc:docMk/>
+            <pc:sldMk cId="2976620627" sldId="285"/>
+            <ac:spMk id="10" creationId="{D449C646-B3C2-452B-8808-629F9A3A2890}"/>
+          </ac:spMkLst>
+        </pc:spChg>
+        <pc:spChg chg="add mod">
+          <ac:chgData name="Li Lixiang" userId="6104bbfcb56aea79" providerId="LiveId" clId="{B5189E16-D950-4BFB-8123-3C3064A27E32}" dt="2022-03-11T10:09:36.169" v="723" actId="1076"/>
+          <ac:spMkLst>
+            <pc:docMk/>
+            <pc:sldMk cId="2976620627" sldId="285"/>
+            <ac:spMk id="11" creationId="{D964D86E-B0A6-4D5D-9393-F4B004609BAB}"/>
+          </ac:spMkLst>
+        </pc:spChg>
+        <pc:spChg chg="add mod">
+          <ac:chgData name="Li Lixiang" userId="6104bbfcb56aea79" providerId="LiveId" clId="{B5189E16-D950-4BFB-8123-3C3064A27E32}" dt="2022-03-11T10:09:36.169" v="723" actId="1076"/>
+          <ac:spMkLst>
+            <pc:docMk/>
+            <pc:sldMk cId="2976620627" sldId="285"/>
+            <ac:spMk id="12" creationId="{757092FF-B4F5-4CD0-AC13-C3C7CD810CB8}"/>
+          </ac:spMkLst>
+        </pc:spChg>
+        <pc:spChg chg="add mod">
+          <ac:chgData name="Li Lixiang" userId="6104bbfcb56aea79" providerId="LiveId" clId="{B5189E16-D950-4BFB-8123-3C3064A27E32}" dt="2022-03-11T10:09:47.200" v="725" actId="1076"/>
+          <ac:spMkLst>
+            <pc:docMk/>
+            <pc:sldMk cId="2976620627" sldId="285"/>
+            <ac:spMk id="13" creationId="{D3265944-ABC1-450A-9D9D-A1BFDF2776E8}"/>
+          </ac:spMkLst>
+        </pc:spChg>
+        <pc:spChg chg="add mod">
+          <ac:chgData name="Li Lixiang" userId="6104bbfcb56aea79" providerId="LiveId" clId="{B5189E16-D950-4BFB-8123-3C3064A27E32}" dt="2022-03-11T10:09:47.200" v="725" actId="1076"/>
+          <ac:spMkLst>
+            <pc:docMk/>
+            <pc:sldMk cId="2976620627" sldId="285"/>
+            <ac:spMk id="14" creationId="{6941F5B6-2EAF-4FF4-80F3-E63E0CC6A22A}"/>
+          </ac:spMkLst>
+        </pc:spChg>
+        <pc:spChg chg="add mod">
+          <ac:chgData name="Li Lixiang" userId="6104bbfcb56aea79" providerId="LiveId" clId="{B5189E16-D950-4BFB-8123-3C3064A27E32}" dt="2022-03-11T10:19:29.110" v="882" actId="1035"/>
+          <ac:spMkLst>
+            <pc:docMk/>
+            <pc:sldMk cId="2976620627" sldId="285"/>
+            <ac:spMk id="15" creationId="{D4BAB32F-ECA2-4311-BABF-420CDB396615}"/>
+          </ac:spMkLst>
+        </pc:spChg>
+        <pc:spChg chg="add mod">
+          <ac:chgData name="Li Lixiang" userId="6104bbfcb56aea79" providerId="LiveId" clId="{B5189E16-D950-4BFB-8123-3C3064A27E32}" dt="2022-03-11T10:19:29.110" v="882" actId="1035"/>
+          <ac:spMkLst>
+            <pc:docMk/>
+            <pc:sldMk cId="2976620627" sldId="285"/>
+            <ac:spMk id="16" creationId="{8888F9C5-A5A2-4600-A4BD-A1D86287419A}"/>
+          </ac:spMkLst>
+        </pc:spChg>
+        <pc:spChg chg="add mod">
+          <ac:chgData name="Li Lixiang" userId="6104bbfcb56aea79" providerId="LiveId" clId="{B5189E16-D950-4BFB-8123-3C3064A27E32}" dt="2022-03-11T10:19:29.110" v="882" actId="1035"/>
+          <ac:spMkLst>
+            <pc:docMk/>
+            <pc:sldMk cId="2976620627" sldId="285"/>
+            <ac:spMk id="17" creationId="{9396FAC3-FA32-44E8-8F5C-582E02A11FC2}"/>
+          </ac:spMkLst>
+        </pc:spChg>
+        <pc:spChg chg="add mod">
+          <ac:chgData name="Li Lixiang" userId="6104bbfcb56aea79" providerId="LiveId" clId="{B5189E16-D950-4BFB-8123-3C3064A27E32}" dt="2022-03-11T10:19:37.205" v="897" actId="1036"/>
+          <ac:spMkLst>
+            <pc:docMk/>
+            <pc:sldMk cId="2976620627" sldId="285"/>
+            <ac:spMk id="18" creationId="{BABC0A99-C6E5-44E7-B834-9A0ED707F939}"/>
+          </ac:spMkLst>
+        </pc:spChg>
         <pc:picChg chg="add mod">
-          <ac:chgData name="Li Lixiang" userId="6104bbfcb56aea79" providerId="LiveId" clId="{B5189E16-D950-4BFB-8123-3C3064A27E32}" dt="2021-10-05T03:25:33.372" v="48" actId="1076"/>
+          <ac:chgData name="Li Lixiang" userId="6104bbfcb56aea79" providerId="LiveId" clId="{B5189E16-D950-4BFB-8123-3C3064A27E32}" dt="2022-03-11T10:19:14.059" v="867" actId="1076"/>
+          <ac:picMkLst>
+            <pc:docMk/>
+            <pc:sldMk cId="2976620627" sldId="285"/>
+            <ac:picMk id="4" creationId="{D74221E9-9950-40EB-BB71-05373DA26EFB}"/>
+          </ac:picMkLst>
+        </pc:picChg>
+        <pc:picChg chg="add mod">
+          <ac:chgData name="Li Lixiang" userId="6104bbfcb56aea79" providerId="LiveId" clId="{B5189E16-D950-4BFB-8123-3C3064A27E32}" dt="2022-03-11T10:09:19.342" v="721" actId="1076"/>
           <ac:picMkLst>
             <pc:docMk/>
             <pc:sldMk cId="2976620627" sldId="285"/>
@@ -283,7 +819,7 @@
           </ac:picMkLst>
         </pc:picChg>
         <pc:picChg chg="add mod">
-          <ac:chgData name="Li Lixiang" userId="6104bbfcb56aea79" providerId="LiveId" clId="{B5189E16-D950-4BFB-8123-3C3064A27E32}" dt="2021-10-05T03:25:31.285" v="47" actId="1076"/>
+          <ac:chgData name="Li Lixiang" userId="6104bbfcb56aea79" providerId="LiveId" clId="{B5189E16-D950-4BFB-8123-3C3064A27E32}" dt="2022-03-11T10:09:19.342" v="721" actId="1076"/>
           <ac:picMkLst>
             <pc:docMk/>
             <pc:sldMk cId="2976620627" sldId="285"/>
@@ -292,13 +828,13 @@
         </pc:picChg>
       </pc:sldChg>
       <pc:sldChg chg="addSp delSp modSp new mod">
-        <pc:chgData name="Li Lixiang" userId="6104bbfcb56aea79" providerId="LiveId" clId="{B5189E16-D950-4BFB-8123-3C3064A27E32}" dt="2021-10-05T03:31:14.981" v="65" actId="1076"/>
+        <pc:chgData name="Li Lixiang" userId="6104bbfcb56aea79" providerId="LiveId" clId="{B5189E16-D950-4BFB-8123-3C3064A27E32}" dt="2022-03-11T10:08:46.473" v="712" actId="1036"/>
         <pc:sldMkLst>
           <pc:docMk/>
           <pc:sldMk cId="2897153069" sldId="286"/>
         </pc:sldMkLst>
         <pc:spChg chg="mod">
-          <ac:chgData name="Li Lixiang" userId="6104bbfcb56aea79" providerId="LiveId" clId="{B5189E16-D950-4BFB-8123-3C3064A27E32}" dt="2021-10-05T03:27:20.217" v="52"/>
+          <ac:chgData name="Li Lixiang" userId="6104bbfcb56aea79" providerId="LiveId" clId="{B5189E16-D950-4BFB-8123-3C3064A27E32}" dt="2022-03-11T10:07:39.752" v="696" actId="27636"/>
           <ac:spMkLst>
             <pc:docMk/>
             <pc:sldMk cId="2897153069" sldId="286"/>
@@ -311,6 +847,254 @@
             <pc:docMk/>
             <pc:sldMk cId="2897153069" sldId="286"/>
             <ac:spMk id="3" creationId="{A63E448A-82E8-4BF4-A062-28B54EA97509}"/>
+          </ac:spMkLst>
+        </pc:spChg>
+        <pc:spChg chg="add mod">
+          <ac:chgData name="Li Lixiang" userId="6104bbfcb56aea79" providerId="LiveId" clId="{B5189E16-D950-4BFB-8123-3C3064A27E32}" dt="2022-03-11T10:08:46.473" v="712" actId="1036"/>
+          <ac:spMkLst>
+            <pc:docMk/>
+            <pc:sldMk cId="2897153069" sldId="286"/>
+            <ac:spMk id="8" creationId="{C244F2A0-5BDE-4EFD-B660-3572D670E2D8}"/>
+          </ac:spMkLst>
+        </pc:spChg>
+        <pc:spChg chg="add mod">
+          <ac:chgData name="Li Lixiang" userId="6104bbfcb56aea79" providerId="LiveId" clId="{B5189E16-D950-4BFB-8123-3C3064A27E32}" dt="2022-03-11T10:08:46.473" v="712" actId="1036"/>
+          <ac:spMkLst>
+            <pc:docMk/>
+            <pc:sldMk cId="2897153069" sldId="286"/>
+            <ac:spMk id="10" creationId="{827206B9-8B3C-4D59-85B4-BCCC7A2B6005}"/>
+          </ac:spMkLst>
+        </pc:spChg>
+        <pc:spChg chg="add mod">
+          <ac:chgData name="Li Lixiang" userId="6104bbfcb56aea79" providerId="LiveId" clId="{B5189E16-D950-4BFB-8123-3C3064A27E32}" dt="2022-03-11T10:08:46.473" v="712" actId="1036"/>
+          <ac:spMkLst>
+            <pc:docMk/>
+            <pc:sldMk cId="2897153069" sldId="286"/>
+            <ac:spMk id="12" creationId="{C0571F95-F496-444E-B27F-5EDFC0388F71}"/>
+          </ac:spMkLst>
+        </pc:spChg>
+        <pc:spChg chg="add mod">
+          <ac:chgData name="Li Lixiang" userId="6104bbfcb56aea79" providerId="LiveId" clId="{B5189E16-D950-4BFB-8123-3C3064A27E32}" dt="2022-03-11T10:08:46.473" v="712" actId="1036"/>
+          <ac:spMkLst>
+            <pc:docMk/>
+            <pc:sldMk cId="2897153069" sldId="286"/>
+            <ac:spMk id="13" creationId="{1610580F-5BCB-4DD2-94D5-03E5EA60D29E}"/>
+          </ac:spMkLst>
+        </pc:spChg>
+        <pc:spChg chg="add mod">
+          <ac:chgData name="Li Lixiang" userId="6104bbfcb56aea79" providerId="LiveId" clId="{B5189E16-D950-4BFB-8123-3C3064A27E32}" dt="2022-03-11T10:08:46.473" v="712" actId="1036"/>
+          <ac:spMkLst>
+            <pc:docMk/>
+            <pc:sldMk cId="2897153069" sldId="286"/>
+            <ac:spMk id="14" creationId="{5CC6B2BF-AF7C-4509-B3B0-B9512E469191}"/>
+          </ac:spMkLst>
+        </pc:spChg>
+        <pc:spChg chg="add mod">
+          <ac:chgData name="Li Lixiang" userId="6104bbfcb56aea79" providerId="LiveId" clId="{B5189E16-D950-4BFB-8123-3C3064A27E32}" dt="2022-03-11T10:08:46.473" v="712" actId="1036"/>
+          <ac:spMkLst>
+            <pc:docMk/>
+            <pc:sldMk cId="2897153069" sldId="286"/>
+            <ac:spMk id="15" creationId="{6C68B30E-2467-4C96-AC32-9F340952D9EC}"/>
+          </ac:spMkLst>
+        </pc:spChg>
+        <pc:spChg chg="add del mod">
+          <ac:chgData name="Li Lixiang" userId="6104bbfcb56aea79" providerId="LiveId" clId="{B5189E16-D950-4BFB-8123-3C3064A27E32}" dt="2022-03-11T10:08:34.605" v="709" actId="478"/>
+          <ac:spMkLst>
+            <pc:docMk/>
+            <pc:sldMk cId="2897153069" sldId="286"/>
+            <ac:spMk id="16" creationId="{60328883-DBEE-411B-AE0A-57664E1DA841}"/>
+          </ac:spMkLst>
+        </pc:spChg>
+        <pc:spChg chg="add del mod">
+          <ac:chgData name="Li Lixiang" userId="6104bbfcb56aea79" providerId="LiveId" clId="{B5189E16-D950-4BFB-8123-3C3064A27E32}" dt="2022-03-11T10:08:34.605" v="709" actId="478"/>
+          <ac:spMkLst>
+            <pc:docMk/>
+            <pc:sldMk cId="2897153069" sldId="286"/>
+            <ac:spMk id="17" creationId="{795E0A57-E041-4B4B-BC0A-06097126CD0B}"/>
+          </ac:spMkLst>
+        </pc:spChg>
+        <pc:spChg chg="add del mod">
+          <ac:chgData name="Li Lixiang" userId="6104bbfcb56aea79" providerId="LiveId" clId="{B5189E16-D950-4BFB-8123-3C3064A27E32}" dt="2022-03-11T10:08:34.605" v="709" actId="478"/>
+          <ac:spMkLst>
+            <pc:docMk/>
+            <pc:sldMk cId="2897153069" sldId="286"/>
+            <ac:spMk id="18" creationId="{D3C665E3-C24E-4E27-86D3-6AD2593BE91D}"/>
+          </ac:spMkLst>
+        </pc:spChg>
+        <pc:spChg chg="add del mod">
+          <ac:chgData name="Li Lixiang" userId="6104bbfcb56aea79" providerId="LiveId" clId="{B5189E16-D950-4BFB-8123-3C3064A27E32}" dt="2022-03-11T10:08:34.605" v="709" actId="478"/>
+          <ac:spMkLst>
+            <pc:docMk/>
+            <pc:sldMk cId="2897153069" sldId="286"/>
+            <ac:spMk id="19" creationId="{89B33A33-BF3B-4030-AACA-C9AF971175C7}"/>
+          </ac:spMkLst>
+        </pc:spChg>
+        <pc:spChg chg="add del mod">
+          <ac:chgData name="Li Lixiang" userId="6104bbfcb56aea79" providerId="LiveId" clId="{B5189E16-D950-4BFB-8123-3C3064A27E32}" dt="2022-03-11T10:08:34.605" v="709" actId="478"/>
+          <ac:spMkLst>
+            <pc:docMk/>
+            <pc:sldMk cId="2897153069" sldId="286"/>
+            <ac:spMk id="20" creationId="{C94F18C8-5AAB-48DD-A213-AEA358C10593}"/>
+          </ac:spMkLst>
+        </pc:spChg>
+        <pc:spChg chg="add mod">
+          <ac:chgData name="Li Lixiang" userId="6104bbfcb56aea79" providerId="LiveId" clId="{B5189E16-D950-4BFB-8123-3C3064A27E32}" dt="2022-03-11T10:08:02.108" v="698" actId="1076"/>
+          <ac:spMkLst>
+            <pc:docMk/>
+            <pc:sldMk cId="2897153069" sldId="286"/>
+            <ac:spMk id="21" creationId="{9609D29C-7C37-433F-A105-A7D78DB7E49C}"/>
+          </ac:spMkLst>
+        </pc:spChg>
+        <pc:spChg chg="add mod">
+          <ac:chgData name="Li Lixiang" userId="6104bbfcb56aea79" providerId="LiveId" clId="{B5189E16-D950-4BFB-8123-3C3064A27E32}" dt="2022-03-11T10:08:02.108" v="698" actId="1076"/>
+          <ac:spMkLst>
+            <pc:docMk/>
+            <pc:sldMk cId="2897153069" sldId="286"/>
+            <ac:spMk id="22" creationId="{A8C1C98D-CA11-404B-AF6C-9DC67AFF528E}"/>
+          </ac:spMkLst>
+        </pc:spChg>
+        <pc:spChg chg="add mod">
+          <ac:chgData name="Li Lixiang" userId="6104bbfcb56aea79" providerId="LiveId" clId="{B5189E16-D950-4BFB-8123-3C3064A27E32}" dt="2022-03-11T10:08:02.108" v="698" actId="1076"/>
+          <ac:spMkLst>
+            <pc:docMk/>
+            <pc:sldMk cId="2897153069" sldId="286"/>
+            <ac:spMk id="23" creationId="{5D9263E2-5529-4070-8BE1-9A56E3B70D85}"/>
+          </ac:spMkLst>
+        </pc:spChg>
+        <pc:spChg chg="add mod">
+          <ac:chgData name="Li Lixiang" userId="6104bbfcb56aea79" providerId="LiveId" clId="{B5189E16-D950-4BFB-8123-3C3064A27E32}" dt="2022-03-11T10:08:02.108" v="698" actId="1076"/>
+          <ac:spMkLst>
+            <pc:docMk/>
+            <pc:sldMk cId="2897153069" sldId="286"/>
+            <ac:spMk id="24" creationId="{39AC51C8-C470-40CC-8C7F-D1F7970F6A9E}"/>
+          </ac:spMkLst>
+        </pc:spChg>
+        <pc:spChg chg="add mod">
+          <ac:chgData name="Li Lixiang" userId="6104bbfcb56aea79" providerId="LiveId" clId="{B5189E16-D950-4BFB-8123-3C3064A27E32}" dt="2022-03-11T10:08:02.108" v="698" actId="1076"/>
+          <ac:spMkLst>
+            <pc:docMk/>
+            <pc:sldMk cId="2897153069" sldId="286"/>
+            <ac:spMk id="25" creationId="{876ACDD5-A4F7-4D72-BD37-0E8514F995B2}"/>
+          </ac:spMkLst>
+        </pc:spChg>
+        <pc:spChg chg="add mod">
+          <ac:chgData name="Li Lixiang" userId="6104bbfcb56aea79" providerId="LiveId" clId="{B5189E16-D950-4BFB-8123-3C3064A27E32}" dt="2022-03-11T10:08:02.108" v="698" actId="1076"/>
+          <ac:spMkLst>
+            <pc:docMk/>
+            <pc:sldMk cId="2897153069" sldId="286"/>
+            <ac:spMk id="26" creationId="{F4F19ECA-8E23-48B6-8D60-00FEACD288D4}"/>
+          </ac:spMkLst>
+        </pc:spChg>
+        <pc:spChg chg="add mod">
+          <ac:chgData name="Li Lixiang" userId="6104bbfcb56aea79" providerId="LiveId" clId="{B5189E16-D950-4BFB-8123-3C3064A27E32}" dt="2022-03-11T10:08:13.738" v="706" actId="1038"/>
+          <ac:spMkLst>
+            <pc:docMk/>
+            <pc:sldMk cId="2897153069" sldId="286"/>
+            <ac:spMk id="27" creationId="{CA47670E-DC88-43B9-BC7E-86B7A6C761ED}"/>
+          </ac:spMkLst>
+        </pc:spChg>
+        <pc:spChg chg="add mod">
+          <ac:chgData name="Li Lixiang" userId="6104bbfcb56aea79" providerId="LiveId" clId="{B5189E16-D950-4BFB-8123-3C3064A27E32}" dt="2022-03-11T10:08:13.738" v="706" actId="1038"/>
+          <ac:spMkLst>
+            <pc:docMk/>
+            <pc:sldMk cId="2897153069" sldId="286"/>
+            <ac:spMk id="28" creationId="{BF475356-31DF-40FB-A74F-9BD466DE2A4F}"/>
+          </ac:spMkLst>
+        </pc:spChg>
+        <pc:spChg chg="add mod">
+          <ac:chgData name="Li Lixiang" userId="6104bbfcb56aea79" providerId="LiveId" clId="{B5189E16-D950-4BFB-8123-3C3064A27E32}" dt="2022-03-11T10:08:13.738" v="706" actId="1038"/>
+          <ac:spMkLst>
+            <pc:docMk/>
+            <pc:sldMk cId="2897153069" sldId="286"/>
+            <ac:spMk id="29" creationId="{A69BBAFC-62AD-4635-9CD9-CD9016039B95}"/>
+          </ac:spMkLst>
+        </pc:spChg>
+        <pc:spChg chg="add mod">
+          <ac:chgData name="Li Lixiang" userId="6104bbfcb56aea79" providerId="LiveId" clId="{B5189E16-D950-4BFB-8123-3C3064A27E32}" dt="2022-03-11T10:08:13.738" v="706" actId="1038"/>
+          <ac:spMkLst>
+            <pc:docMk/>
+            <pc:sldMk cId="2897153069" sldId="286"/>
+            <ac:spMk id="30" creationId="{4CF9D3EC-07A9-4E07-B243-93238A4989B8}"/>
+          </ac:spMkLst>
+        </pc:spChg>
+        <pc:spChg chg="add mod">
+          <ac:chgData name="Li Lixiang" userId="6104bbfcb56aea79" providerId="LiveId" clId="{B5189E16-D950-4BFB-8123-3C3064A27E32}" dt="2022-03-11T10:08:13.738" v="706" actId="1038"/>
+          <ac:spMkLst>
+            <pc:docMk/>
+            <pc:sldMk cId="2897153069" sldId="286"/>
+            <ac:spMk id="31" creationId="{653ECF41-7901-4DC6-B5A0-C03C8741732C}"/>
+          </ac:spMkLst>
+        </pc:spChg>
+        <pc:spChg chg="add mod">
+          <ac:chgData name="Li Lixiang" userId="6104bbfcb56aea79" providerId="LiveId" clId="{B5189E16-D950-4BFB-8123-3C3064A27E32}" dt="2022-03-11T10:08:13.738" v="706" actId="1038"/>
+          <ac:spMkLst>
+            <pc:docMk/>
+            <pc:sldMk cId="2897153069" sldId="286"/>
+            <ac:spMk id="32" creationId="{DFA95DA3-5936-4F5C-BA7A-251CF3CC02AA}"/>
+          </ac:spMkLst>
+        </pc:spChg>
+        <pc:spChg chg="add mod">
+          <ac:chgData name="Li Lixiang" userId="6104bbfcb56aea79" providerId="LiveId" clId="{B5189E16-D950-4BFB-8123-3C3064A27E32}" dt="2022-03-11T10:08:27.302" v="708" actId="1076"/>
+          <ac:spMkLst>
+            <pc:docMk/>
+            <pc:sldMk cId="2897153069" sldId="286"/>
+            <ac:spMk id="33" creationId="{B99040E9-DFBE-4AC3-AEB1-AC49450FEB8F}"/>
+          </ac:spMkLst>
+        </pc:spChg>
+        <pc:spChg chg="add mod">
+          <ac:chgData name="Li Lixiang" userId="6104bbfcb56aea79" providerId="LiveId" clId="{B5189E16-D950-4BFB-8123-3C3064A27E32}" dt="2022-03-11T10:08:27.302" v="708" actId="1076"/>
+          <ac:spMkLst>
+            <pc:docMk/>
+            <pc:sldMk cId="2897153069" sldId="286"/>
+            <ac:spMk id="34" creationId="{B5FFAE11-82B0-4AF4-BB58-732F26809E8B}"/>
+          </ac:spMkLst>
+        </pc:spChg>
+        <pc:spChg chg="add mod">
+          <ac:chgData name="Li Lixiang" userId="6104bbfcb56aea79" providerId="LiveId" clId="{B5189E16-D950-4BFB-8123-3C3064A27E32}" dt="2022-03-11T10:08:27.302" v="708" actId="1076"/>
+          <ac:spMkLst>
+            <pc:docMk/>
+            <pc:sldMk cId="2897153069" sldId="286"/>
+            <ac:spMk id="35" creationId="{69BC8D51-D737-4FC3-8369-417EBD52AF96}"/>
+          </ac:spMkLst>
+        </pc:spChg>
+        <pc:spChg chg="add mod">
+          <ac:chgData name="Li Lixiang" userId="6104bbfcb56aea79" providerId="LiveId" clId="{B5189E16-D950-4BFB-8123-3C3064A27E32}" dt="2022-03-11T10:08:27.302" v="708" actId="1076"/>
+          <ac:spMkLst>
+            <pc:docMk/>
+            <pc:sldMk cId="2897153069" sldId="286"/>
+            <ac:spMk id="36" creationId="{741E0DBF-FE39-4056-9252-AD1CAC0EFDBC}"/>
+          </ac:spMkLst>
+        </pc:spChg>
+        <pc:spChg chg="add mod">
+          <ac:chgData name="Li Lixiang" userId="6104bbfcb56aea79" providerId="LiveId" clId="{B5189E16-D950-4BFB-8123-3C3064A27E32}" dt="2022-03-11T10:08:27.302" v="708" actId="1076"/>
+          <ac:spMkLst>
+            <pc:docMk/>
+            <pc:sldMk cId="2897153069" sldId="286"/>
+            <ac:spMk id="37" creationId="{D509E8C7-6AEF-430C-8C79-2DB1E0C095ED}"/>
+          </ac:spMkLst>
+        </pc:spChg>
+        <pc:spChg chg="add mod">
+          <ac:chgData name="Li Lixiang" userId="6104bbfcb56aea79" providerId="LiveId" clId="{B5189E16-D950-4BFB-8123-3C3064A27E32}" dt="2022-03-11T10:08:27.302" v="708" actId="1076"/>
+          <ac:spMkLst>
+            <pc:docMk/>
+            <pc:sldMk cId="2897153069" sldId="286"/>
+            <ac:spMk id="38" creationId="{06B3B8E2-26D1-484E-AF39-E93F822C6EF0}"/>
+          </ac:spMkLst>
+        </pc:spChg>
+        <pc:spChg chg="add mod">
+          <ac:chgData name="Li Lixiang" userId="6104bbfcb56aea79" providerId="LiveId" clId="{B5189E16-D950-4BFB-8123-3C3064A27E32}" dt="2022-03-11T10:08:27.302" v="708" actId="1076"/>
+          <ac:spMkLst>
+            <pc:docMk/>
+            <pc:sldMk cId="2897153069" sldId="286"/>
+            <ac:spMk id="39" creationId="{06EFCCA7-90B7-48A0-B19A-AC6C9724C25A}"/>
+          </ac:spMkLst>
+        </pc:spChg>
+        <pc:spChg chg="add mod">
+          <ac:chgData name="Li Lixiang" userId="6104bbfcb56aea79" providerId="LiveId" clId="{B5189E16-D950-4BFB-8123-3C3064A27E32}" dt="2022-03-11T10:08:27.302" v="708" actId="1076"/>
+          <ac:spMkLst>
+            <pc:docMk/>
+            <pc:sldMk cId="2897153069" sldId="286"/>
+            <ac:spMk id="40" creationId="{705632C0-614F-4145-8252-6DACA907F1A6}"/>
           </ac:spMkLst>
         </pc:spChg>
         <pc:picChg chg="add mod">
@@ -347,13 +1131,13 @@
         </pc:picChg>
       </pc:sldChg>
       <pc:sldChg chg="addSp delSp modSp new mod">
-        <pc:chgData name="Li Lixiang" userId="6104bbfcb56aea79" providerId="LiveId" clId="{B5189E16-D950-4BFB-8123-3C3064A27E32}" dt="2021-10-05T03:33:35.249" v="69" actId="1076"/>
+        <pc:chgData name="Li Lixiang" userId="6104bbfcb56aea79" providerId="LiveId" clId="{B5189E16-D950-4BFB-8123-3C3064A27E32}" dt="2022-03-11T10:05:41.820" v="615" actId="478"/>
         <pc:sldMkLst>
           <pc:docMk/>
           <pc:sldMk cId="2133690739" sldId="287"/>
         </pc:sldMkLst>
         <pc:spChg chg="mod">
-          <ac:chgData name="Li Lixiang" userId="6104bbfcb56aea79" providerId="LiveId" clId="{B5189E16-D950-4BFB-8123-3C3064A27E32}" dt="2021-10-05T03:29:28.337" v="62"/>
+          <ac:chgData name="Li Lixiang" userId="6104bbfcb56aea79" providerId="LiveId" clId="{B5189E16-D950-4BFB-8123-3C3064A27E32}" dt="2022-03-11T10:03:49.243" v="535" actId="14100"/>
           <ac:spMkLst>
             <pc:docMk/>
             <pc:sldMk cId="2133690739" sldId="287"/>
@@ -368,6 +1152,14 @@
             <ac:spMk id="3" creationId="{B7461425-CF2C-47AE-AD01-9B45686E2A86}"/>
           </ac:spMkLst>
         </pc:spChg>
+        <pc:spChg chg="add del mod">
+          <ac:chgData name="Li Lixiang" userId="6104bbfcb56aea79" providerId="LiveId" clId="{B5189E16-D950-4BFB-8123-3C3064A27E32}" dt="2022-03-11T10:03:27.734" v="527"/>
+          <ac:spMkLst>
+            <pc:docMk/>
+            <pc:sldMk cId="2133690739" sldId="287"/>
+            <ac:spMk id="5" creationId="{E3A13728-73E8-4127-B81C-4D98E87DA189}"/>
+          </ac:spMkLst>
+        </pc:spChg>
         <pc:spChg chg="add del">
           <ac:chgData name="Li Lixiang" userId="6104bbfcb56aea79" providerId="LiveId" clId="{B5189E16-D950-4BFB-8123-3C3064A27E32}" dt="2021-10-05T03:29:26.863" v="61" actId="22"/>
           <ac:spMkLst>
@@ -376,8 +1168,184 @@
             <ac:spMk id="5" creationId="{E928F01F-22A1-4BBD-AAF6-BDCAED44A748}"/>
           </ac:spMkLst>
         </pc:spChg>
+        <pc:spChg chg="add mod">
+          <ac:chgData name="Li Lixiang" userId="6104bbfcb56aea79" providerId="LiveId" clId="{B5189E16-D950-4BFB-8123-3C3064A27E32}" dt="2022-03-11T10:04:04.924" v="539" actId="1076"/>
+          <ac:spMkLst>
+            <pc:docMk/>
+            <pc:sldMk cId="2133690739" sldId="287"/>
+            <ac:spMk id="6" creationId="{C5E80B80-42DA-40B4-A203-AFF1BEFD1F26}"/>
+          </ac:spMkLst>
+        </pc:spChg>
+        <pc:spChg chg="add mod">
+          <ac:chgData name="Li Lixiang" userId="6104bbfcb56aea79" providerId="LiveId" clId="{B5189E16-D950-4BFB-8123-3C3064A27E32}" dt="2022-03-11T10:04:04.924" v="539" actId="1076"/>
+          <ac:spMkLst>
+            <pc:docMk/>
+            <pc:sldMk cId="2133690739" sldId="287"/>
+            <ac:spMk id="8" creationId="{B719B4AE-D918-40EA-9621-2D934C0E0694}"/>
+          </ac:spMkLst>
+        </pc:spChg>
+        <pc:spChg chg="add mod">
+          <ac:chgData name="Li Lixiang" userId="6104bbfcb56aea79" providerId="LiveId" clId="{B5189E16-D950-4BFB-8123-3C3064A27E32}" dt="2022-03-11T10:04:04.924" v="539" actId="1076"/>
+          <ac:spMkLst>
+            <pc:docMk/>
+            <pc:sldMk cId="2133690739" sldId="287"/>
+            <ac:spMk id="10" creationId="{F414D838-5E53-4705-BE4E-3664EA326F8B}"/>
+          </ac:spMkLst>
+        </pc:spChg>
+        <pc:spChg chg="add mod">
+          <ac:chgData name="Li Lixiang" userId="6104bbfcb56aea79" providerId="LiveId" clId="{B5189E16-D950-4BFB-8123-3C3064A27E32}" dt="2022-03-11T10:04:04.924" v="539" actId="1076"/>
+          <ac:spMkLst>
+            <pc:docMk/>
+            <pc:sldMk cId="2133690739" sldId="287"/>
+            <ac:spMk id="11" creationId="{3B374113-1CE0-44F8-89B6-4A9FB2FEBDC0}"/>
+          </ac:spMkLst>
+        </pc:spChg>
+        <pc:spChg chg="add mod">
+          <ac:chgData name="Li Lixiang" userId="6104bbfcb56aea79" providerId="LiveId" clId="{B5189E16-D950-4BFB-8123-3C3064A27E32}" dt="2022-03-11T10:04:04.924" v="539" actId="1076"/>
+          <ac:spMkLst>
+            <pc:docMk/>
+            <pc:sldMk cId="2133690739" sldId="287"/>
+            <ac:spMk id="12" creationId="{BF5E853E-D919-4730-8DA6-34AE59D4A654}"/>
+          </ac:spMkLst>
+        </pc:spChg>
+        <pc:spChg chg="add mod">
+          <ac:chgData name="Li Lixiang" userId="6104bbfcb56aea79" providerId="LiveId" clId="{B5189E16-D950-4BFB-8123-3C3064A27E32}" dt="2022-03-11T10:04:04.924" v="539" actId="1076"/>
+          <ac:spMkLst>
+            <pc:docMk/>
+            <pc:sldMk cId="2133690739" sldId="287"/>
+            <ac:spMk id="13" creationId="{1A91E7E3-F27C-4D71-B278-B75A597FC230}"/>
+          </ac:spMkLst>
+        </pc:spChg>
+        <pc:spChg chg="add mod">
+          <ac:chgData name="Li Lixiang" userId="6104bbfcb56aea79" providerId="LiveId" clId="{B5189E16-D950-4BFB-8123-3C3064A27E32}" dt="2022-03-11T10:04:04.924" v="539" actId="1076"/>
+          <ac:spMkLst>
+            <pc:docMk/>
+            <pc:sldMk cId="2133690739" sldId="287"/>
+            <ac:spMk id="14" creationId="{E2C58701-875A-4C75-9B3B-E4D0F23A818D}"/>
+          </ac:spMkLst>
+        </pc:spChg>
+        <pc:spChg chg="add mod">
+          <ac:chgData name="Li Lixiang" userId="6104bbfcb56aea79" providerId="LiveId" clId="{B5189E16-D950-4BFB-8123-3C3064A27E32}" dt="2022-03-11T10:04:23.447" v="575" actId="1035"/>
+          <ac:spMkLst>
+            <pc:docMk/>
+            <pc:sldMk cId="2133690739" sldId="287"/>
+            <ac:spMk id="15" creationId="{537DB922-E626-43A0-9A37-8168FB44DDF7}"/>
+          </ac:spMkLst>
+        </pc:spChg>
+        <pc:spChg chg="add mod">
+          <ac:chgData name="Li Lixiang" userId="6104bbfcb56aea79" providerId="LiveId" clId="{B5189E16-D950-4BFB-8123-3C3064A27E32}" dt="2022-03-11T10:04:49.200" v="580" actId="1035"/>
+          <ac:spMkLst>
+            <pc:docMk/>
+            <pc:sldMk cId="2133690739" sldId="287"/>
+            <ac:spMk id="16" creationId="{1DBB4C12-0C6E-4AF8-BF32-8EE2F1071C0A}"/>
+          </ac:spMkLst>
+        </pc:spChg>
+        <pc:spChg chg="add mod">
+          <ac:chgData name="Li Lixiang" userId="6104bbfcb56aea79" providerId="LiveId" clId="{B5189E16-D950-4BFB-8123-3C3064A27E32}" dt="2022-03-11T10:05:02.678" v="584" actId="1035"/>
+          <ac:spMkLst>
+            <pc:docMk/>
+            <pc:sldMk cId="2133690739" sldId="287"/>
+            <ac:spMk id="17" creationId="{BFF5DFBD-E039-4C91-9C18-44300AFAAADA}"/>
+          </ac:spMkLst>
+        </pc:spChg>
+        <pc:spChg chg="add mod">
+          <ac:chgData name="Li Lixiang" userId="6104bbfcb56aea79" providerId="LiveId" clId="{B5189E16-D950-4BFB-8123-3C3064A27E32}" dt="2022-03-11T10:05:11.517" v="586" actId="1035"/>
+          <ac:spMkLst>
+            <pc:docMk/>
+            <pc:sldMk cId="2133690739" sldId="287"/>
+            <ac:spMk id="18" creationId="{54CBF6FA-D734-412D-98AB-B31377DC856F}"/>
+          </ac:spMkLst>
+        </pc:spChg>
+        <pc:spChg chg="add del mod">
+          <ac:chgData name="Li Lixiang" userId="6104bbfcb56aea79" providerId="LiveId" clId="{B5189E16-D950-4BFB-8123-3C3064A27E32}" dt="2022-03-11T10:05:41.820" v="615" actId="478"/>
+          <ac:spMkLst>
+            <pc:docMk/>
+            <pc:sldMk cId="2133690739" sldId="287"/>
+            <ac:spMk id="19" creationId="{AE5090DD-6205-437A-83B2-A5CBC5691DA3}"/>
+          </ac:spMkLst>
+        </pc:spChg>
+        <pc:spChg chg="add mod">
+          <ac:chgData name="Li Lixiang" userId="6104bbfcb56aea79" providerId="LiveId" clId="{B5189E16-D950-4BFB-8123-3C3064A27E32}" dt="2022-03-11T10:05:21.720" v="588" actId="1076"/>
+          <ac:spMkLst>
+            <pc:docMk/>
+            <pc:sldMk cId="2133690739" sldId="287"/>
+            <ac:spMk id="20" creationId="{5D6534D6-29D6-4661-B911-6D3BD57044AA}"/>
+          </ac:spMkLst>
+        </pc:spChg>
+        <pc:spChg chg="add mod">
+          <ac:chgData name="Li Lixiang" userId="6104bbfcb56aea79" providerId="LiveId" clId="{B5189E16-D950-4BFB-8123-3C3064A27E32}" dt="2022-03-11T10:05:21.720" v="588" actId="1076"/>
+          <ac:spMkLst>
+            <pc:docMk/>
+            <pc:sldMk cId="2133690739" sldId="287"/>
+            <ac:spMk id="21" creationId="{756B84C4-9EDA-45C3-83E7-7C21829AB82D}"/>
+          </ac:spMkLst>
+        </pc:spChg>
+        <pc:spChg chg="add mod">
+          <ac:chgData name="Li Lixiang" userId="6104bbfcb56aea79" providerId="LiveId" clId="{B5189E16-D950-4BFB-8123-3C3064A27E32}" dt="2022-03-11T10:05:21.720" v="588" actId="1076"/>
+          <ac:spMkLst>
+            <pc:docMk/>
+            <pc:sldMk cId="2133690739" sldId="287"/>
+            <ac:spMk id="22" creationId="{DB6BF943-9D3D-4813-9B4C-28FE37723FBA}"/>
+          </ac:spMkLst>
+        </pc:spChg>
+        <pc:spChg chg="add mod">
+          <ac:chgData name="Li Lixiang" userId="6104bbfcb56aea79" providerId="LiveId" clId="{B5189E16-D950-4BFB-8123-3C3064A27E32}" dt="2022-03-11T10:05:21.720" v="588" actId="1076"/>
+          <ac:spMkLst>
+            <pc:docMk/>
+            <pc:sldMk cId="2133690739" sldId="287"/>
+            <ac:spMk id="23" creationId="{4B012860-6A86-4EDB-9BB6-BFC569BBB4E1}"/>
+          </ac:spMkLst>
+        </pc:spChg>
+        <pc:spChg chg="add mod">
+          <ac:chgData name="Li Lixiang" userId="6104bbfcb56aea79" providerId="LiveId" clId="{B5189E16-D950-4BFB-8123-3C3064A27E32}" dt="2022-03-11T10:05:21.720" v="588" actId="1076"/>
+          <ac:spMkLst>
+            <pc:docMk/>
+            <pc:sldMk cId="2133690739" sldId="287"/>
+            <ac:spMk id="24" creationId="{935633F8-2D3B-4F5F-AA39-E8F6AB3684C3}"/>
+          </ac:spMkLst>
+        </pc:spChg>
+        <pc:spChg chg="add mod">
+          <ac:chgData name="Li Lixiang" userId="6104bbfcb56aea79" providerId="LiveId" clId="{B5189E16-D950-4BFB-8123-3C3064A27E32}" dt="2022-03-11T10:05:21.720" v="588" actId="1076"/>
+          <ac:spMkLst>
+            <pc:docMk/>
+            <pc:sldMk cId="2133690739" sldId="287"/>
+            <ac:spMk id="25" creationId="{996F07BE-7E6D-4AB1-80DD-B94C40487F6A}"/>
+          </ac:spMkLst>
+        </pc:spChg>
+        <pc:spChg chg="add mod">
+          <ac:chgData name="Li Lixiang" userId="6104bbfcb56aea79" providerId="LiveId" clId="{B5189E16-D950-4BFB-8123-3C3064A27E32}" dt="2022-03-11T10:05:21.720" v="588" actId="1076"/>
+          <ac:spMkLst>
+            <pc:docMk/>
+            <pc:sldMk cId="2133690739" sldId="287"/>
+            <ac:spMk id="26" creationId="{B758820D-58A9-49D5-8257-F9E5FCDE5F8D}"/>
+          </ac:spMkLst>
+        </pc:spChg>
+        <pc:spChg chg="add mod">
+          <ac:chgData name="Li Lixiang" userId="6104bbfcb56aea79" providerId="LiveId" clId="{B5189E16-D950-4BFB-8123-3C3064A27E32}" dt="2022-03-11T10:05:36.538" v="614" actId="1035"/>
+          <ac:spMkLst>
+            <pc:docMk/>
+            <pc:sldMk cId="2133690739" sldId="287"/>
+            <ac:spMk id="27" creationId="{16B65E50-3CFD-4AE4-A1B6-4E4E9028C4BC}"/>
+          </ac:spMkLst>
+        </pc:spChg>
+        <pc:spChg chg="add del mod">
+          <ac:chgData name="Li Lixiang" userId="6104bbfcb56aea79" providerId="LiveId" clId="{B5189E16-D950-4BFB-8123-3C3064A27E32}" dt="2022-03-11T10:05:24.775" v="589" actId="478"/>
+          <ac:spMkLst>
+            <pc:docMk/>
+            <pc:sldMk cId="2133690739" sldId="287"/>
+            <ac:spMk id="28" creationId="{52E309D3-9452-485F-A527-A2BE84DA1FFA}"/>
+          </ac:spMkLst>
+        </pc:spChg>
+        <pc:spChg chg="add del mod">
+          <ac:chgData name="Li Lixiang" userId="6104bbfcb56aea79" providerId="LiveId" clId="{B5189E16-D950-4BFB-8123-3C3064A27E32}" dt="2022-03-11T10:05:24.775" v="589" actId="478"/>
+          <ac:spMkLst>
+            <pc:docMk/>
+            <pc:sldMk cId="2133690739" sldId="287"/>
+            <ac:spMk id="29" creationId="{B4393BCE-0A28-4941-B5BA-B80F359C2F6F}"/>
+          </ac:spMkLst>
+        </pc:spChg>
         <pc:picChg chg="add mod">
-          <ac:chgData name="Li Lixiang" userId="6104bbfcb56aea79" providerId="LiveId" clId="{B5189E16-D950-4BFB-8123-3C3064A27E32}" dt="2021-10-05T03:32:37.511" v="67" actId="1076"/>
+          <ac:chgData name="Li Lixiang" userId="6104bbfcb56aea79" providerId="LiveId" clId="{B5189E16-D950-4BFB-8123-3C3064A27E32}" dt="2022-03-11T10:03:52.267" v="536" actId="1076"/>
           <ac:picMkLst>
             <pc:docMk/>
             <pc:sldMk cId="2133690739" sldId="287"/>
@@ -385,7 +1353,7 @@
           </ac:picMkLst>
         </pc:picChg>
         <pc:picChg chg="add mod">
-          <ac:chgData name="Li Lixiang" userId="6104bbfcb56aea79" providerId="LiveId" clId="{B5189E16-D950-4BFB-8123-3C3064A27E32}" dt="2021-10-05T03:33:35.249" v="69" actId="1076"/>
+          <ac:chgData name="Li Lixiang" userId="6104bbfcb56aea79" providerId="LiveId" clId="{B5189E16-D950-4BFB-8123-3C3064A27E32}" dt="2022-03-11T10:03:54.443" v="537" actId="1076"/>
           <ac:picMkLst>
             <pc:docMk/>
             <pc:sldMk cId="2133690739" sldId="287"/>
@@ -394,13 +1362,13 @@
         </pc:picChg>
       </pc:sldChg>
       <pc:sldChg chg="addSp delSp modSp new mod">
-        <pc:chgData name="Li Lixiang" userId="6104bbfcb56aea79" providerId="LiveId" clId="{B5189E16-D950-4BFB-8123-3C3064A27E32}" dt="2021-10-05T03:35:12.067" v="76" actId="1076"/>
+        <pc:chgData name="Li Lixiang" userId="6104bbfcb56aea79" providerId="LiveId" clId="{B5189E16-D950-4BFB-8123-3C3064A27E32}" dt="2022-03-11T10:13:34.884" v="864" actId="1038"/>
         <pc:sldMkLst>
           <pc:docMk/>
           <pc:sldMk cId="2624416114" sldId="288"/>
         </pc:sldMkLst>
         <pc:spChg chg="mod">
-          <ac:chgData name="Li Lixiang" userId="6104bbfcb56aea79" providerId="LiveId" clId="{B5189E16-D950-4BFB-8123-3C3064A27E32}" dt="2021-10-05T03:33:48.445" v="71"/>
+          <ac:chgData name="Li Lixiang" userId="6104bbfcb56aea79" providerId="LiveId" clId="{B5189E16-D950-4BFB-8123-3C3064A27E32}" dt="2022-03-11T10:03:10.997" v="523" actId="20577"/>
           <ac:spMkLst>
             <pc:docMk/>
             <pc:sldMk cId="2624416114" sldId="288"/>
@@ -415,8 +1383,192 @@
             <ac:spMk id="3" creationId="{30954126-F8CA-4B7A-9C37-BECF9128A8B7}"/>
           </ac:spMkLst>
         </pc:spChg>
+        <pc:spChg chg="add del mod">
+          <ac:chgData name="Li Lixiang" userId="6104bbfcb56aea79" providerId="LiveId" clId="{B5189E16-D950-4BFB-8123-3C3064A27E32}" dt="2022-03-11T10:01:58.489" v="425" actId="478"/>
+          <ac:spMkLst>
+            <pc:docMk/>
+            <pc:sldMk cId="2624416114" sldId="288"/>
+            <ac:spMk id="3" creationId="{DD79FFB0-6219-4125-B1DC-8D2A7B725C6D}"/>
+          </ac:spMkLst>
+        </pc:spChg>
+        <pc:spChg chg="add mod">
+          <ac:chgData name="Li Lixiang" userId="6104bbfcb56aea79" providerId="LiveId" clId="{B5189E16-D950-4BFB-8123-3C3064A27E32}" dt="2022-03-11T10:00:56.991" v="401" actId="1035"/>
+          <ac:spMkLst>
+            <pc:docMk/>
+            <pc:sldMk cId="2624416114" sldId="288"/>
+            <ac:spMk id="6" creationId="{FBCC90DE-5C4A-4D3D-9643-4DC00FA78073}"/>
+          </ac:spMkLst>
+        </pc:spChg>
+        <pc:spChg chg="add mod">
+          <ac:chgData name="Li Lixiang" userId="6104bbfcb56aea79" providerId="LiveId" clId="{B5189E16-D950-4BFB-8123-3C3064A27E32}" dt="2022-03-11T10:00:36.317" v="387" actId="12788"/>
+          <ac:spMkLst>
+            <pc:docMk/>
+            <pc:sldMk cId="2624416114" sldId="288"/>
+            <ac:spMk id="8" creationId="{47432D5B-9231-4E06-B8D0-85784D8FA382}"/>
+          </ac:spMkLst>
+        </pc:spChg>
+        <pc:spChg chg="add mod">
+          <ac:chgData name="Li Lixiang" userId="6104bbfcb56aea79" providerId="LiveId" clId="{B5189E16-D950-4BFB-8123-3C3064A27E32}" dt="2022-03-11T10:00:59.966" v="402" actId="1036"/>
+          <ac:spMkLst>
+            <pc:docMk/>
+            <pc:sldMk cId="2624416114" sldId="288"/>
+            <ac:spMk id="9" creationId="{DC4A0575-D461-45B3-BCEB-DDAB72B4AE99}"/>
+          </ac:spMkLst>
+        </pc:spChg>
+        <pc:spChg chg="add mod">
+          <ac:chgData name="Li Lixiang" userId="6104bbfcb56aea79" providerId="LiveId" clId="{B5189E16-D950-4BFB-8123-3C3064A27E32}" dt="2022-03-11T10:01:08.669" v="407" actId="1035"/>
+          <ac:spMkLst>
+            <pc:docMk/>
+            <pc:sldMk cId="2624416114" sldId="288"/>
+            <ac:spMk id="10" creationId="{269BFCAF-8889-40F3-B206-B2F3FCA7F489}"/>
+          </ac:spMkLst>
+        </pc:spChg>
+        <pc:spChg chg="add mod">
+          <ac:chgData name="Li Lixiang" userId="6104bbfcb56aea79" providerId="LiveId" clId="{B5189E16-D950-4BFB-8123-3C3064A27E32}" dt="2022-03-11T10:01:18.696" v="413" actId="1035"/>
+          <ac:spMkLst>
+            <pc:docMk/>
+            <pc:sldMk cId="2624416114" sldId="288"/>
+            <ac:spMk id="11" creationId="{EBED5C9C-DBD8-4A88-9ACF-BC5B10C2D541}"/>
+          </ac:spMkLst>
+        </pc:spChg>
+        <pc:spChg chg="add mod">
+          <ac:chgData name="Li Lixiang" userId="6104bbfcb56aea79" providerId="LiveId" clId="{B5189E16-D950-4BFB-8123-3C3064A27E32}" dt="2022-03-11T10:01:21.462" v="414" actId="1035"/>
+          <ac:spMkLst>
+            <pc:docMk/>
+            <pc:sldMk cId="2624416114" sldId="288"/>
+            <ac:spMk id="12" creationId="{6B742D17-151A-45F4-B652-FEAF7D5C9C34}"/>
+          </ac:spMkLst>
+        </pc:spChg>
+        <pc:spChg chg="add mod">
+          <ac:chgData name="Li Lixiang" userId="6104bbfcb56aea79" providerId="LiveId" clId="{B5189E16-D950-4BFB-8123-3C3064A27E32}" dt="2022-03-11T10:01:23.786" v="415" actId="1035"/>
+          <ac:spMkLst>
+            <pc:docMk/>
+            <pc:sldMk cId="2624416114" sldId="288"/>
+            <ac:spMk id="13" creationId="{55FCAAE5-7CDD-4A35-8A18-D678B9F5F8DF}"/>
+          </ac:spMkLst>
+        </pc:spChg>
+        <pc:spChg chg="add del mod">
+          <ac:chgData name="Li Lixiang" userId="6104bbfcb56aea79" providerId="LiveId" clId="{B5189E16-D950-4BFB-8123-3C3064A27E32}" dt="2022-03-11T10:13:25.691" v="841" actId="478"/>
+          <ac:spMkLst>
+            <pc:docMk/>
+            <pc:sldMk cId="2624416114" sldId="288"/>
+            <ac:spMk id="14" creationId="{3E90993B-B24C-4CEE-B942-045A1EDF1020}"/>
+          </ac:spMkLst>
+        </pc:spChg>
+        <pc:spChg chg="add mod">
+          <ac:chgData name="Li Lixiang" userId="6104bbfcb56aea79" providerId="LiveId" clId="{B5189E16-D950-4BFB-8123-3C3064A27E32}" dt="2022-03-11T10:01:26.948" v="417" actId="1035"/>
+          <ac:spMkLst>
+            <pc:docMk/>
+            <pc:sldMk cId="2624416114" sldId="288"/>
+            <ac:spMk id="15" creationId="{9853CF55-9506-44E0-9370-E18A0A62E773}"/>
+          </ac:spMkLst>
+        </pc:spChg>
+        <pc:spChg chg="add del mod">
+          <ac:chgData name="Li Lixiang" userId="6104bbfcb56aea79" providerId="LiveId" clId="{B5189E16-D950-4BFB-8123-3C3064A27E32}" dt="2022-03-11T10:13:23.205" v="840" actId="478"/>
+          <ac:spMkLst>
+            <pc:docMk/>
+            <pc:sldMk cId="2624416114" sldId="288"/>
+            <ac:spMk id="16" creationId="{8FC5D97A-3DC0-44F2-BAF4-8D2A57B13F03}"/>
+          </ac:spMkLst>
+        </pc:spChg>
+        <pc:spChg chg="add del mod">
+          <ac:chgData name="Li Lixiang" userId="6104bbfcb56aea79" providerId="LiveId" clId="{B5189E16-D950-4BFB-8123-3C3064A27E32}" dt="2022-03-11T10:13:23.205" v="840" actId="478"/>
+          <ac:spMkLst>
+            <pc:docMk/>
+            <pc:sldMk cId="2624416114" sldId="288"/>
+            <ac:spMk id="17" creationId="{27278C05-8AF2-42B0-B5E9-1E2109B4CFCF}"/>
+          </ac:spMkLst>
+        </pc:spChg>
+        <pc:spChg chg="add del mod">
+          <ac:chgData name="Li Lixiang" userId="6104bbfcb56aea79" providerId="LiveId" clId="{B5189E16-D950-4BFB-8123-3C3064A27E32}" dt="2022-03-11T10:13:23.205" v="840" actId="478"/>
+          <ac:spMkLst>
+            <pc:docMk/>
+            <pc:sldMk cId="2624416114" sldId="288"/>
+            <ac:spMk id="18" creationId="{3F9720D6-CFE1-4D47-BB7F-F23C39C823D4}"/>
+          </ac:spMkLst>
+        </pc:spChg>
+        <pc:spChg chg="add del mod">
+          <ac:chgData name="Li Lixiang" userId="6104bbfcb56aea79" providerId="LiveId" clId="{B5189E16-D950-4BFB-8123-3C3064A27E32}" dt="2022-03-11T10:13:23.205" v="840" actId="478"/>
+          <ac:spMkLst>
+            <pc:docMk/>
+            <pc:sldMk cId="2624416114" sldId="288"/>
+            <ac:spMk id="19" creationId="{EA165812-0840-4476-A707-AAA16B09D69F}"/>
+          </ac:spMkLst>
+        </pc:spChg>
+        <pc:spChg chg="add del mod">
+          <ac:chgData name="Li Lixiang" userId="6104bbfcb56aea79" providerId="LiveId" clId="{B5189E16-D950-4BFB-8123-3C3064A27E32}" dt="2022-03-11T10:13:23.205" v="840" actId="478"/>
+          <ac:spMkLst>
+            <pc:docMk/>
+            <pc:sldMk cId="2624416114" sldId="288"/>
+            <ac:spMk id="20" creationId="{E197CDB8-07D7-4086-92C6-72FF551D09FA}"/>
+          </ac:spMkLst>
+        </pc:spChg>
+        <pc:spChg chg="add mod">
+          <ac:chgData name="Li Lixiang" userId="6104bbfcb56aea79" providerId="LiveId" clId="{B5189E16-D950-4BFB-8123-3C3064A27E32}" dt="2022-03-11T10:13:34.884" v="864" actId="1038"/>
+          <ac:spMkLst>
+            <pc:docMk/>
+            <pc:sldMk cId="2624416114" sldId="288"/>
+            <ac:spMk id="21" creationId="{79652476-7E75-4291-91F1-0BE07E00DA66}"/>
+          </ac:spMkLst>
+        </pc:spChg>
+        <pc:spChg chg="add mod">
+          <ac:chgData name="Li Lixiang" userId="6104bbfcb56aea79" providerId="LiveId" clId="{B5189E16-D950-4BFB-8123-3C3064A27E32}" dt="2022-03-11T10:13:34.884" v="864" actId="1038"/>
+          <ac:spMkLst>
+            <pc:docMk/>
+            <pc:sldMk cId="2624416114" sldId="288"/>
+            <ac:spMk id="22" creationId="{E57D958C-2095-4439-AE92-10F816677A57}"/>
+          </ac:spMkLst>
+        </pc:spChg>
+        <pc:spChg chg="add mod">
+          <ac:chgData name="Li Lixiang" userId="6104bbfcb56aea79" providerId="LiveId" clId="{B5189E16-D950-4BFB-8123-3C3064A27E32}" dt="2022-03-11T10:13:34.884" v="864" actId="1038"/>
+          <ac:spMkLst>
+            <pc:docMk/>
+            <pc:sldMk cId="2624416114" sldId="288"/>
+            <ac:spMk id="23" creationId="{120E33EA-29B6-4198-9333-09A0A9AB91CE}"/>
+          </ac:spMkLst>
+        </pc:spChg>
+        <pc:spChg chg="add mod">
+          <ac:chgData name="Li Lixiang" userId="6104bbfcb56aea79" providerId="LiveId" clId="{B5189E16-D950-4BFB-8123-3C3064A27E32}" dt="2022-03-11T10:13:34.884" v="864" actId="1038"/>
+          <ac:spMkLst>
+            <pc:docMk/>
+            <pc:sldMk cId="2624416114" sldId="288"/>
+            <ac:spMk id="24" creationId="{FDF97B6E-F52F-4945-807B-914B14CF72E6}"/>
+          </ac:spMkLst>
+        </pc:spChg>
+        <pc:spChg chg="add mod">
+          <ac:chgData name="Li Lixiang" userId="6104bbfcb56aea79" providerId="LiveId" clId="{B5189E16-D950-4BFB-8123-3C3064A27E32}" dt="2022-03-11T10:13:34.884" v="864" actId="1038"/>
+          <ac:spMkLst>
+            <pc:docMk/>
+            <pc:sldMk cId="2624416114" sldId="288"/>
+            <ac:spMk id="25" creationId="{492FE23C-0119-49F3-B07A-1AA6ED915CDE}"/>
+          </ac:spMkLst>
+        </pc:spChg>
+        <pc:spChg chg="add mod">
+          <ac:chgData name="Li Lixiang" userId="6104bbfcb56aea79" providerId="LiveId" clId="{B5189E16-D950-4BFB-8123-3C3064A27E32}" dt="2022-03-11T10:13:34.884" v="864" actId="1038"/>
+          <ac:spMkLst>
+            <pc:docMk/>
+            <pc:sldMk cId="2624416114" sldId="288"/>
+            <ac:spMk id="26" creationId="{F2C42553-F5B0-4916-9BD0-14A462461222}"/>
+          </ac:spMkLst>
+        </pc:spChg>
+        <pc:spChg chg="add mod">
+          <ac:chgData name="Li Lixiang" userId="6104bbfcb56aea79" providerId="LiveId" clId="{B5189E16-D950-4BFB-8123-3C3064A27E32}" dt="2022-03-11T10:13:34.884" v="864" actId="1038"/>
+          <ac:spMkLst>
+            <pc:docMk/>
+            <pc:sldMk cId="2624416114" sldId="288"/>
+            <ac:spMk id="27" creationId="{6BC6C2CA-50E5-40B3-A816-022F604993EC}"/>
+          </ac:spMkLst>
+        </pc:spChg>
+        <pc:spChg chg="add mod">
+          <ac:chgData name="Li Lixiang" userId="6104bbfcb56aea79" providerId="LiveId" clId="{B5189E16-D950-4BFB-8123-3C3064A27E32}" dt="2022-03-11T10:13:34.884" v="864" actId="1038"/>
+          <ac:spMkLst>
+            <pc:docMk/>
+            <pc:sldMk cId="2624416114" sldId="288"/>
+            <ac:spMk id="28" creationId="{89922070-579D-495A-8692-EE3EBE6100D1}"/>
+          </ac:spMkLst>
+        </pc:spChg>
         <pc:picChg chg="add mod">
-          <ac:chgData name="Li Lixiang" userId="6104bbfcb56aea79" providerId="LiveId" clId="{B5189E16-D950-4BFB-8123-3C3064A27E32}" dt="2021-10-05T03:34:37.878" v="74" actId="1076"/>
+          <ac:chgData name="Li Lixiang" userId="6104bbfcb56aea79" providerId="LiveId" clId="{B5189E16-D950-4BFB-8123-3C3064A27E32}" dt="2022-03-11T10:13:34.884" v="864" actId="1038"/>
           <ac:picMkLst>
             <pc:docMk/>
             <pc:sldMk cId="2624416114" sldId="288"/>
@@ -2795,7 +3947,7 @@
             <a:fld id="{B61BEF0D-F0BB-DE4B-95CE-6DB70DBA9567}" type="datetimeFigureOut">
               <a:rPr lang="en-US" smtClean="0"/>
               <a:pPr/>
-              <a:t>10/5/2021</a:t>
+              <a:t>3/11/2022</a:t>
             </a:fld>
             <a:endParaRPr lang="en-US" dirty="0"/>
           </a:p>
@@ -3131,7 +4283,7 @@
             <a:fld id="{B61BEF0D-F0BB-DE4B-95CE-6DB70DBA9567}" type="datetimeFigureOut">
               <a:rPr lang="en-US" smtClean="0"/>
               <a:pPr/>
-              <a:t>10/5/2021</a:t>
+              <a:t>3/11/2022</a:t>
             </a:fld>
             <a:endParaRPr lang="en-US" dirty="0"/>
           </a:p>
@@ -3411,7 +4563,7 @@
             <a:fld id="{B61BEF0D-F0BB-DE4B-95CE-6DB70DBA9567}" type="datetimeFigureOut">
               <a:rPr lang="en-US" smtClean="0"/>
               <a:pPr/>
-              <a:t>10/5/2021</a:t>
+              <a:t>3/11/2022</a:t>
             </a:fld>
             <a:endParaRPr lang="en-US" dirty="0"/>
           </a:p>
@@ -3981,7 +5133,7 @@
             <a:fld id="{B61BEF0D-F0BB-DE4B-95CE-6DB70DBA9567}" type="datetimeFigureOut">
               <a:rPr lang="en-US" smtClean="0"/>
               <a:pPr/>
-              <a:t>10/5/2021</a:t>
+              <a:t>3/11/2022</a:t>
             </a:fld>
             <a:endParaRPr lang="en-US" dirty="0"/>
           </a:p>
@@ -4261,7 +5413,7 @@
             <a:fld id="{B61BEF0D-F0BB-DE4B-95CE-6DB70DBA9567}" type="datetimeFigureOut">
               <a:rPr lang="en-US" smtClean="0"/>
               <a:pPr/>
-              <a:t>10/5/2021</a:t>
+              <a:t>3/11/2022</a:t>
             </a:fld>
             <a:endParaRPr lang="en-US" dirty="0"/>
           </a:p>
@@ -4825,7 +5977,7 @@
             <a:fld id="{B61BEF0D-F0BB-DE4B-95CE-6DB70DBA9567}" type="datetimeFigureOut">
               <a:rPr lang="en-US" smtClean="0"/>
               <a:pPr/>
-              <a:t>10/5/2021</a:t>
+              <a:t>3/11/2022</a:t>
             </a:fld>
             <a:endParaRPr lang="en-US" dirty="0"/>
           </a:p>
@@ -5154,7 +6306,7 @@
             <a:fld id="{B61BEF0D-F0BB-DE4B-95CE-6DB70DBA9567}" type="datetimeFigureOut">
               <a:rPr lang="en-US" smtClean="0"/>
               <a:pPr/>
-              <a:t>10/5/2021</a:t>
+              <a:t>3/11/2022</a:t>
             </a:fld>
             <a:endParaRPr lang="en-US" dirty="0"/>
           </a:p>
@@ -5333,7 +6485,7 @@
             <a:fld id="{B61BEF0D-F0BB-DE4B-95CE-6DB70DBA9567}" type="datetimeFigureOut">
               <a:rPr lang="en-US" smtClean="0"/>
               <a:pPr/>
-              <a:t>10/5/2021</a:t>
+              <a:t>3/11/2022</a:t>
             </a:fld>
             <a:endParaRPr lang="en-US" dirty="0"/>
           </a:p>
@@ -5573,7 +6725,7 @@
             <a:fld id="{B61BEF0D-F0BB-DE4B-95CE-6DB70DBA9567}" type="datetimeFigureOut">
               <a:rPr lang="en-US" smtClean="0"/>
               <a:pPr/>
-              <a:t>10/5/2021</a:t>
+              <a:t>3/11/2022</a:t>
             </a:fld>
             <a:endParaRPr lang="en-US" dirty="0"/>
           </a:p>
@@ -5775,7 +6927,7 @@
             <a:fld id="{B61BEF0D-F0BB-DE4B-95CE-6DB70DBA9567}" type="datetimeFigureOut">
               <a:rPr lang="en-US" smtClean="0"/>
               <a:pPr/>
-              <a:t>10/5/2021</a:t>
+              <a:t>3/11/2022</a:t>
             </a:fld>
             <a:endParaRPr lang="en-US" dirty="0"/>
           </a:p>
@@ -6053,7 +7205,7 @@
             <a:fld id="{B61BEF0D-F0BB-DE4B-95CE-6DB70DBA9567}" type="datetimeFigureOut">
               <a:rPr lang="en-US" smtClean="0"/>
               <a:pPr/>
-              <a:t>10/5/2021</a:t>
+              <a:t>3/11/2022</a:t>
             </a:fld>
             <a:endParaRPr lang="en-US" dirty="0"/>
           </a:p>
@@ -6321,7 +7473,7 @@
             <a:fld id="{B61BEF0D-F0BB-DE4B-95CE-6DB70DBA9567}" type="datetimeFigureOut">
               <a:rPr lang="en-US" smtClean="0"/>
               <a:pPr/>
-              <a:t>10/5/2021</a:t>
+              <a:t>3/11/2022</a:t>
             </a:fld>
             <a:endParaRPr lang="en-US" dirty="0"/>
           </a:p>
@@ -6697,7 +7849,7 @@
             <a:fld id="{B61BEF0D-F0BB-DE4B-95CE-6DB70DBA9567}" type="datetimeFigureOut">
               <a:rPr lang="en-US" smtClean="0"/>
               <a:pPr/>
-              <a:t>10/5/2021</a:t>
+              <a:t>3/11/2022</a:t>
             </a:fld>
             <a:endParaRPr lang="en-US" dirty="0"/>
           </a:p>
@@ -6847,7 +7999,7 @@
             <a:fld id="{B61BEF0D-F0BB-DE4B-95CE-6DB70DBA9567}" type="datetimeFigureOut">
               <a:rPr lang="en-US" smtClean="0"/>
               <a:pPr/>
-              <a:t>10/5/2021</a:t>
+              <a:t>3/11/2022</a:t>
             </a:fld>
             <a:endParaRPr lang="en-US" dirty="0"/>
           </a:p>
@@ -6974,7 +8126,7 @@
             <a:fld id="{B61BEF0D-F0BB-DE4B-95CE-6DB70DBA9567}" type="datetimeFigureOut">
               <a:rPr lang="en-US" smtClean="0"/>
               <a:pPr/>
-              <a:t>10/5/2021</a:t>
+              <a:t>3/11/2022</a:t>
             </a:fld>
             <a:endParaRPr lang="en-US" dirty="0"/>
           </a:p>
@@ -7261,7 +8413,7 @@
             <a:fld id="{B61BEF0D-F0BB-DE4B-95CE-6DB70DBA9567}" type="datetimeFigureOut">
               <a:rPr lang="en-US" smtClean="0"/>
               <a:pPr/>
-              <a:t>10/5/2021</a:t>
+              <a:t>3/11/2022</a:t>
             </a:fld>
             <a:endParaRPr lang="en-US" dirty="0"/>
           </a:p>
@@ -7587,7 +8739,7 @@
             <a:fld id="{B61BEF0D-F0BB-DE4B-95CE-6DB70DBA9567}" type="datetimeFigureOut">
               <a:rPr lang="en-US" smtClean="0"/>
               <a:pPr/>
-              <a:t>10/5/2021</a:t>
+              <a:t>3/11/2022</a:t>
             </a:fld>
             <a:endParaRPr lang="en-US" dirty="0"/>
           </a:p>
@@ -7803,7 +8955,7 @@
             <a:fld id="{B61BEF0D-F0BB-DE4B-95CE-6DB70DBA9567}" type="datetimeFigureOut">
               <a:rPr lang="en-US" smtClean="0"/>
               <a:pPr/>
-              <a:t>10/5/2021</a:t>
+              <a:t>3/11/2022</a:t>
             </a:fld>
             <a:endParaRPr lang="en-US" dirty="0"/>
           </a:p>
@@ -8420,14 +9572,100 @@
             <p:ph type="title"/>
           </p:nvPr>
         </p:nvSpPr>
-        <p:spPr/>
-        <p:txBody>
-          <a:bodyPr/>
-          <a:lstStyle/>
-          <a:p>
-            <a:r>
-              <a:rPr lang="en-US" dirty="0"/>
-              <a:t>In class practice: what is the result for those code?</a:t>
+        <p:spPr>
+          <a:xfrm>
+            <a:off x="685801" y="609600"/>
+            <a:ext cx="10726270" cy="1456267"/>
+          </a:xfrm>
+        </p:spPr>
+        <p:txBody>
+          <a:bodyPr>
+            <a:normAutofit/>
+          </a:bodyPr>
+          <a:lstStyle/>
+          <a:p>
+            <a:r>
+              <a:rPr kumimoji="0" lang="en-US" sz="3200" b="0" i="0" u="none" strike="noStrike" kern="1200" cap="all" spc="0" normalizeH="0" baseline="0" noProof="0" dirty="0">
+                <a:ln w="3175" cmpd="sng">
+                  <a:noFill/>
+                </a:ln>
+                <a:solidFill>
+                  <a:prstClr val="white"/>
+                </a:solidFill>
+                <a:effectLst/>
+                <a:uLnTx/>
+                <a:uFillTx/>
+                <a:latin typeface="Calibri Light" panose="020F0302020204030204"/>
+                <a:ea typeface="+mj-ea"/>
+                <a:cs typeface="+mj-cs"/>
+              </a:rPr>
+              <a:t>In class practice: </a:t>
+            </a:r>
+            <a:br>
+              <a:rPr kumimoji="0" lang="en-US" sz="3200" b="0" i="0" u="none" strike="noStrike" kern="1200" cap="all" spc="0" normalizeH="0" baseline="0" noProof="0" dirty="0">
+                <a:ln w="3175" cmpd="sng">
+                  <a:noFill/>
+                </a:ln>
+                <a:solidFill>
+                  <a:prstClr val="white"/>
+                </a:solidFill>
+                <a:effectLst/>
+                <a:uLnTx/>
+                <a:uFillTx/>
+                <a:latin typeface="Calibri Light" panose="020F0302020204030204"/>
+                <a:ea typeface="+mj-ea"/>
+                <a:cs typeface="+mj-cs"/>
+              </a:rPr>
+            </a:br>
+            <a:r>
+              <a:rPr kumimoji="0" lang="en-US" sz="2400" b="0" i="0" u="none" strike="noStrike" kern="1200" cap="all" spc="0" normalizeH="0" baseline="0" noProof="0" dirty="0">
+                <a:ln w="3175" cmpd="sng">
+                  <a:noFill/>
+                </a:ln>
+                <a:solidFill>
+                  <a:prstClr val="white"/>
+                </a:solidFill>
+                <a:effectLst/>
+                <a:uLnTx/>
+                <a:uFillTx/>
+                <a:latin typeface="Calibri Light" panose="020F0302020204030204"/>
+                <a:ea typeface="+mj-ea"/>
+                <a:cs typeface="+mj-cs"/>
+              </a:rPr>
+              <a:t>1. anything wrong? what is the result for those code? </a:t>
+            </a:r>
+            <a:br>
+              <a:rPr kumimoji="0" lang="en-US" sz="2400" b="0" i="0" u="none" strike="noStrike" kern="1200" cap="all" spc="0" normalizeH="0" baseline="0" noProof="0" dirty="0">
+                <a:ln w="3175" cmpd="sng">
+                  <a:noFill/>
+                </a:ln>
+                <a:solidFill>
+                  <a:prstClr val="white"/>
+                </a:solidFill>
+                <a:effectLst/>
+                <a:uLnTx/>
+                <a:uFillTx/>
+                <a:latin typeface="Calibri Light" panose="020F0302020204030204"/>
+                <a:ea typeface="+mj-ea"/>
+                <a:cs typeface="+mj-cs"/>
+              </a:rPr>
+            </a:br>
+            <a:r>
+              <a:rPr kumimoji="0" lang="en-US" sz="2400" b="0" i="0" u="none" strike="noStrike" kern="1200" cap="all" spc="0" normalizeH="0" baseline="0" noProof="0" dirty="0">
+                <a:ln w="3175" cmpd="sng">
+                  <a:noFill/>
+                </a:ln>
+                <a:solidFill>
+                  <a:prstClr val="white"/>
+                </a:solidFill>
+                <a:effectLst/>
+                <a:uLnTx/>
+                <a:uFillTx/>
+                <a:latin typeface="Calibri Light" panose="020F0302020204030204"/>
+                <a:ea typeface="+mj-ea"/>
+                <a:cs typeface="+mj-cs"/>
+              </a:rPr>
+              <a:t>2. give correct execution flow order of line number which has no error.</a:t>
             </a:r>
             <a:endParaRPr lang="en-MY" dirty="0"/>
           </a:p>
@@ -8553,6 +9791,1020 @@
           </a:prstGeom>
         </p:spPr>
       </p:pic>
+      <p:sp>
+        <p:nvSpPr>
+          <p:cNvPr id="8" name="TextBox 7">
+            <a:extLst>
+              <a:ext uri="{FF2B5EF4-FFF2-40B4-BE49-F238E27FC236}">
+                <a16:creationId xmlns:a16="http://schemas.microsoft.com/office/drawing/2014/main" id="{C244F2A0-5BDE-4EFD-B660-3572D670E2D8}"/>
+              </a:ext>
+            </a:extLst>
+          </p:cNvPr>
+          <p:cNvSpPr txBox="1"/>
+          <p:nvPr/>
+        </p:nvSpPr>
+        <p:spPr>
+          <a:xfrm>
+            <a:off x="667358" y="3052187"/>
+            <a:ext cx="404816" cy="276999"/>
+          </a:xfrm>
+          <a:prstGeom prst="rect">
+            <a:avLst/>
+          </a:prstGeom>
+          <a:noFill/>
+        </p:spPr>
+        <p:txBody>
+          <a:bodyPr wrap="square" rtlCol="0">
+            <a:spAutoFit/>
+          </a:bodyPr>
+          <a:lstStyle/>
+          <a:p>
+            <a:r>
+              <a:rPr lang="en-MY" sz="1200" dirty="0">
+                <a:solidFill>
+                  <a:srgbClr val="FFFF00"/>
+                </a:solidFill>
+              </a:rPr>
+              <a:t>③</a:t>
+            </a:r>
+          </a:p>
+        </p:txBody>
+      </p:sp>
+      <p:sp>
+        <p:nvSpPr>
+          <p:cNvPr id="10" name="TextBox 9">
+            <a:extLst>
+              <a:ext uri="{FF2B5EF4-FFF2-40B4-BE49-F238E27FC236}">
+                <a16:creationId xmlns:a16="http://schemas.microsoft.com/office/drawing/2014/main" id="{827206B9-8B3C-4D59-85B4-BCCC7A2B6005}"/>
+              </a:ext>
+            </a:extLst>
+          </p:cNvPr>
+          <p:cNvSpPr txBox="1"/>
+          <p:nvPr/>
+        </p:nvSpPr>
+        <p:spPr>
+          <a:xfrm>
+            <a:off x="667358" y="2692489"/>
+            <a:ext cx="404816" cy="276999"/>
+          </a:xfrm>
+          <a:prstGeom prst="rect">
+            <a:avLst/>
+          </a:prstGeom>
+          <a:noFill/>
+        </p:spPr>
+        <p:txBody>
+          <a:bodyPr wrap="square" rtlCol="0">
+            <a:spAutoFit/>
+          </a:bodyPr>
+          <a:lstStyle/>
+          <a:p>
+            <a:r>
+              <a:rPr lang="en-MY" sz="1200" dirty="0">
+                <a:solidFill>
+                  <a:srgbClr val="FFFF00"/>
+                </a:solidFill>
+              </a:rPr>
+              <a:t>①</a:t>
+            </a:r>
+          </a:p>
+        </p:txBody>
+      </p:sp>
+      <p:sp>
+        <p:nvSpPr>
+          <p:cNvPr id="12" name="TextBox 11">
+            <a:extLst>
+              <a:ext uri="{FF2B5EF4-FFF2-40B4-BE49-F238E27FC236}">
+                <a16:creationId xmlns:a16="http://schemas.microsoft.com/office/drawing/2014/main" id="{C0571F95-F496-444E-B27F-5EDFC0388F71}"/>
+              </a:ext>
+            </a:extLst>
+          </p:cNvPr>
+          <p:cNvSpPr txBox="1"/>
+          <p:nvPr/>
+        </p:nvSpPr>
+        <p:spPr>
+          <a:xfrm>
+            <a:off x="667358" y="2869213"/>
+            <a:ext cx="404816" cy="276999"/>
+          </a:xfrm>
+          <a:prstGeom prst="rect">
+            <a:avLst/>
+          </a:prstGeom>
+          <a:noFill/>
+        </p:spPr>
+        <p:txBody>
+          <a:bodyPr wrap="square" rtlCol="0">
+            <a:spAutoFit/>
+          </a:bodyPr>
+          <a:lstStyle/>
+          <a:p>
+            <a:r>
+              <a:rPr lang="en-MY" sz="1200" dirty="0">
+                <a:solidFill>
+                  <a:srgbClr val="FFFF00"/>
+                </a:solidFill>
+              </a:rPr>
+              <a:t>②</a:t>
+            </a:r>
+          </a:p>
+        </p:txBody>
+      </p:sp>
+      <p:sp>
+        <p:nvSpPr>
+          <p:cNvPr id="13" name="TextBox 12">
+            <a:extLst>
+              <a:ext uri="{FF2B5EF4-FFF2-40B4-BE49-F238E27FC236}">
+                <a16:creationId xmlns:a16="http://schemas.microsoft.com/office/drawing/2014/main" id="{1610580F-5BCB-4DD2-94D5-03E5EA60D29E}"/>
+              </a:ext>
+            </a:extLst>
+          </p:cNvPr>
+          <p:cNvSpPr txBox="1"/>
+          <p:nvPr/>
+        </p:nvSpPr>
+        <p:spPr>
+          <a:xfrm>
+            <a:off x="667358" y="3237236"/>
+            <a:ext cx="404816" cy="276999"/>
+          </a:xfrm>
+          <a:prstGeom prst="rect">
+            <a:avLst/>
+          </a:prstGeom>
+          <a:noFill/>
+        </p:spPr>
+        <p:txBody>
+          <a:bodyPr wrap="square" rtlCol="0">
+            <a:spAutoFit/>
+          </a:bodyPr>
+          <a:lstStyle/>
+          <a:p>
+            <a:r>
+              <a:rPr lang="en-MY" sz="1200" dirty="0">
+                <a:solidFill>
+                  <a:srgbClr val="FFFF00"/>
+                </a:solidFill>
+              </a:rPr>
+              <a:t>④</a:t>
+            </a:r>
+          </a:p>
+        </p:txBody>
+      </p:sp>
+      <p:sp>
+        <p:nvSpPr>
+          <p:cNvPr id="14" name="TextBox 13">
+            <a:extLst>
+              <a:ext uri="{FF2B5EF4-FFF2-40B4-BE49-F238E27FC236}">
+                <a16:creationId xmlns:a16="http://schemas.microsoft.com/office/drawing/2014/main" id="{5CC6B2BF-AF7C-4509-B3B0-B9512E469191}"/>
+              </a:ext>
+            </a:extLst>
+          </p:cNvPr>
+          <p:cNvSpPr txBox="1"/>
+          <p:nvPr/>
+        </p:nvSpPr>
+        <p:spPr>
+          <a:xfrm>
+            <a:off x="667358" y="3418096"/>
+            <a:ext cx="404816" cy="276999"/>
+          </a:xfrm>
+          <a:prstGeom prst="rect">
+            <a:avLst/>
+          </a:prstGeom>
+          <a:noFill/>
+        </p:spPr>
+        <p:txBody>
+          <a:bodyPr wrap="square" rtlCol="0">
+            <a:spAutoFit/>
+          </a:bodyPr>
+          <a:lstStyle/>
+          <a:p>
+            <a:r>
+              <a:rPr lang="en-MY" sz="1200" dirty="0">
+                <a:solidFill>
+                  <a:srgbClr val="FFFF00"/>
+                </a:solidFill>
+              </a:rPr>
+              <a:t>⑤</a:t>
+            </a:r>
+          </a:p>
+        </p:txBody>
+      </p:sp>
+      <p:sp>
+        <p:nvSpPr>
+          <p:cNvPr id="15" name="TextBox 14">
+            <a:extLst>
+              <a:ext uri="{FF2B5EF4-FFF2-40B4-BE49-F238E27FC236}">
+                <a16:creationId xmlns:a16="http://schemas.microsoft.com/office/drawing/2014/main" id="{6C68B30E-2467-4C96-AC32-9F340952D9EC}"/>
+              </a:ext>
+            </a:extLst>
+          </p:cNvPr>
+          <p:cNvSpPr txBox="1"/>
+          <p:nvPr/>
+        </p:nvSpPr>
+        <p:spPr>
+          <a:xfrm>
+            <a:off x="667358" y="3600931"/>
+            <a:ext cx="404816" cy="276999"/>
+          </a:xfrm>
+          <a:prstGeom prst="rect">
+            <a:avLst/>
+          </a:prstGeom>
+          <a:noFill/>
+        </p:spPr>
+        <p:txBody>
+          <a:bodyPr wrap="square" rtlCol="0">
+            <a:spAutoFit/>
+          </a:bodyPr>
+          <a:lstStyle/>
+          <a:p>
+            <a:r>
+              <a:rPr lang="en-MY" sz="1200" dirty="0">
+                <a:solidFill>
+                  <a:srgbClr val="FFFF00"/>
+                </a:solidFill>
+              </a:rPr>
+              <a:t>⑥</a:t>
+            </a:r>
+          </a:p>
+        </p:txBody>
+      </p:sp>
+      <p:sp>
+        <p:nvSpPr>
+          <p:cNvPr id="21" name="TextBox 20">
+            <a:extLst>
+              <a:ext uri="{FF2B5EF4-FFF2-40B4-BE49-F238E27FC236}">
+                <a16:creationId xmlns:a16="http://schemas.microsoft.com/office/drawing/2014/main" id="{9609D29C-7C37-433F-A105-A7D78DB7E49C}"/>
+              </a:ext>
+            </a:extLst>
+          </p:cNvPr>
+          <p:cNvSpPr txBox="1"/>
+          <p:nvPr/>
+        </p:nvSpPr>
+        <p:spPr>
+          <a:xfrm>
+            <a:off x="3206671" y="3055375"/>
+            <a:ext cx="404816" cy="276999"/>
+          </a:xfrm>
+          <a:prstGeom prst="rect">
+            <a:avLst/>
+          </a:prstGeom>
+          <a:noFill/>
+        </p:spPr>
+        <p:txBody>
+          <a:bodyPr wrap="square" rtlCol="0">
+            <a:spAutoFit/>
+          </a:bodyPr>
+          <a:lstStyle/>
+          <a:p>
+            <a:r>
+              <a:rPr lang="en-MY" sz="1200" dirty="0">
+                <a:solidFill>
+                  <a:srgbClr val="FFFF00"/>
+                </a:solidFill>
+              </a:rPr>
+              <a:t>③</a:t>
+            </a:r>
+          </a:p>
+        </p:txBody>
+      </p:sp>
+      <p:sp>
+        <p:nvSpPr>
+          <p:cNvPr id="22" name="TextBox 21">
+            <a:extLst>
+              <a:ext uri="{FF2B5EF4-FFF2-40B4-BE49-F238E27FC236}">
+                <a16:creationId xmlns:a16="http://schemas.microsoft.com/office/drawing/2014/main" id="{A8C1C98D-CA11-404B-AF6C-9DC67AFF528E}"/>
+              </a:ext>
+            </a:extLst>
+          </p:cNvPr>
+          <p:cNvSpPr txBox="1"/>
+          <p:nvPr/>
+        </p:nvSpPr>
+        <p:spPr>
+          <a:xfrm>
+            <a:off x="3206671" y="2695677"/>
+            <a:ext cx="404816" cy="276999"/>
+          </a:xfrm>
+          <a:prstGeom prst="rect">
+            <a:avLst/>
+          </a:prstGeom>
+          <a:noFill/>
+        </p:spPr>
+        <p:txBody>
+          <a:bodyPr wrap="square" rtlCol="0">
+            <a:spAutoFit/>
+          </a:bodyPr>
+          <a:lstStyle/>
+          <a:p>
+            <a:r>
+              <a:rPr lang="en-MY" sz="1200" dirty="0">
+                <a:solidFill>
+                  <a:srgbClr val="FFFF00"/>
+                </a:solidFill>
+              </a:rPr>
+              <a:t>①</a:t>
+            </a:r>
+          </a:p>
+        </p:txBody>
+      </p:sp>
+      <p:sp>
+        <p:nvSpPr>
+          <p:cNvPr id="23" name="TextBox 22">
+            <a:extLst>
+              <a:ext uri="{FF2B5EF4-FFF2-40B4-BE49-F238E27FC236}">
+                <a16:creationId xmlns:a16="http://schemas.microsoft.com/office/drawing/2014/main" id="{5D9263E2-5529-4070-8BE1-9A56E3B70D85}"/>
+              </a:ext>
+            </a:extLst>
+          </p:cNvPr>
+          <p:cNvSpPr txBox="1"/>
+          <p:nvPr/>
+        </p:nvSpPr>
+        <p:spPr>
+          <a:xfrm>
+            <a:off x="3206671" y="2872401"/>
+            <a:ext cx="404816" cy="276999"/>
+          </a:xfrm>
+          <a:prstGeom prst="rect">
+            <a:avLst/>
+          </a:prstGeom>
+          <a:noFill/>
+        </p:spPr>
+        <p:txBody>
+          <a:bodyPr wrap="square" rtlCol="0">
+            <a:spAutoFit/>
+          </a:bodyPr>
+          <a:lstStyle/>
+          <a:p>
+            <a:r>
+              <a:rPr lang="en-MY" sz="1200" dirty="0">
+                <a:solidFill>
+                  <a:srgbClr val="FFFF00"/>
+                </a:solidFill>
+              </a:rPr>
+              <a:t>②</a:t>
+            </a:r>
+          </a:p>
+        </p:txBody>
+      </p:sp>
+      <p:sp>
+        <p:nvSpPr>
+          <p:cNvPr id="24" name="TextBox 23">
+            <a:extLst>
+              <a:ext uri="{FF2B5EF4-FFF2-40B4-BE49-F238E27FC236}">
+                <a16:creationId xmlns:a16="http://schemas.microsoft.com/office/drawing/2014/main" id="{39AC51C8-C470-40CC-8C7F-D1F7970F6A9E}"/>
+              </a:ext>
+            </a:extLst>
+          </p:cNvPr>
+          <p:cNvSpPr txBox="1"/>
+          <p:nvPr/>
+        </p:nvSpPr>
+        <p:spPr>
+          <a:xfrm>
+            <a:off x="3206671" y="3240424"/>
+            <a:ext cx="404816" cy="276999"/>
+          </a:xfrm>
+          <a:prstGeom prst="rect">
+            <a:avLst/>
+          </a:prstGeom>
+          <a:noFill/>
+        </p:spPr>
+        <p:txBody>
+          <a:bodyPr wrap="square" rtlCol="0">
+            <a:spAutoFit/>
+          </a:bodyPr>
+          <a:lstStyle/>
+          <a:p>
+            <a:r>
+              <a:rPr lang="en-MY" sz="1200" dirty="0">
+                <a:solidFill>
+                  <a:srgbClr val="FFFF00"/>
+                </a:solidFill>
+              </a:rPr>
+              <a:t>④</a:t>
+            </a:r>
+          </a:p>
+        </p:txBody>
+      </p:sp>
+      <p:sp>
+        <p:nvSpPr>
+          <p:cNvPr id="25" name="TextBox 24">
+            <a:extLst>
+              <a:ext uri="{FF2B5EF4-FFF2-40B4-BE49-F238E27FC236}">
+                <a16:creationId xmlns:a16="http://schemas.microsoft.com/office/drawing/2014/main" id="{876ACDD5-A4F7-4D72-BD37-0E8514F995B2}"/>
+              </a:ext>
+            </a:extLst>
+          </p:cNvPr>
+          <p:cNvSpPr txBox="1"/>
+          <p:nvPr/>
+        </p:nvSpPr>
+        <p:spPr>
+          <a:xfrm>
+            <a:off x="3206671" y="3421284"/>
+            <a:ext cx="404816" cy="276999"/>
+          </a:xfrm>
+          <a:prstGeom prst="rect">
+            <a:avLst/>
+          </a:prstGeom>
+          <a:noFill/>
+        </p:spPr>
+        <p:txBody>
+          <a:bodyPr wrap="square" rtlCol="0">
+            <a:spAutoFit/>
+          </a:bodyPr>
+          <a:lstStyle/>
+          <a:p>
+            <a:r>
+              <a:rPr lang="en-MY" sz="1200" dirty="0">
+                <a:solidFill>
+                  <a:srgbClr val="FFFF00"/>
+                </a:solidFill>
+              </a:rPr>
+              <a:t>⑤</a:t>
+            </a:r>
+          </a:p>
+        </p:txBody>
+      </p:sp>
+      <p:sp>
+        <p:nvSpPr>
+          <p:cNvPr id="26" name="TextBox 25">
+            <a:extLst>
+              <a:ext uri="{FF2B5EF4-FFF2-40B4-BE49-F238E27FC236}">
+                <a16:creationId xmlns:a16="http://schemas.microsoft.com/office/drawing/2014/main" id="{F4F19ECA-8E23-48B6-8D60-00FEACD288D4}"/>
+              </a:ext>
+            </a:extLst>
+          </p:cNvPr>
+          <p:cNvSpPr txBox="1"/>
+          <p:nvPr/>
+        </p:nvSpPr>
+        <p:spPr>
+          <a:xfrm>
+            <a:off x="3206671" y="3604119"/>
+            <a:ext cx="404816" cy="276999"/>
+          </a:xfrm>
+          <a:prstGeom prst="rect">
+            <a:avLst/>
+          </a:prstGeom>
+          <a:noFill/>
+        </p:spPr>
+        <p:txBody>
+          <a:bodyPr wrap="square" rtlCol="0">
+            <a:spAutoFit/>
+          </a:bodyPr>
+          <a:lstStyle/>
+          <a:p>
+            <a:r>
+              <a:rPr lang="en-MY" sz="1200" dirty="0">
+                <a:solidFill>
+                  <a:srgbClr val="FFFF00"/>
+                </a:solidFill>
+              </a:rPr>
+              <a:t>⑥</a:t>
+            </a:r>
+          </a:p>
+        </p:txBody>
+      </p:sp>
+      <p:sp>
+        <p:nvSpPr>
+          <p:cNvPr id="27" name="TextBox 26">
+            <a:extLst>
+              <a:ext uri="{FF2B5EF4-FFF2-40B4-BE49-F238E27FC236}">
+                <a16:creationId xmlns:a16="http://schemas.microsoft.com/office/drawing/2014/main" id="{CA47670E-DC88-43B9-BC7E-86B7A6C761ED}"/>
+              </a:ext>
+            </a:extLst>
+          </p:cNvPr>
+          <p:cNvSpPr txBox="1"/>
+          <p:nvPr/>
+        </p:nvSpPr>
+        <p:spPr>
+          <a:xfrm>
+            <a:off x="7169071" y="3055375"/>
+            <a:ext cx="404816" cy="276999"/>
+          </a:xfrm>
+          <a:prstGeom prst="rect">
+            <a:avLst/>
+          </a:prstGeom>
+          <a:noFill/>
+        </p:spPr>
+        <p:txBody>
+          <a:bodyPr wrap="square" rtlCol="0">
+            <a:spAutoFit/>
+          </a:bodyPr>
+          <a:lstStyle/>
+          <a:p>
+            <a:r>
+              <a:rPr lang="en-MY" sz="1200" dirty="0">
+                <a:solidFill>
+                  <a:srgbClr val="FFFF00"/>
+                </a:solidFill>
+              </a:rPr>
+              <a:t>③</a:t>
+            </a:r>
+          </a:p>
+        </p:txBody>
+      </p:sp>
+      <p:sp>
+        <p:nvSpPr>
+          <p:cNvPr id="28" name="TextBox 27">
+            <a:extLst>
+              <a:ext uri="{FF2B5EF4-FFF2-40B4-BE49-F238E27FC236}">
+                <a16:creationId xmlns:a16="http://schemas.microsoft.com/office/drawing/2014/main" id="{BF475356-31DF-40FB-A74F-9BD466DE2A4F}"/>
+              </a:ext>
+            </a:extLst>
+          </p:cNvPr>
+          <p:cNvSpPr txBox="1"/>
+          <p:nvPr/>
+        </p:nvSpPr>
+        <p:spPr>
+          <a:xfrm>
+            <a:off x="7169071" y="2695677"/>
+            <a:ext cx="404816" cy="276999"/>
+          </a:xfrm>
+          <a:prstGeom prst="rect">
+            <a:avLst/>
+          </a:prstGeom>
+          <a:noFill/>
+        </p:spPr>
+        <p:txBody>
+          <a:bodyPr wrap="square" rtlCol="0">
+            <a:spAutoFit/>
+          </a:bodyPr>
+          <a:lstStyle/>
+          <a:p>
+            <a:r>
+              <a:rPr lang="en-MY" sz="1200" dirty="0">
+                <a:solidFill>
+                  <a:srgbClr val="FFFF00"/>
+                </a:solidFill>
+              </a:rPr>
+              <a:t>①</a:t>
+            </a:r>
+          </a:p>
+        </p:txBody>
+      </p:sp>
+      <p:sp>
+        <p:nvSpPr>
+          <p:cNvPr id="29" name="TextBox 28">
+            <a:extLst>
+              <a:ext uri="{FF2B5EF4-FFF2-40B4-BE49-F238E27FC236}">
+                <a16:creationId xmlns:a16="http://schemas.microsoft.com/office/drawing/2014/main" id="{A69BBAFC-62AD-4635-9CD9-CD9016039B95}"/>
+              </a:ext>
+            </a:extLst>
+          </p:cNvPr>
+          <p:cNvSpPr txBox="1"/>
+          <p:nvPr/>
+        </p:nvSpPr>
+        <p:spPr>
+          <a:xfrm>
+            <a:off x="7169071" y="2872401"/>
+            <a:ext cx="404816" cy="276999"/>
+          </a:xfrm>
+          <a:prstGeom prst="rect">
+            <a:avLst/>
+          </a:prstGeom>
+          <a:noFill/>
+        </p:spPr>
+        <p:txBody>
+          <a:bodyPr wrap="square" rtlCol="0">
+            <a:spAutoFit/>
+          </a:bodyPr>
+          <a:lstStyle/>
+          <a:p>
+            <a:r>
+              <a:rPr lang="en-MY" sz="1200" dirty="0">
+                <a:solidFill>
+                  <a:srgbClr val="FFFF00"/>
+                </a:solidFill>
+              </a:rPr>
+              <a:t>②</a:t>
+            </a:r>
+          </a:p>
+        </p:txBody>
+      </p:sp>
+      <p:sp>
+        <p:nvSpPr>
+          <p:cNvPr id="30" name="TextBox 29">
+            <a:extLst>
+              <a:ext uri="{FF2B5EF4-FFF2-40B4-BE49-F238E27FC236}">
+                <a16:creationId xmlns:a16="http://schemas.microsoft.com/office/drawing/2014/main" id="{4CF9D3EC-07A9-4E07-B243-93238A4989B8}"/>
+              </a:ext>
+            </a:extLst>
+          </p:cNvPr>
+          <p:cNvSpPr txBox="1"/>
+          <p:nvPr/>
+        </p:nvSpPr>
+        <p:spPr>
+          <a:xfrm>
+            <a:off x="7169071" y="3240424"/>
+            <a:ext cx="404816" cy="276999"/>
+          </a:xfrm>
+          <a:prstGeom prst="rect">
+            <a:avLst/>
+          </a:prstGeom>
+          <a:noFill/>
+        </p:spPr>
+        <p:txBody>
+          <a:bodyPr wrap="square" rtlCol="0">
+            <a:spAutoFit/>
+          </a:bodyPr>
+          <a:lstStyle/>
+          <a:p>
+            <a:r>
+              <a:rPr lang="en-MY" sz="1200" dirty="0">
+                <a:solidFill>
+                  <a:srgbClr val="FFFF00"/>
+                </a:solidFill>
+              </a:rPr>
+              <a:t>④</a:t>
+            </a:r>
+          </a:p>
+        </p:txBody>
+      </p:sp>
+      <p:sp>
+        <p:nvSpPr>
+          <p:cNvPr id="31" name="TextBox 30">
+            <a:extLst>
+              <a:ext uri="{FF2B5EF4-FFF2-40B4-BE49-F238E27FC236}">
+                <a16:creationId xmlns:a16="http://schemas.microsoft.com/office/drawing/2014/main" id="{653ECF41-7901-4DC6-B5A0-C03C8741732C}"/>
+              </a:ext>
+            </a:extLst>
+          </p:cNvPr>
+          <p:cNvSpPr txBox="1"/>
+          <p:nvPr/>
+        </p:nvSpPr>
+        <p:spPr>
+          <a:xfrm>
+            <a:off x="7169071" y="3421284"/>
+            <a:ext cx="404816" cy="276999"/>
+          </a:xfrm>
+          <a:prstGeom prst="rect">
+            <a:avLst/>
+          </a:prstGeom>
+          <a:noFill/>
+        </p:spPr>
+        <p:txBody>
+          <a:bodyPr wrap="square" rtlCol="0">
+            <a:spAutoFit/>
+          </a:bodyPr>
+          <a:lstStyle/>
+          <a:p>
+            <a:r>
+              <a:rPr lang="en-MY" sz="1200" dirty="0">
+                <a:solidFill>
+                  <a:srgbClr val="FFFF00"/>
+                </a:solidFill>
+              </a:rPr>
+              <a:t>⑤</a:t>
+            </a:r>
+          </a:p>
+        </p:txBody>
+      </p:sp>
+      <p:sp>
+        <p:nvSpPr>
+          <p:cNvPr id="32" name="TextBox 31">
+            <a:extLst>
+              <a:ext uri="{FF2B5EF4-FFF2-40B4-BE49-F238E27FC236}">
+                <a16:creationId xmlns:a16="http://schemas.microsoft.com/office/drawing/2014/main" id="{DFA95DA3-5936-4F5C-BA7A-251CF3CC02AA}"/>
+              </a:ext>
+            </a:extLst>
+          </p:cNvPr>
+          <p:cNvSpPr txBox="1"/>
+          <p:nvPr/>
+        </p:nvSpPr>
+        <p:spPr>
+          <a:xfrm>
+            <a:off x="7169071" y="3604119"/>
+            <a:ext cx="404816" cy="276999"/>
+          </a:xfrm>
+          <a:prstGeom prst="rect">
+            <a:avLst/>
+          </a:prstGeom>
+          <a:noFill/>
+        </p:spPr>
+        <p:txBody>
+          <a:bodyPr wrap="square" rtlCol="0">
+            <a:spAutoFit/>
+          </a:bodyPr>
+          <a:lstStyle/>
+          <a:p>
+            <a:r>
+              <a:rPr lang="en-MY" sz="1200" dirty="0">
+                <a:solidFill>
+                  <a:srgbClr val="FFFF00"/>
+                </a:solidFill>
+              </a:rPr>
+              <a:t>⑥</a:t>
+            </a:r>
+          </a:p>
+        </p:txBody>
+      </p:sp>
+      <p:sp>
+        <p:nvSpPr>
+          <p:cNvPr id="33" name="TextBox 32">
+            <a:extLst>
+              <a:ext uri="{FF2B5EF4-FFF2-40B4-BE49-F238E27FC236}">
+                <a16:creationId xmlns:a16="http://schemas.microsoft.com/office/drawing/2014/main" id="{B99040E9-DFBE-4AC3-AEB1-AC49450FEB8F}"/>
+              </a:ext>
+            </a:extLst>
+          </p:cNvPr>
+          <p:cNvSpPr txBox="1"/>
+          <p:nvPr/>
+        </p:nvSpPr>
+        <p:spPr>
+          <a:xfrm>
+            <a:off x="658258" y="5373072"/>
+            <a:ext cx="404816" cy="276999"/>
+          </a:xfrm>
+          <a:prstGeom prst="rect">
+            <a:avLst/>
+          </a:prstGeom>
+          <a:noFill/>
+        </p:spPr>
+        <p:txBody>
+          <a:bodyPr wrap="square" rtlCol="0">
+            <a:spAutoFit/>
+          </a:bodyPr>
+          <a:lstStyle/>
+          <a:p>
+            <a:r>
+              <a:rPr lang="en-MY" sz="1200" dirty="0">
+                <a:solidFill>
+                  <a:srgbClr val="FFFF00"/>
+                </a:solidFill>
+              </a:rPr>
+              <a:t>③</a:t>
+            </a:r>
+          </a:p>
+        </p:txBody>
+      </p:sp>
+      <p:sp>
+        <p:nvSpPr>
+          <p:cNvPr id="34" name="TextBox 33">
+            <a:extLst>
+              <a:ext uri="{FF2B5EF4-FFF2-40B4-BE49-F238E27FC236}">
+                <a16:creationId xmlns:a16="http://schemas.microsoft.com/office/drawing/2014/main" id="{B5FFAE11-82B0-4AF4-BB58-732F26809E8B}"/>
+              </a:ext>
+            </a:extLst>
+          </p:cNvPr>
+          <p:cNvSpPr txBox="1"/>
+          <p:nvPr/>
+        </p:nvSpPr>
+        <p:spPr>
+          <a:xfrm>
+            <a:off x="658258" y="5013374"/>
+            <a:ext cx="404816" cy="276999"/>
+          </a:xfrm>
+          <a:prstGeom prst="rect">
+            <a:avLst/>
+          </a:prstGeom>
+          <a:noFill/>
+        </p:spPr>
+        <p:txBody>
+          <a:bodyPr wrap="square" rtlCol="0">
+            <a:spAutoFit/>
+          </a:bodyPr>
+          <a:lstStyle/>
+          <a:p>
+            <a:r>
+              <a:rPr lang="en-MY" sz="1200" dirty="0">
+                <a:solidFill>
+                  <a:srgbClr val="FFFF00"/>
+                </a:solidFill>
+              </a:rPr>
+              <a:t>①</a:t>
+            </a:r>
+          </a:p>
+        </p:txBody>
+      </p:sp>
+      <p:sp>
+        <p:nvSpPr>
+          <p:cNvPr id="35" name="TextBox 34">
+            <a:extLst>
+              <a:ext uri="{FF2B5EF4-FFF2-40B4-BE49-F238E27FC236}">
+                <a16:creationId xmlns:a16="http://schemas.microsoft.com/office/drawing/2014/main" id="{69BC8D51-D737-4FC3-8369-417EBD52AF96}"/>
+              </a:ext>
+            </a:extLst>
+          </p:cNvPr>
+          <p:cNvSpPr txBox="1"/>
+          <p:nvPr/>
+        </p:nvSpPr>
+        <p:spPr>
+          <a:xfrm>
+            <a:off x="658258" y="5190098"/>
+            <a:ext cx="404816" cy="276999"/>
+          </a:xfrm>
+          <a:prstGeom prst="rect">
+            <a:avLst/>
+          </a:prstGeom>
+          <a:noFill/>
+        </p:spPr>
+        <p:txBody>
+          <a:bodyPr wrap="square" rtlCol="0">
+            <a:spAutoFit/>
+          </a:bodyPr>
+          <a:lstStyle/>
+          <a:p>
+            <a:r>
+              <a:rPr lang="en-MY" sz="1200" dirty="0">
+                <a:solidFill>
+                  <a:srgbClr val="FFFF00"/>
+                </a:solidFill>
+              </a:rPr>
+              <a:t>②</a:t>
+            </a:r>
+          </a:p>
+        </p:txBody>
+      </p:sp>
+      <p:sp>
+        <p:nvSpPr>
+          <p:cNvPr id="36" name="TextBox 35">
+            <a:extLst>
+              <a:ext uri="{FF2B5EF4-FFF2-40B4-BE49-F238E27FC236}">
+                <a16:creationId xmlns:a16="http://schemas.microsoft.com/office/drawing/2014/main" id="{741E0DBF-FE39-4056-9252-AD1CAC0EFDBC}"/>
+              </a:ext>
+            </a:extLst>
+          </p:cNvPr>
+          <p:cNvSpPr txBox="1"/>
+          <p:nvPr/>
+        </p:nvSpPr>
+        <p:spPr>
+          <a:xfrm>
+            <a:off x="658258" y="5558121"/>
+            <a:ext cx="404816" cy="276999"/>
+          </a:xfrm>
+          <a:prstGeom prst="rect">
+            <a:avLst/>
+          </a:prstGeom>
+          <a:noFill/>
+        </p:spPr>
+        <p:txBody>
+          <a:bodyPr wrap="square" rtlCol="0">
+            <a:spAutoFit/>
+          </a:bodyPr>
+          <a:lstStyle/>
+          <a:p>
+            <a:r>
+              <a:rPr lang="en-MY" sz="1200" dirty="0">
+                <a:solidFill>
+                  <a:srgbClr val="FFFF00"/>
+                </a:solidFill>
+              </a:rPr>
+              <a:t>④</a:t>
+            </a:r>
+          </a:p>
+        </p:txBody>
+      </p:sp>
+      <p:sp>
+        <p:nvSpPr>
+          <p:cNvPr id="37" name="TextBox 36">
+            <a:extLst>
+              <a:ext uri="{FF2B5EF4-FFF2-40B4-BE49-F238E27FC236}">
+                <a16:creationId xmlns:a16="http://schemas.microsoft.com/office/drawing/2014/main" id="{D509E8C7-6AEF-430C-8C79-2DB1E0C095ED}"/>
+              </a:ext>
+            </a:extLst>
+          </p:cNvPr>
+          <p:cNvSpPr txBox="1"/>
+          <p:nvPr/>
+        </p:nvSpPr>
+        <p:spPr>
+          <a:xfrm>
+            <a:off x="658258" y="5738981"/>
+            <a:ext cx="404816" cy="276999"/>
+          </a:xfrm>
+          <a:prstGeom prst="rect">
+            <a:avLst/>
+          </a:prstGeom>
+          <a:noFill/>
+        </p:spPr>
+        <p:txBody>
+          <a:bodyPr wrap="square" rtlCol="0">
+            <a:spAutoFit/>
+          </a:bodyPr>
+          <a:lstStyle/>
+          <a:p>
+            <a:r>
+              <a:rPr lang="en-MY" sz="1200" dirty="0">
+                <a:solidFill>
+                  <a:srgbClr val="FFFF00"/>
+                </a:solidFill>
+              </a:rPr>
+              <a:t>⑤</a:t>
+            </a:r>
+          </a:p>
+        </p:txBody>
+      </p:sp>
+      <p:sp>
+        <p:nvSpPr>
+          <p:cNvPr id="38" name="TextBox 37">
+            <a:extLst>
+              <a:ext uri="{FF2B5EF4-FFF2-40B4-BE49-F238E27FC236}">
+                <a16:creationId xmlns:a16="http://schemas.microsoft.com/office/drawing/2014/main" id="{06B3B8E2-26D1-484E-AF39-E93F822C6EF0}"/>
+              </a:ext>
+            </a:extLst>
+          </p:cNvPr>
+          <p:cNvSpPr txBox="1"/>
+          <p:nvPr/>
+        </p:nvSpPr>
+        <p:spPr>
+          <a:xfrm>
+            <a:off x="658258" y="5921816"/>
+            <a:ext cx="404816" cy="276999"/>
+          </a:xfrm>
+          <a:prstGeom prst="rect">
+            <a:avLst/>
+          </a:prstGeom>
+          <a:noFill/>
+        </p:spPr>
+        <p:txBody>
+          <a:bodyPr wrap="square" rtlCol="0">
+            <a:spAutoFit/>
+          </a:bodyPr>
+          <a:lstStyle/>
+          <a:p>
+            <a:r>
+              <a:rPr lang="en-MY" sz="1200" dirty="0">
+                <a:solidFill>
+                  <a:srgbClr val="FFFF00"/>
+                </a:solidFill>
+              </a:rPr>
+              <a:t>⑥</a:t>
+            </a:r>
+          </a:p>
+        </p:txBody>
+      </p:sp>
+      <p:sp>
+        <p:nvSpPr>
+          <p:cNvPr id="39" name="TextBox 38">
+            <a:extLst>
+              <a:ext uri="{FF2B5EF4-FFF2-40B4-BE49-F238E27FC236}">
+                <a16:creationId xmlns:a16="http://schemas.microsoft.com/office/drawing/2014/main" id="{06EFCCA7-90B7-48A0-B19A-AC6C9724C25A}"/>
+              </a:ext>
+            </a:extLst>
+          </p:cNvPr>
+          <p:cNvSpPr txBox="1"/>
+          <p:nvPr/>
+        </p:nvSpPr>
+        <p:spPr>
+          <a:xfrm>
+            <a:off x="658258" y="6098936"/>
+            <a:ext cx="404816" cy="276999"/>
+          </a:xfrm>
+          <a:prstGeom prst="rect">
+            <a:avLst/>
+          </a:prstGeom>
+          <a:noFill/>
+        </p:spPr>
+        <p:txBody>
+          <a:bodyPr wrap="square" rtlCol="0">
+            <a:spAutoFit/>
+          </a:bodyPr>
+          <a:lstStyle/>
+          <a:p>
+            <a:r>
+              <a:rPr lang="en-MY" sz="1200" dirty="0">
+                <a:solidFill>
+                  <a:srgbClr val="FFFF00"/>
+                </a:solidFill>
+              </a:rPr>
+              <a:t>⑦</a:t>
+            </a:r>
+          </a:p>
+        </p:txBody>
+      </p:sp>
+      <p:sp>
+        <p:nvSpPr>
+          <p:cNvPr id="40" name="TextBox 39">
+            <a:extLst>
+              <a:ext uri="{FF2B5EF4-FFF2-40B4-BE49-F238E27FC236}">
+                <a16:creationId xmlns:a16="http://schemas.microsoft.com/office/drawing/2014/main" id="{705632C0-614F-4145-8252-6DACA907F1A6}"/>
+              </a:ext>
+            </a:extLst>
+          </p:cNvPr>
+          <p:cNvSpPr txBox="1"/>
+          <p:nvPr/>
+        </p:nvSpPr>
+        <p:spPr>
+          <a:xfrm>
+            <a:off x="658258" y="6281230"/>
+            <a:ext cx="404816" cy="276999"/>
+          </a:xfrm>
+          <a:prstGeom prst="rect">
+            <a:avLst/>
+          </a:prstGeom>
+          <a:noFill/>
+        </p:spPr>
+        <p:txBody>
+          <a:bodyPr wrap="square" rtlCol="0">
+            <a:spAutoFit/>
+          </a:bodyPr>
+          <a:lstStyle/>
+          <a:p>
+            <a:r>
+              <a:rPr lang="en-MY" sz="1200" dirty="0">
+                <a:solidFill>
+                  <a:srgbClr val="FFFF00"/>
+                </a:solidFill>
+              </a:rPr>
+              <a:t>⑧</a:t>
+            </a:r>
+          </a:p>
+        </p:txBody>
+      </p:sp>
     </p:spTree>
     <p:extLst>
       <p:ext uri="{BB962C8B-B14F-4D97-AF65-F5344CB8AC3E}">
@@ -9820,14 +12072,98 @@
             <p:ph type="title"/>
           </p:nvPr>
         </p:nvSpPr>
-        <p:spPr/>
+        <p:spPr>
+          <a:xfrm>
+            <a:off x="685801" y="609600"/>
+            <a:ext cx="10157459" cy="1456267"/>
+          </a:xfrm>
+        </p:spPr>
         <p:txBody>
           <a:bodyPr/>
           <a:lstStyle/>
           <a:p>
             <a:r>
-              <a:rPr lang="en-US" dirty="0"/>
-              <a:t>In class practice: what is the result for those code?</a:t>
+              <a:rPr kumimoji="0" lang="en-US" sz="3200" b="0" i="0" u="none" strike="noStrike" kern="1200" cap="all" spc="0" normalizeH="0" baseline="0" noProof="0" dirty="0">
+                <a:ln w="3175" cmpd="sng">
+                  <a:noFill/>
+                </a:ln>
+                <a:solidFill>
+                  <a:prstClr val="white"/>
+                </a:solidFill>
+                <a:effectLst/>
+                <a:uLnTx/>
+                <a:uFillTx/>
+                <a:latin typeface="Calibri Light" panose="020F0302020204030204"/>
+                <a:ea typeface="+mj-ea"/>
+                <a:cs typeface="+mj-cs"/>
+              </a:rPr>
+              <a:t>In class practice: </a:t>
+            </a:r>
+            <a:br>
+              <a:rPr kumimoji="0" lang="en-US" sz="3200" b="0" i="0" u="none" strike="noStrike" kern="1200" cap="all" spc="0" normalizeH="0" baseline="0" noProof="0" dirty="0">
+                <a:ln w="3175" cmpd="sng">
+                  <a:noFill/>
+                </a:ln>
+                <a:solidFill>
+                  <a:prstClr val="white"/>
+                </a:solidFill>
+                <a:effectLst/>
+                <a:uLnTx/>
+                <a:uFillTx/>
+                <a:latin typeface="Calibri Light" panose="020F0302020204030204"/>
+                <a:ea typeface="+mj-ea"/>
+                <a:cs typeface="+mj-cs"/>
+              </a:rPr>
+            </a:br>
+            <a:r>
+              <a:rPr kumimoji="0" lang="en-US" sz="2400" b="0" i="0" u="none" strike="noStrike" kern="1200" cap="all" spc="0" normalizeH="0" baseline="0" noProof="0" dirty="0">
+                <a:ln w="3175" cmpd="sng">
+                  <a:noFill/>
+                </a:ln>
+                <a:solidFill>
+                  <a:prstClr val="white"/>
+                </a:solidFill>
+                <a:effectLst/>
+                <a:uLnTx/>
+                <a:uFillTx/>
+                <a:latin typeface="Calibri Light" panose="020F0302020204030204"/>
+                <a:ea typeface="+mj-ea"/>
+                <a:cs typeface="+mj-cs"/>
+              </a:rPr>
+              <a:t>1. give correct execution flow order of line number.</a:t>
+            </a:r>
+            <a:br>
+              <a:rPr kumimoji="0" lang="en-US" sz="2400" b="0" i="0" u="none" strike="noStrike" kern="1200" cap="all" spc="0" normalizeH="0" baseline="0" noProof="0" dirty="0">
+                <a:ln w="3175" cmpd="sng">
+                  <a:noFill/>
+                </a:ln>
+                <a:solidFill>
+                  <a:prstClr val="white"/>
+                </a:solidFill>
+                <a:effectLst/>
+                <a:uLnTx/>
+                <a:uFillTx/>
+                <a:latin typeface="Calibri Light" panose="020F0302020204030204"/>
+                <a:ea typeface="+mj-ea"/>
+                <a:cs typeface="+mj-cs"/>
+              </a:rPr>
+            </a:br>
+            <a:r>
+              <a:rPr kumimoji="0" lang="en-US" sz="2400" b="0" i="0" u="none" strike="noStrike" kern="1200" cap="all" spc="0" normalizeH="0" baseline="0" noProof="0" dirty="0">
+                <a:ln w="3175" cmpd="sng">
+                  <a:noFill/>
+                </a:ln>
+                <a:solidFill>
+                  <a:prstClr val="white"/>
+                </a:solidFill>
+                <a:effectLst/>
+                <a:uLnTx/>
+                <a:uFillTx/>
+                <a:latin typeface="Calibri Light" panose="020F0302020204030204"/>
+                <a:ea typeface="+mj-ea"/>
+                <a:cs typeface="+mj-cs"/>
+              </a:rPr>
+              <a:t>2. what is the result for those code?</a:t>
             </a:r>
             <a:endParaRPr lang="en-MY" dirty="0"/>
           </a:p>
@@ -9855,7 +12191,7 @@
         </p:blipFill>
         <p:spPr>
           <a:xfrm>
-            <a:off x="761795" y="2496289"/>
+            <a:off x="1127555" y="2281077"/>
             <a:ext cx="2934109" cy="2295845"/>
           </a:xfrm>
           <a:prstGeom prst="rect">
@@ -9885,7 +12221,7 @@
         </p:blipFill>
         <p:spPr>
           <a:xfrm>
-            <a:off x="6000542" y="2496289"/>
+            <a:off x="5909102" y="2281077"/>
             <a:ext cx="2972215" cy="1781424"/>
           </a:xfrm>
           <a:prstGeom prst="rect">
@@ -9893,6 +12229,747 @@
           </a:prstGeom>
         </p:spPr>
       </p:pic>
+      <p:sp>
+        <p:nvSpPr>
+          <p:cNvPr id="6" name="TextBox 5">
+            <a:extLst>
+              <a:ext uri="{FF2B5EF4-FFF2-40B4-BE49-F238E27FC236}">
+                <a16:creationId xmlns:a16="http://schemas.microsoft.com/office/drawing/2014/main" id="{C5E80B80-42DA-40B4-A203-AFF1BEFD1F26}"/>
+              </a:ext>
+            </a:extLst>
+          </p:cNvPr>
+          <p:cNvSpPr txBox="1"/>
+          <p:nvPr/>
+        </p:nvSpPr>
+        <p:spPr>
+          <a:xfrm>
+            <a:off x="551084" y="2640775"/>
+            <a:ext cx="404816" cy="276999"/>
+          </a:xfrm>
+          <a:prstGeom prst="rect">
+            <a:avLst/>
+          </a:prstGeom>
+          <a:noFill/>
+        </p:spPr>
+        <p:txBody>
+          <a:bodyPr wrap="square" rtlCol="0">
+            <a:spAutoFit/>
+          </a:bodyPr>
+          <a:lstStyle/>
+          <a:p>
+            <a:r>
+              <a:rPr lang="en-MY" sz="1200" dirty="0">
+                <a:solidFill>
+                  <a:srgbClr val="FFFF00"/>
+                </a:solidFill>
+              </a:rPr>
+              <a:t>③</a:t>
+            </a:r>
+          </a:p>
+        </p:txBody>
+      </p:sp>
+      <p:sp>
+        <p:nvSpPr>
+          <p:cNvPr id="8" name="TextBox 7">
+            <a:extLst>
+              <a:ext uri="{FF2B5EF4-FFF2-40B4-BE49-F238E27FC236}">
+                <a16:creationId xmlns:a16="http://schemas.microsoft.com/office/drawing/2014/main" id="{B719B4AE-D918-40EA-9621-2D934C0E0694}"/>
+              </a:ext>
+            </a:extLst>
+          </p:cNvPr>
+          <p:cNvSpPr txBox="1"/>
+          <p:nvPr/>
+        </p:nvSpPr>
+        <p:spPr>
+          <a:xfrm>
+            <a:off x="551084" y="2281077"/>
+            <a:ext cx="404816" cy="276999"/>
+          </a:xfrm>
+          <a:prstGeom prst="rect">
+            <a:avLst/>
+          </a:prstGeom>
+          <a:noFill/>
+        </p:spPr>
+        <p:txBody>
+          <a:bodyPr wrap="square" rtlCol="0">
+            <a:spAutoFit/>
+          </a:bodyPr>
+          <a:lstStyle/>
+          <a:p>
+            <a:r>
+              <a:rPr lang="en-MY" sz="1200" dirty="0">
+                <a:solidFill>
+                  <a:srgbClr val="FFFF00"/>
+                </a:solidFill>
+              </a:rPr>
+              <a:t>①</a:t>
+            </a:r>
+          </a:p>
+        </p:txBody>
+      </p:sp>
+      <p:sp>
+        <p:nvSpPr>
+          <p:cNvPr id="10" name="TextBox 9">
+            <a:extLst>
+              <a:ext uri="{FF2B5EF4-FFF2-40B4-BE49-F238E27FC236}">
+                <a16:creationId xmlns:a16="http://schemas.microsoft.com/office/drawing/2014/main" id="{F414D838-5E53-4705-BE4E-3664EA326F8B}"/>
+              </a:ext>
+            </a:extLst>
+          </p:cNvPr>
+          <p:cNvSpPr txBox="1"/>
+          <p:nvPr/>
+        </p:nvSpPr>
+        <p:spPr>
+          <a:xfrm>
+            <a:off x="551084" y="2457801"/>
+            <a:ext cx="404816" cy="276999"/>
+          </a:xfrm>
+          <a:prstGeom prst="rect">
+            <a:avLst/>
+          </a:prstGeom>
+          <a:noFill/>
+        </p:spPr>
+        <p:txBody>
+          <a:bodyPr wrap="square" rtlCol="0">
+            <a:spAutoFit/>
+          </a:bodyPr>
+          <a:lstStyle/>
+          <a:p>
+            <a:r>
+              <a:rPr lang="en-MY" sz="1200" dirty="0">
+                <a:solidFill>
+                  <a:srgbClr val="FFFF00"/>
+                </a:solidFill>
+              </a:rPr>
+              <a:t>②</a:t>
+            </a:r>
+          </a:p>
+        </p:txBody>
+      </p:sp>
+      <p:sp>
+        <p:nvSpPr>
+          <p:cNvPr id="11" name="TextBox 10">
+            <a:extLst>
+              <a:ext uri="{FF2B5EF4-FFF2-40B4-BE49-F238E27FC236}">
+                <a16:creationId xmlns:a16="http://schemas.microsoft.com/office/drawing/2014/main" id="{3B374113-1CE0-44F8-89B6-4A9FB2FEBDC0}"/>
+              </a:ext>
+            </a:extLst>
+          </p:cNvPr>
+          <p:cNvSpPr txBox="1"/>
+          <p:nvPr/>
+        </p:nvSpPr>
+        <p:spPr>
+          <a:xfrm>
+            <a:off x="551084" y="2825824"/>
+            <a:ext cx="404816" cy="276999"/>
+          </a:xfrm>
+          <a:prstGeom prst="rect">
+            <a:avLst/>
+          </a:prstGeom>
+          <a:noFill/>
+        </p:spPr>
+        <p:txBody>
+          <a:bodyPr wrap="square" rtlCol="0">
+            <a:spAutoFit/>
+          </a:bodyPr>
+          <a:lstStyle/>
+          <a:p>
+            <a:r>
+              <a:rPr lang="en-MY" sz="1200" dirty="0">
+                <a:solidFill>
+                  <a:srgbClr val="FFFF00"/>
+                </a:solidFill>
+              </a:rPr>
+              <a:t>④</a:t>
+            </a:r>
+          </a:p>
+        </p:txBody>
+      </p:sp>
+      <p:sp>
+        <p:nvSpPr>
+          <p:cNvPr id="12" name="TextBox 11">
+            <a:extLst>
+              <a:ext uri="{FF2B5EF4-FFF2-40B4-BE49-F238E27FC236}">
+                <a16:creationId xmlns:a16="http://schemas.microsoft.com/office/drawing/2014/main" id="{BF5E853E-D919-4730-8DA6-34AE59D4A654}"/>
+              </a:ext>
+            </a:extLst>
+          </p:cNvPr>
+          <p:cNvSpPr txBox="1"/>
+          <p:nvPr/>
+        </p:nvSpPr>
+        <p:spPr>
+          <a:xfrm>
+            <a:off x="551084" y="3006684"/>
+            <a:ext cx="404816" cy="276999"/>
+          </a:xfrm>
+          <a:prstGeom prst="rect">
+            <a:avLst/>
+          </a:prstGeom>
+          <a:noFill/>
+        </p:spPr>
+        <p:txBody>
+          <a:bodyPr wrap="square" rtlCol="0">
+            <a:spAutoFit/>
+          </a:bodyPr>
+          <a:lstStyle/>
+          <a:p>
+            <a:r>
+              <a:rPr lang="en-MY" sz="1200" dirty="0">
+                <a:solidFill>
+                  <a:srgbClr val="FFFF00"/>
+                </a:solidFill>
+              </a:rPr>
+              <a:t>⑤</a:t>
+            </a:r>
+          </a:p>
+        </p:txBody>
+      </p:sp>
+      <p:sp>
+        <p:nvSpPr>
+          <p:cNvPr id="13" name="TextBox 12">
+            <a:extLst>
+              <a:ext uri="{FF2B5EF4-FFF2-40B4-BE49-F238E27FC236}">
+                <a16:creationId xmlns:a16="http://schemas.microsoft.com/office/drawing/2014/main" id="{1A91E7E3-F27C-4D71-B278-B75A597FC230}"/>
+              </a:ext>
+            </a:extLst>
+          </p:cNvPr>
+          <p:cNvSpPr txBox="1"/>
+          <p:nvPr/>
+        </p:nvSpPr>
+        <p:spPr>
+          <a:xfrm>
+            <a:off x="551084" y="3189519"/>
+            <a:ext cx="404816" cy="276999"/>
+          </a:xfrm>
+          <a:prstGeom prst="rect">
+            <a:avLst/>
+          </a:prstGeom>
+          <a:noFill/>
+        </p:spPr>
+        <p:txBody>
+          <a:bodyPr wrap="square" rtlCol="0">
+            <a:spAutoFit/>
+          </a:bodyPr>
+          <a:lstStyle/>
+          <a:p>
+            <a:r>
+              <a:rPr lang="en-MY" sz="1200" dirty="0">
+                <a:solidFill>
+                  <a:srgbClr val="FFFF00"/>
+                </a:solidFill>
+              </a:rPr>
+              <a:t>⑥</a:t>
+            </a:r>
+          </a:p>
+        </p:txBody>
+      </p:sp>
+      <p:sp>
+        <p:nvSpPr>
+          <p:cNvPr id="14" name="TextBox 13">
+            <a:extLst>
+              <a:ext uri="{FF2B5EF4-FFF2-40B4-BE49-F238E27FC236}">
+                <a16:creationId xmlns:a16="http://schemas.microsoft.com/office/drawing/2014/main" id="{E2C58701-875A-4C75-9B3B-E4D0F23A818D}"/>
+              </a:ext>
+            </a:extLst>
+          </p:cNvPr>
+          <p:cNvSpPr txBox="1"/>
+          <p:nvPr/>
+        </p:nvSpPr>
+        <p:spPr>
+          <a:xfrm>
+            <a:off x="551084" y="3366639"/>
+            <a:ext cx="404816" cy="276999"/>
+          </a:xfrm>
+          <a:prstGeom prst="rect">
+            <a:avLst/>
+          </a:prstGeom>
+          <a:noFill/>
+        </p:spPr>
+        <p:txBody>
+          <a:bodyPr wrap="square" rtlCol="0">
+            <a:spAutoFit/>
+          </a:bodyPr>
+          <a:lstStyle/>
+          <a:p>
+            <a:r>
+              <a:rPr lang="en-MY" sz="1200" dirty="0">
+                <a:solidFill>
+                  <a:srgbClr val="FFFF00"/>
+                </a:solidFill>
+              </a:rPr>
+              <a:t>⑦</a:t>
+            </a:r>
+          </a:p>
+        </p:txBody>
+      </p:sp>
+      <p:sp>
+        <p:nvSpPr>
+          <p:cNvPr id="15" name="TextBox 14">
+            <a:extLst>
+              <a:ext uri="{FF2B5EF4-FFF2-40B4-BE49-F238E27FC236}">
+                <a16:creationId xmlns:a16="http://schemas.microsoft.com/office/drawing/2014/main" id="{537DB922-E626-43A0-9A37-8168FB44DDF7}"/>
+              </a:ext>
+            </a:extLst>
+          </p:cNvPr>
+          <p:cNvSpPr txBox="1"/>
+          <p:nvPr/>
+        </p:nvSpPr>
+        <p:spPr>
+          <a:xfrm>
+            <a:off x="551084" y="3548933"/>
+            <a:ext cx="404816" cy="276999"/>
+          </a:xfrm>
+          <a:prstGeom prst="rect">
+            <a:avLst/>
+          </a:prstGeom>
+          <a:noFill/>
+        </p:spPr>
+        <p:txBody>
+          <a:bodyPr wrap="square" rtlCol="0">
+            <a:spAutoFit/>
+          </a:bodyPr>
+          <a:lstStyle/>
+          <a:p>
+            <a:r>
+              <a:rPr lang="en-MY" sz="1200" dirty="0">
+                <a:solidFill>
+                  <a:srgbClr val="FFFF00"/>
+                </a:solidFill>
+              </a:rPr>
+              <a:t>⑧</a:t>
+            </a:r>
+          </a:p>
+        </p:txBody>
+      </p:sp>
+      <p:sp>
+        <p:nvSpPr>
+          <p:cNvPr id="16" name="TextBox 15">
+            <a:extLst>
+              <a:ext uri="{FF2B5EF4-FFF2-40B4-BE49-F238E27FC236}">
+                <a16:creationId xmlns:a16="http://schemas.microsoft.com/office/drawing/2014/main" id="{1DBB4C12-0C6E-4AF8-BF32-8EE2F1071C0A}"/>
+              </a:ext>
+            </a:extLst>
+          </p:cNvPr>
+          <p:cNvSpPr txBox="1"/>
+          <p:nvPr/>
+        </p:nvSpPr>
+        <p:spPr>
+          <a:xfrm>
+            <a:off x="551084" y="3731143"/>
+            <a:ext cx="404816" cy="276999"/>
+          </a:xfrm>
+          <a:prstGeom prst="rect">
+            <a:avLst/>
+          </a:prstGeom>
+          <a:noFill/>
+        </p:spPr>
+        <p:txBody>
+          <a:bodyPr wrap="square" rtlCol="0">
+            <a:spAutoFit/>
+          </a:bodyPr>
+          <a:lstStyle/>
+          <a:p>
+            <a:r>
+              <a:rPr lang="en-MY" sz="1200" dirty="0">
+                <a:solidFill>
+                  <a:srgbClr val="FFFF00"/>
+                </a:solidFill>
+              </a:rPr>
+              <a:t>⑨</a:t>
+            </a:r>
+          </a:p>
+        </p:txBody>
+      </p:sp>
+      <p:sp>
+        <p:nvSpPr>
+          <p:cNvPr id="17" name="TextBox 16">
+            <a:extLst>
+              <a:ext uri="{FF2B5EF4-FFF2-40B4-BE49-F238E27FC236}">
+                <a16:creationId xmlns:a16="http://schemas.microsoft.com/office/drawing/2014/main" id="{BFF5DFBD-E039-4C91-9C18-44300AFAAADA}"/>
+              </a:ext>
+            </a:extLst>
+          </p:cNvPr>
+          <p:cNvSpPr txBox="1"/>
+          <p:nvPr/>
+        </p:nvSpPr>
+        <p:spPr>
+          <a:xfrm>
+            <a:off x="551084" y="3911301"/>
+            <a:ext cx="404816" cy="276999"/>
+          </a:xfrm>
+          <a:prstGeom prst="rect">
+            <a:avLst/>
+          </a:prstGeom>
+          <a:noFill/>
+        </p:spPr>
+        <p:txBody>
+          <a:bodyPr wrap="square" rtlCol="0">
+            <a:spAutoFit/>
+          </a:bodyPr>
+          <a:lstStyle/>
+          <a:p>
+            <a:r>
+              <a:rPr lang="en-MY" sz="1200" dirty="0">
+                <a:solidFill>
+                  <a:srgbClr val="FFFF00"/>
+                </a:solidFill>
+              </a:rPr>
+              <a:t>⑩</a:t>
+            </a:r>
+          </a:p>
+        </p:txBody>
+      </p:sp>
+      <p:sp>
+        <p:nvSpPr>
+          <p:cNvPr id="18" name="TextBox 17">
+            <a:extLst>
+              <a:ext uri="{FF2B5EF4-FFF2-40B4-BE49-F238E27FC236}">
+                <a16:creationId xmlns:a16="http://schemas.microsoft.com/office/drawing/2014/main" id="{54CBF6FA-D734-412D-98AB-B31377DC856F}"/>
+              </a:ext>
+            </a:extLst>
+          </p:cNvPr>
+          <p:cNvSpPr txBox="1"/>
+          <p:nvPr/>
+        </p:nvSpPr>
+        <p:spPr>
+          <a:xfrm>
+            <a:off x="551084" y="4292305"/>
+            <a:ext cx="404816" cy="276999"/>
+          </a:xfrm>
+          <a:prstGeom prst="rect">
+            <a:avLst/>
+          </a:prstGeom>
+          <a:noFill/>
+        </p:spPr>
+        <p:txBody>
+          <a:bodyPr wrap="square" rtlCol="0">
+            <a:spAutoFit/>
+          </a:bodyPr>
+          <a:lstStyle/>
+          <a:p>
+            <a:r>
+              <a:rPr lang="en-MY" sz="1200" dirty="0">
+                <a:solidFill>
+                  <a:srgbClr val="FFFF00"/>
+                </a:solidFill>
+              </a:rPr>
+              <a:t>⑪</a:t>
+            </a:r>
+          </a:p>
+        </p:txBody>
+      </p:sp>
+      <p:sp>
+        <p:nvSpPr>
+          <p:cNvPr id="20" name="TextBox 19">
+            <a:extLst>
+              <a:ext uri="{FF2B5EF4-FFF2-40B4-BE49-F238E27FC236}">
+                <a16:creationId xmlns:a16="http://schemas.microsoft.com/office/drawing/2014/main" id="{5D6534D6-29D6-4661-B911-6D3BD57044AA}"/>
+              </a:ext>
+            </a:extLst>
+          </p:cNvPr>
+          <p:cNvSpPr txBox="1"/>
+          <p:nvPr/>
+        </p:nvSpPr>
+        <p:spPr>
+          <a:xfrm>
+            <a:off x="5435504" y="2640775"/>
+            <a:ext cx="404816" cy="276999"/>
+          </a:xfrm>
+          <a:prstGeom prst="rect">
+            <a:avLst/>
+          </a:prstGeom>
+          <a:noFill/>
+        </p:spPr>
+        <p:txBody>
+          <a:bodyPr wrap="square" rtlCol="0">
+            <a:spAutoFit/>
+          </a:bodyPr>
+          <a:lstStyle/>
+          <a:p>
+            <a:r>
+              <a:rPr lang="en-MY" sz="1200" dirty="0">
+                <a:solidFill>
+                  <a:srgbClr val="FFFF00"/>
+                </a:solidFill>
+              </a:rPr>
+              <a:t>③</a:t>
+            </a:r>
+          </a:p>
+        </p:txBody>
+      </p:sp>
+      <p:sp>
+        <p:nvSpPr>
+          <p:cNvPr id="21" name="TextBox 20">
+            <a:extLst>
+              <a:ext uri="{FF2B5EF4-FFF2-40B4-BE49-F238E27FC236}">
+                <a16:creationId xmlns:a16="http://schemas.microsoft.com/office/drawing/2014/main" id="{756B84C4-9EDA-45C3-83E7-7C21829AB82D}"/>
+              </a:ext>
+            </a:extLst>
+          </p:cNvPr>
+          <p:cNvSpPr txBox="1"/>
+          <p:nvPr/>
+        </p:nvSpPr>
+        <p:spPr>
+          <a:xfrm>
+            <a:off x="5435504" y="2281077"/>
+            <a:ext cx="404816" cy="276999"/>
+          </a:xfrm>
+          <a:prstGeom prst="rect">
+            <a:avLst/>
+          </a:prstGeom>
+          <a:noFill/>
+        </p:spPr>
+        <p:txBody>
+          <a:bodyPr wrap="square" rtlCol="0">
+            <a:spAutoFit/>
+          </a:bodyPr>
+          <a:lstStyle/>
+          <a:p>
+            <a:r>
+              <a:rPr lang="en-MY" sz="1200" dirty="0">
+                <a:solidFill>
+                  <a:srgbClr val="FFFF00"/>
+                </a:solidFill>
+              </a:rPr>
+              <a:t>①</a:t>
+            </a:r>
+          </a:p>
+        </p:txBody>
+      </p:sp>
+      <p:sp>
+        <p:nvSpPr>
+          <p:cNvPr id="22" name="TextBox 21">
+            <a:extLst>
+              <a:ext uri="{FF2B5EF4-FFF2-40B4-BE49-F238E27FC236}">
+                <a16:creationId xmlns:a16="http://schemas.microsoft.com/office/drawing/2014/main" id="{DB6BF943-9D3D-4813-9B4C-28FE37723FBA}"/>
+              </a:ext>
+            </a:extLst>
+          </p:cNvPr>
+          <p:cNvSpPr txBox="1"/>
+          <p:nvPr/>
+        </p:nvSpPr>
+        <p:spPr>
+          <a:xfrm>
+            <a:off x="5435504" y="2457801"/>
+            <a:ext cx="404816" cy="276999"/>
+          </a:xfrm>
+          <a:prstGeom prst="rect">
+            <a:avLst/>
+          </a:prstGeom>
+          <a:noFill/>
+        </p:spPr>
+        <p:txBody>
+          <a:bodyPr wrap="square" rtlCol="0">
+            <a:spAutoFit/>
+          </a:bodyPr>
+          <a:lstStyle/>
+          <a:p>
+            <a:r>
+              <a:rPr lang="en-MY" sz="1200" dirty="0">
+                <a:solidFill>
+                  <a:srgbClr val="FFFF00"/>
+                </a:solidFill>
+              </a:rPr>
+              <a:t>②</a:t>
+            </a:r>
+          </a:p>
+        </p:txBody>
+      </p:sp>
+      <p:sp>
+        <p:nvSpPr>
+          <p:cNvPr id="23" name="TextBox 22">
+            <a:extLst>
+              <a:ext uri="{FF2B5EF4-FFF2-40B4-BE49-F238E27FC236}">
+                <a16:creationId xmlns:a16="http://schemas.microsoft.com/office/drawing/2014/main" id="{4B012860-6A86-4EDB-9BB6-BFC569BBB4E1}"/>
+              </a:ext>
+            </a:extLst>
+          </p:cNvPr>
+          <p:cNvSpPr txBox="1"/>
+          <p:nvPr/>
+        </p:nvSpPr>
+        <p:spPr>
+          <a:xfrm>
+            <a:off x="5435504" y="2825824"/>
+            <a:ext cx="404816" cy="276999"/>
+          </a:xfrm>
+          <a:prstGeom prst="rect">
+            <a:avLst/>
+          </a:prstGeom>
+          <a:noFill/>
+        </p:spPr>
+        <p:txBody>
+          <a:bodyPr wrap="square" rtlCol="0">
+            <a:spAutoFit/>
+          </a:bodyPr>
+          <a:lstStyle/>
+          <a:p>
+            <a:r>
+              <a:rPr lang="en-MY" sz="1200" dirty="0">
+                <a:solidFill>
+                  <a:srgbClr val="FFFF00"/>
+                </a:solidFill>
+              </a:rPr>
+              <a:t>④</a:t>
+            </a:r>
+          </a:p>
+        </p:txBody>
+      </p:sp>
+      <p:sp>
+        <p:nvSpPr>
+          <p:cNvPr id="24" name="TextBox 23">
+            <a:extLst>
+              <a:ext uri="{FF2B5EF4-FFF2-40B4-BE49-F238E27FC236}">
+                <a16:creationId xmlns:a16="http://schemas.microsoft.com/office/drawing/2014/main" id="{935633F8-2D3B-4F5F-AA39-E8F6AB3684C3}"/>
+              </a:ext>
+            </a:extLst>
+          </p:cNvPr>
+          <p:cNvSpPr txBox="1"/>
+          <p:nvPr/>
+        </p:nvSpPr>
+        <p:spPr>
+          <a:xfrm>
+            <a:off x="5435504" y="3006684"/>
+            <a:ext cx="404816" cy="276999"/>
+          </a:xfrm>
+          <a:prstGeom prst="rect">
+            <a:avLst/>
+          </a:prstGeom>
+          <a:noFill/>
+        </p:spPr>
+        <p:txBody>
+          <a:bodyPr wrap="square" rtlCol="0">
+            <a:spAutoFit/>
+          </a:bodyPr>
+          <a:lstStyle/>
+          <a:p>
+            <a:r>
+              <a:rPr lang="en-MY" sz="1200" dirty="0">
+                <a:solidFill>
+                  <a:srgbClr val="FFFF00"/>
+                </a:solidFill>
+              </a:rPr>
+              <a:t>⑤</a:t>
+            </a:r>
+          </a:p>
+        </p:txBody>
+      </p:sp>
+      <p:sp>
+        <p:nvSpPr>
+          <p:cNvPr id="25" name="TextBox 24">
+            <a:extLst>
+              <a:ext uri="{FF2B5EF4-FFF2-40B4-BE49-F238E27FC236}">
+                <a16:creationId xmlns:a16="http://schemas.microsoft.com/office/drawing/2014/main" id="{996F07BE-7E6D-4AB1-80DD-B94C40487F6A}"/>
+              </a:ext>
+            </a:extLst>
+          </p:cNvPr>
+          <p:cNvSpPr txBox="1"/>
+          <p:nvPr/>
+        </p:nvSpPr>
+        <p:spPr>
+          <a:xfrm>
+            <a:off x="5435504" y="3189519"/>
+            <a:ext cx="404816" cy="276999"/>
+          </a:xfrm>
+          <a:prstGeom prst="rect">
+            <a:avLst/>
+          </a:prstGeom>
+          <a:noFill/>
+        </p:spPr>
+        <p:txBody>
+          <a:bodyPr wrap="square" rtlCol="0">
+            <a:spAutoFit/>
+          </a:bodyPr>
+          <a:lstStyle/>
+          <a:p>
+            <a:r>
+              <a:rPr lang="en-MY" sz="1200" dirty="0">
+                <a:solidFill>
+                  <a:srgbClr val="FFFF00"/>
+                </a:solidFill>
+              </a:rPr>
+              <a:t>⑥</a:t>
+            </a:r>
+          </a:p>
+        </p:txBody>
+      </p:sp>
+      <p:sp>
+        <p:nvSpPr>
+          <p:cNvPr id="26" name="TextBox 25">
+            <a:extLst>
+              <a:ext uri="{FF2B5EF4-FFF2-40B4-BE49-F238E27FC236}">
+                <a16:creationId xmlns:a16="http://schemas.microsoft.com/office/drawing/2014/main" id="{B758820D-58A9-49D5-8257-F9E5FCDE5F8D}"/>
+              </a:ext>
+            </a:extLst>
+          </p:cNvPr>
+          <p:cNvSpPr txBox="1"/>
+          <p:nvPr/>
+        </p:nvSpPr>
+        <p:spPr>
+          <a:xfrm>
+            <a:off x="5435504" y="3366639"/>
+            <a:ext cx="404816" cy="276999"/>
+          </a:xfrm>
+          <a:prstGeom prst="rect">
+            <a:avLst/>
+          </a:prstGeom>
+          <a:noFill/>
+        </p:spPr>
+        <p:txBody>
+          <a:bodyPr wrap="square" rtlCol="0">
+            <a:spAutoFit/>
+          </a:bodyPr>
+          <a:lstStyle/>
+          <a:p>
+            <a:r>
+              <a:rPr lang="en-MY" sz="1200" dirty="0">
+                <a:solidFill>
+                  <a:srgbClr val="FFFF00"/>
+                </a:solidFill>
+              </a:rPr>
+              <a:t>⑦</a:t>
+            </a:r>
+          </a:p>
+        </p:txBody>
+      </p:sp>
+      <p:sp>
+        <p:nvSpPr>
+          <p:cNvPr id="27" name="TextBox 26">
+            <a:extLst>
+              <a:ext uri="{FF2B5EF4-FFF2-40B4-BE49-F238E27FC236}">
+                <a16:creationId xmlns:a16="http://schemas.microsoft.com/office/drawing/2014/main" id="{16B65E50-3CFD-4AE4-A1B6-4E4E9028C4BC}"/>
+              </a:ext>
+            </a:extLst>
+          </p:cNvPr>
+          <p:cNvSpPr txBox="1"/>
+          <p:nvPr/>
+        </p:nvSpPr>
+        <p:spPr>
+          <a:xfrm>
+            <a:off x="5435504" y="3724193"/>
+            <a:ext cx="404816" cy="276999"/>
+          </a:xfrm>
+          <a:prstGeom prst="rect">
+            <a:avLst/>
+          </a:prstGeom>
+          <a:noFill/>
+        </p:spPr>
+        <p:txBody>
+          <a:bodyPr wrap="square" rtlCol="0">
+            <a:spAutoFit/>
+          </a:bodyPr>
+          <a:lstStyle/>
+          <a:p>
+            <a:r>
+              <a:rPr lang="en-MY" sz="1200" dirty="0">
+                <a:solidFill>
+                  <a:srgbClr val="FFFF00"/>
+                </a:solidFill>
+              </a:rPr>
+              <a:t>⑧</a:t>
+            </a:r>
+          </a:p>
+        </p:txBody>
+      </p:sp>
     </p:spTree>
     <p:extLst>
       <p:ext uri="{BB962C8B-B14F-4D97-AF65-F5344CB8AC3E}">
@@ -11111,12 +14188,28 @@
         </p:nvSpPr>
         <p:spPr/>
         <p:txBody>
-          <a:bodyPr/>
+          <a:bodyPr>
+            <a:normAutofit fontScale="90000"/>
+          </a:bodyPr>
           <a:lstStyle/>
           <a:p>
             <a:r>
               <a:rPr lang="en-US" dirty="0"/>
-              <a:t>In class practice: what is the result for those code?</a:t>
+              <a:t>In class practice: </a:t>
+            </a:r>
+            <a:br>
+              <a:rPr lang="en-US" dirty="0"/>
+            </a:br>
+            <a:r>
+              <a:rPr lang="en-US" sz="2700" dirty="0"/>
+              <a:t>1. give correct execution flow order of line number.</a:t>
+            </a:r>
+            <a:br>
+              <a:rPr lang="en-US" sz="2700" dirty="0"/>
+            </a:br>
+            <a:r>
+              <a:rPr lang="en-US" sz="2700" dirty="0"/>
+              <a:t>2. what is the result for those code?</a:t>
             </a:r>
             <a:endParaRPr lang="en-MY" dirty="0"/>
           </a:p>
@@ -11144,7 +14237,7 @@
         </p:blipFill>
         <p:spPr>
           <a:xfrm>
-            <a:off x="885620" y="2543051"/>
+            <a:off x="1333855" y="2543051"/>
             <a:ext cx="2934109" cy="1771897"/>
           </a:xfrm>
           <a:prstGeom prst="rect">
@@ -11182,6 +14275,630 @@
           </a:prstGeom>
         </p:spPr>
       </p:pic>
+      <p:sp>
+        <p:nvSpPr>
+          <p:cNvPr id="6" name="TextBox 5">
+            <a:extLst>
+              <a:ext uri="{FF2B5EF4-FFF2-40B4-BE49-F238E27FC236}">
+                <a16:creationId xmlns:a16="http://schemas.microsoft.com/office/drawing/2014/main" id="{FBCC90DE-5C4A-4D3D-9643-4DC00FA78073}"/>
+              </a:ext>
+            </a:extLst>
+          </p:cNvPr>
+          <p:cNvSpPr txBox="1"/>
+          <p:nvPr/>
+        </p:nvSpPr>
+        <p:spPr>
+          <a:xfrm>
+            <a:off x="5476711" y="2912275"/>
+            <a:ext cx="404816" cy="276999"/>
+          </a:xfrm>
+          <a:prstGeom prst="rect">
+            <a:avLst/>
+          </a:prstGeom>
+          <a:noFill/>
+        </p:spPr>
+        <p:txBody>
+          <a:bodyPr wrap="square" rtlCol="0">
+            <a:spAutoFit/>
+          </a:bodyPr>
+          <a:lstStyle/>
+          <a:p>
+            <a:r>
+              <a:rPr lang="en-MY" sz="1200" dirty="0">
+                <a:solidFill>
+                  <a:srgbClr val="FFFF00"/>
+                </a:solidFill>
+              </a:rPr>
+              <a:t>③</a:t>
+            </a:r>
+          </a:p>
+        </p:txBody>
+      </p:sp>
+      <p:sp>
+        <p:nvSpPr>
+          <p:cNvPr id="8" name="TextBox 7">
+            <a:extLst>
+              <a:ext uri="{FF2B5EF4-FFF2-40B4-BE49-F238E27FC236}">
+                <a16:creationId xmlns:a16="http://schemas.microsoft.com/office/drawing/2014/main" id="{47432D5B-9231-4E06-B8D0-85784D8FA382}"/>
+              </a:ext>
+            </a:extLst>
+          </p:cNvPr>
+          <p:cNvSpPr txBox="1"/>
+          <p:nvPr/>
+        </p:nvSpPr>
+        <p:spPr>
+          <a:xfrm>
+            <a:off x="5476711" y="2552577"/>
+            <a:ext cx="404816" cy="276999"/>
+          </a:xfrm>
+          <a:prstGeom prst="rect">
+            <a:avLst/>
+          </a:prstGeom>
+          <a:noFill/>
+        </p:spPr>
+        <p:txBody>
+          <a:bodyPr wrap="square" rtlCol="0">
+            <a:spAutoFit/>
+          </a:bodyPr>
+          <a:lstStyle/>
+          <a:p>
+            <a:r>
+              <a:rPr lang="en-MY" sz="1200" dirty="0">
+                <a:solidFill>
+                  <a:srgbClr val="FFFF00"/>
+                </a:solidFill>
+              </a:rPr>
+              <a:t>①</a:t>
+            </a:r>
+          </a:p>
+        </p:txBody>
+      </p:sp>
+      <p:sp>
+        <p:nvSpPr>
+          <p:cNvPr id="9" name="TextBox 8">
+            <a:extLst>
+              <a:ext uri="{FF2B5EF4-FFF2-40B4-BE49-F238E27FC236}">
+                <a16:creationId xmlns:a16="http://schemas.microsoft.com/office/drawing/2014/main" id="{DC4A0575-D461-45B3-BCEB-DDAB72B4AE99}"/>
+              </a:ext>
+            </a:extLst>
+          </p:cNvPr>
+          <p:cNvSpPr txBox="1"/>
+          <p:nvPr/>
+        </p:nvSpPr>
+        <p:spPr>
+          <a:xfrm>
+            <a:off x="5476711" y="2729301"/>
+            <a:ext cx="404816" cy="276999"/>
+          </a:xfrm>
+          <a:prstGeom prst="rect">
+            <a:avLst/>
+          </a:prstGeom>
+          <a:noFill/>
+        </p:spPr>
+        <p:txBody>
+          <a:bodyPr wrap="square" rtlCol="0">
+            <a:spAutoFit/>
+          </a:bodyPr>
+          <a:lstStyle/>
+          <a:p>
+            <a:r>
+              <a:rPr lang="en-MY" sz="1200" dirty="0">
+                <a:solidFill>
+                  <a:srgbClr val="FFFF00"/>
+                </a:solidFill>
+              </a:rPr>
+              <a:t>②</a:t>
+            </a:r>
+          </a:p>
+        </p:txBody>
+      </p:sp>
+      <p:sp>
+        <p:nvSpPr>
+          <p:cNvPr id="10" name="TextBox 9">
+            <a:extLst>
+              <a:ext uri="{FF2B5EF4-FFF2-40B4-BE49-F238E27FC236}">
+                <a16:creationId xmlns:a16="http://schemas.microsoft.com/office/drawing/2014/main" id="{269BFCAF-8889-40F3-B206-B2F3FCA7F489}"/>
+              </a:ext>
+            </a:extLst>
+          </p:cNvPr>
+          <p:cNvSpPr txBox="1"/>
+          <p:nvPr/>
+        </p:nvSpPr>
+        <p:spPr>
+          <a:xfrm>
+            <a:off x="5476711" y="3097324"/>
+            <a:ext cx="404816" cy="276999"/>
+          </a:xfrm>
+          <a:prstGeom prst="rect">
+            <a:avLst/>
+          </a:prstGeom>
+          <a:noFill/>
+        </p:spPr>
+        <p:txBody>
+          <a:bodyPr wrap="square" rtlCol="0">
+            <a:spAutoFit/>
+          </a:bodyPr>
+          <a:lstStyle/>
+          <a:p>
+            <a:r>
+              <a:rPr lang="en-MY" sz="1200" dirty="0">
+                <a:solidFill>
+                  <a:srgbClr val="FFFF00"/>
+                </a:solidFill>
+              </a:rPr>
+              <a:t>④</a:t>
+            </a:r>
+          </a:p>
+        </p:txBody>
+      </p:sp>
+      <p:sp>
+        <p:nvSpPr>
+          <p:cNvPr id="11" name="TextBox 10">
+            <a:extLst>
+              <a:ext uri="{FF2B5EF4-FFF2-40B4-BE49-F238E27FC236}">
+                <a16:creationId xmlns:a16="http://schemas.microsoft.com/office/drawing/2014/main" id="{EBED5C9C-DBD8-4A88-9ACF-BC5B10C2D541}"/>
+              </a:ext>
+            </a:extLst>
+          </p:cNvPr>
+          <p:cNvSpPr txBox="1"/>
+          <p:nvPr/>
+        </p:nvSpPr>
+        <p:spPr>
+          <a:xfrm>
+            <a:off x="5476711" y="3278184"/>
+            <a:ext cx="404816" cy="276999"/>
+          </a:xfrm>
+          <a:prstGeom prst="rect">
+            <a:avLst/>
+          </a:prstGeom>
+          <a:noFill/>
+        </p:spPr>
+        <p:txBody>
+          <a:bodyPr wrap="square" rtlCol="0">
+            <a:spAutoFit/>
+          </a:bodyPr>
+          <a:lstStyle/>
+          <a:p>
+            <a:r>
+              <a:rPr lang="en-MY" sz="1200" dirty="0">
+                <a:solidFill>
+                  <a:srgbClr val="FFFF00"/>
+                </a:solidFill>
+              </a:rPr>
+              <a:t>⑤</a:t>
+            </a:r>
+          </a:p>
+        </p:txBody>
+      </p:sp>
+      <p:sp>
+        <p:nvSpPr>
+          <p:cNvPr id="12" name="TextBox 11">
+            <a:extLst>
+              <a:ext uri="{FF2B5EF4-FFF2-40B4-BE49-F238E27FC236}">
+                <a16:creationId xmlns:a16="http://schemas.microsoft.com/office/drawing/2014/main" id="{6B742D17-151A-45F4-B652-FEAF7D5C9C34}"/>
+              </a:ext>
+            </a:extLst>
+          </p:cNvPr>
+          <p:cNvSpPr txBox="1"/>
+          <p:nvPr/>
+        </p:nvSpPr>
+        <p:spPr>
+          <a:xfrm>
+            <a:off x="5476711" y="3461019"/>
+            <a:ext cx="404816" cy="276999"/>
+          </a:xfrm>
+          <a:prstGeom prst="rect">
+            <a:avLst/>
+          </a:prstGeom>
+          <a:noFill/>
+        </p:spPr>
+        <p:txBody>
+          <a:bodyPr wrap="square" rtlCol="0">
+            <a:spAutoFit/>
+          </a:bodyPr>
+          <a:lstStyle/>
+          <a:p>
+            <a:r>
+              <a:rPr lang="en-MY" sz="1200" dirty="0">
+                <a:solidFill>
+                  <a:srgbClr val="FFFF00"/>
+                </a:solidFill>
+              </a:rPr>
+              <a:t>⑥</a:t>
+            </a:r>
+          </a:p>
+        </p:txBody>
+      </p:sp>
+      <p:sp>
+        <p:nvSpPr>
+          <p:cNvPr id="13" name="TextBox 12">
+            <a:extLst>
+              <a:ext uri="{FF2B5EF4-FFF2-40B4-BE49-F238E27FC236}">
+                <a16:creationId xmlns:a16="http://schemas.microsoft.com/office/drawing/2014/main" id="{55FCAAE5-7CDD-4A35-8A18-D678B9F5F8DF}"/>
+              </a:ext>
+            </a:extLst>
+          </p:cNvPr>
+          <p:cNvSpPr txBox="1"/>
+          <p:nvPr/>
+        </p:nvSpPr>
+        <p:spPr>
+          <a:xfrm>
+            <a:off x="5476711" y="3638139"/>
+            <a:ext cx="404816" cy="276999"/>
+          </a:xfrm>
+          <a:prstGeom prst="rect">
+            <a:avLst/>
+          </a:prstGeom>
+          <a:noFill/>
+        </p:spPr>
+        <p:txBody>
+          <a:bodyPr wrap="square" rtlCol="0">
+            <a:spAutoFit/>
+          </a:bodyPr>
+          <a:lstStyle/>
+          <a:p>
+            <a:r>
+              <a:rPr lang="en-MY" sz="1200" dirty="0">
+                <a:solidFill>
+                  <a:srgbClr val="FFFF00"/>
+                </a:solidFill>
+              </a:rPr>
+              <a:t>⑦</a:t>
+            </a:r>
+          </a:p>
+        </p:txBody>
+      </p:sp>
+      <p:sp>
+        <p:nvSpPr>
+          <p:cNvPr id="15" name="TextBox 14">
+            <a:extLst>
+              <a:ext uri="{FF2B5EF4-FFF2-40B4-BE49-F238E27FC236}">
+                <a16:creationId xmlns:a16="http://schemas.microsoft.com/office/drawing/2014/main" id="{9853CF55-9506-44E0-9370-E18A0A62E773}"/>
+              </a:ext>
+            </a:extLst>
+          </p:cNvPr>
+          <p:cNvSpPr txBox="1"/>
+          <p:nvPr/>
+        </p:nvSpPr>
+        <p:spPr>
+          <a:xfrm>
+            <a:off x="5476711" y="4006187"/>
+            <a:ext cx="404816" cy="276999"/>
+          </a:xfrm>
+          <a:prstGeom prst="rect">
+            <a:avLst/>
+          </a:prstGeom>
+          <a:noFill/>
+        </p:spPr>
+        <p:txBody>
+          <a:bodyPr wrap="square" rtlCol="0">
+            <a:spAutoFit/>
+          </a:bodyPr>
+          <a:lstStyle/>
+          <a:p>
+            <a:r>
+              <a:rPr lang="en-MY" sz="1200" dirty="0">
+                <a:solidFill>
+                  <a:srgbClr val="FFFF00"/>
+                </a:solidFill>
+              </a:rPr>
+              <a:t>⑧</a:t>
+            </a:r>
+          </a:p>
+        </p:txBody>
+      </p:sp>
+      <p:sp>
+        <p:nvSpPr>
+          <p:cNvPr id="21" name="TextBox 20">
+            <a:extLst>
+              <a:ext uri="{FF2B5EF4-FFF2-40B4-BE49-F238E27FC236}">
+                <a16:creationId xmlns:a16="http://schemas.microsoft.com/office/drawing/2014/main" id="{79652476-7E75-4291-91F1-0BE07E00DA66}"/>
+              </a:ext>
+            </a:extLst>
+          </p:cNvPr>
+          <p:cNvSpPr txBox="1"/>
+          <p:nvPr/>
+        </p:nvSpPr>
+        <p:spPr>
+          <a:xfrm>
+            <a:off x="961219" y="2897035"/>
+            <a:ext cx="404816" cy="276999"/>
+          </a:xfrm>
+          <a:prstGeom prst="rect">
+            <a:avLst/>
+          </a:prstGeom>
+          <a:noFill/>
+        </p:spPr>
+        <p:txBody>
+          <a:bodyPr wrap="square" rtlCol="0">
+            <a:spAutoFit/>
+          </a:bodyPr>
+          <a:lstStyle/>
+          <a:p>
+            <a:r>
+              <a:rPr lang="en-MY" sz="1200" dirty="0">
+                <a:solidFill>
+                  <a:srgbClr val="FFFF00"/>
+                </a:solidFill>
+              </a:rPr>
+              <a:t>③</a:t>
+            </a:r>
+          </a:p>
+        </p:txBody>
+      </p:sp>
+      <p:sp>
+        <p:nvSpPr>
+          <p:cNvPr id="22" name="TextBox 21">
+            <a:extLst>
+              <a:ext uri="{FF2B5EF4-FFF2-40B4-BE49-F238E27FC236}">
+                <a16:creationId xmlns:a16="http://schemas.microsoft.com/office/drawing/2014/main" id="{E57D958C-2095-4439-AE92-10F816677A57}"/>
+              </a:ext>
+            </a:extLst>
+          </p:cNvPr>
+          <p:cNvSpPr txBox="1"/>
+          <p:nvPr/>
+        </p:nvSpPr>
+        <p:spPr>
+          <a:xfrm>
+            <a:off x="961219" y="2537337"/>
+            <a:ext cx="404816" cy="276999"/>
+          </a:xfrm>
+          <a:prstGeom prst="rect">
+            <a:avLst/>
+          </a:prstGeom>
+          <a:noFill/>
+        </p:spPr>
+        <p:txBody>
+          <a:bodyPr wrap="square" rtlCol="0">
+            <a:spAutoFit/>
+          </a:bodyPr>
+          <a:lstStyle/>
+          <a:p>
+            <a:r>
+              <a:rPr lang="en-MY" sz="1200" dirty="0">
+                <a:solidFill>
+                  <a:srgbClr val="FFFF00"/>
+                </a:solidFill>
+              </a:rPr>
+              <a:t>①</a:t>
+            </a:r>
+          </a:p>
+        </p:txBody>
+      </p:sp>
+      <p:sp>
+        <p:nvSpPr>
+          <p:cNvPr id="23" name="TextBox 22">
+            <a:extLst>
+              <a:ext uri="{FF2B5EF4-FFF2-40B4-BE49-F238E27FC236}">
+                <a16:creationId xmlns:a16="http://schemas.microsoft.com/office/drawing/2014/main" id="{120E33EA-29B6-4198-9333-09A0A9AB91CE}"/>
+              </a:ext>
+            </a:extLst>
+          </p:cNvPr>
+          <p:cNvSpPr txBox="1"/>
+          <p:nvPr/>
+        </p:nvSpPr>
+        <p:spPr>
+          <a:xfrm>
+            <a:off x="961219" y="2714061"/>
+            <a:ext cx="404816" cy="276999"/>
+          </a:xfrm>
+          <a:prstGeom prst="rect">
+            <a:avLst/>
+          </a:prstGeom>
+          <a:noFill/>
+        </p:spPr>
+        <p:txBody>
+          <a:bodyPr wrap="square" rtlCol="0">
+            <a:spAutoFit/>
+          </a:bodyPr>
+          <a:lstStyle/>
+          <a:p>
+            <a:r>
+              <a:rPr lang="en-MY" sz="1200" dirty="0">
+                <a:solidFill>
+                  <a:srgbClr val="FFFF00"/>
+                </a:solidFill>
+              </a:rPr>
+              <a:t>②</a:t>
+            </a:r>
+          </a:p>
+        </p:txBody>
+      </p:sp>
+      <p:sp>
+        <p:nvSpPr>
+          <p:cNvPr id="24" name="TextBox 23">
+            <a:extLst>
+              <a:ext uri="{FF2B5EF4-FFF2-40B4-BE49-F238E27FC236}">
+                <a16:creationId xmlns:a16="http://schemas.microsoft.com/office/drawing/2014/main" id="{FDF97B6E-F52F-4945-807B-914B14CF72E6}"/>
+              </a:ext>
+            </a:extLst>
+          </p:cNvPr>
+          <p:cNvSpPr txBox="1"/>
+          <p:nvPr/>
+        </p:nvSpPr>
+        <p:spPr>
+          <a:xfrm>
+            <a:off x="961219" y="3082084"/>
+            <a:ext cx="404816" cy="276999"/>
+          </a:xfrm>
+          <a:prstGeom prst="rect">
+            <a:avLst/>
+          </a:prstGeom>
+          <a:noFill/>
+        </p:spPr>
+        <p:txBody>
+          <a:bodyPr wrap="square" rtlCol="0">
+            <a:spAutoFit/>
+          </a:bodyPr>
+          <a:lstStyle/>
+          <a:p>
+            <a:r>
+              <a:rPr lang="en-MY" sz="1200" dirty="0">
+                <a:solidFill>
+                  <a:srgbClr val="FFFF00"/>
+                </a:solidFill>
+              </a:rPr>
+              <a:t>④</a:t>
+            </a:r>
+          </a:p>
+        </p:txBody>
+      </p:sp>
+      <p:sp>
+        <p:nvSpPr>
+          <p:cNvPr id="25" name="TextBox 24">
+            <a:extLst>
+              <a:ext uri="{FF2B5EF4-FFF2-40B4-BE49-F238E27FC236}">
+                <a16:creationId xmlns:a16="http://schemas.microsoft.com/office/drawing/2014/main" id="{492FE23C-0119-49F3-B07A-1AA6ED915CDE}"/>
+              </a:ext>
+            </a:extLst>
+          </p:cNvPr>
+          <p:cNvSpPr txBox="1"/>
+          <p:nvPr/>
+        </p:nvSpPr>
+        <p:spPr>
+          <a:xfrm>
+            <a:off x="961219" y="3262944"/>
+            <a:ext cx="404816" cy="276999"/>
+          </a:xfrm>
+          <a:prstGeom prst="rect">
+            <a:avLst/>
+          </a:prstGeom>
+          <a:noFill/>
+        </p:spPr>
+        <p:txBody>
+          <a:bodyPr wrap="square" rtlCol="0">
+            <a:spAutoFit/>
+          </a:bodyPr>
+          <a:lstStyle/>
+          <a:p>
+            <a:r>
+              <a:rPr lang="en-MY" sz="1200" dirty="0">
+                <a:solidFill>
+                  <a:srgbClr val="FFFF00"/>
+                </a:solidFill>
+              </a:rPr>
+              <a:t>⑤</a:t>
+            </a:r>
+          </a:p>
+        </p:txBody>
+      </p:sp>
+      <p:sp>
+        <p:nvSpPr>
+          <p:cNvPr id="26" name="TextBox 25">
+            <a:extLst>
+              <a:ext uri="{FF2B5EF4-FFF2-40B4-BE49-F238E27FC236}">
+                <a16:creationId xmlns:a16="http://schemas.microsoft.com/office/drawing/2014/main" id="{F2C42553-F5B0-4916-9BD0-14A462461222}"/>
+              </a:ext>
+            </a:extLst>
+          </p:cNvPr>
+          <p:cNvSpPr txBox="1"/>
+          <p:nvPr/>
+        </p:nvSpPr>
+        <p:spPr>
+          <a:xfrm>
+            <a:off x="961219" y="3445779"/>
+            <a:ext cx="404816" cy="276999"/>
+          </a:xfrm>
+          <a:prstGeom prst="rect">
+            <a:avLst/>
+          </a:prstGeom>
+          <a:noFill/>
+        </p:spPr>
+        <p:txBody>
+          <a:bodyPr wrap="square" rtlCol="0">
+            <a:spAutoFit/>
+          </a:bodyPr>
+          <a:lstStyle/>
+          <a:p>
+            <a:r>
+              <a:rPr lang="en-MY" sz="1200" dirty="0">
+                <a:solidFill>
+                  <a:srgbClr val="FFFF00"/>
+                </a:solidFill>
+              </a:rPr>
+              <a:t>⑥</a:t>
+            </a:r>
+          </a:p>
+        </p:txBody>
+      </p:sp>
+      <p:sp>
+        <p:nvSpPr>
+          <p:cNvPr id="27" name="TextBox 26">
+            <a:extLst>
+              <a:ext uri="{FF2B5EF4-FFF2-40B4-BE49-F238E27FC236}">
+                <a16:creationId xmlns:a16="http://schemas.microsoft.com/office/drawing/2014/main" id="{6BC6C2CA-50E5-40B3-A816-022F604993EC}"/>
+              </a:ext>
+            </a:extLst>
+          </p:cNvPr>
+          <p:cNvSpPr txBox="1"/>
+          <p:nvPr/>
+        </p:nvSpPr>
+        <p:spPr>
+          <a:xfrm>
+            <a:off x="961219" y="3622899"/>
+            <a:ext cx="404816" cy="276999"/>
+          </a:xfrm>
+          <a:prstGeom prst="rect">
+            <a:avLst/>
+          </a:prstGeom>
+          <a:noFill/>
+        </p:spPr>
+        <p:txBody>
+          <a:bodyPr wrap="square" rtlCol="0">
+            <a:spAutoFit/>
+          </a:bodyPr>
+          <a:lstStyle/>
+          <a:p>
+            <a:r>
+              <a:rPr lang="en-MY" sz="1200" dirty="0">
+                <a:solidFill>
+                  <a:srgbClr val="FFFF00"/>
+                </a:solidFill>
+              </a:rPr>
+              <a:t>⑦</a:t>
+            </a:r>
+          </a:p>
+        </p:txBody>
+      </p:sp>
+      <p:sp>
+        <p:nvSpPr>
+          <p:cNvPr id="28" name="TextBox 27">
+            <a:extLst>
+              <a:ext uri="{FF2B5EF4-FFF2-40B4-BE49-F238E27FC236}">
+                <a16:creationId xmlns:a16="http://schemas.microsoft.com/office/drawing/2014/main" id="{89922070-579D-495A-8692-EE3EBE6100D1}"/>
+              </a:ext>
+            </a:extLst>
+          </p:cNvPr>
+          <p:cNvSpPr txBox="1"/>
+          <p:nvPr/>
+        </p:nvSpPr>
+        <p:spPr>
+          <a:xfrm>
+            <a:off x="961219" y="3990947"/>
+            <a:ext cx="404816" cy="276999"/>
+          </a:xfrm>
+          <a:prstGeom prst="rect">
+            <a:avLst/>
+          </a:prstGeom>
+          <a:noFill/>
+        </p:spPr>
+        <p:txBody>
+          <a:bodyPr wrap="square" rtlCol="0">
+            <a:spAutoFit/>
+          </a:bodyPr>
+          <a:lstStyle/>
+          <a:p>
+            <a:r>
+              <a:rPr lang="en-MY" sz="1200" dirty="0">
+                <a:solidFill>
+                  <a:srgbClr val="FFFF00"/>
+                </a:solidFill>
+              </a:rPr>
+              <a:t>⑧</a:t>
+            </a:r>
+          </a:p>
+        </p:txBody>
+      </p:sp>
     </p:spTree>
     <p:extLst>
       <p:ext uri="{BB962C8B-B14F-4D97-AF65-F5344CB8AC3E}">
@@ -13715,7 +17432,7 @@
         </p:blipFill>
         <p:spPr>
           <a:xfrm>
-            <a:off x="4073435" y="2765853"/>
+            <a:off x="5122305" y="2619262"/>
             <a:ext cx="1076475" cy="618241"/>
           </a:xfrm>
           <a:prstGeom prst="rect">
@@ -13745,7 +17462,7 @@
         </p:blipFill>
         <p:spPr>
           <a:xfrm>
-            <a:off x="876496" y="2564831"/>
+            <a:off x="2176640" y="2619262"/>
             <a:ext cx="1086002" cy="809738"/>
           </a:xfrm>
           <a:prstGeom prst="rect">
@@ -13775,7 +17492,7 @@
         </p:blipFill>
         <p:spPr>
           <a:xfrm>
-            <a:off x="7857499" y="2755841"/>
+            <a:off x="7767148" y="2599239"/>
             <a:ext cx="1162212" cy="638264"/>
           </a:xfrm>
           <a:prstGeom prst="rect">
@@ -13805,7 +17522,7 @@
         </p:blipFill>
         <p:spPr>
           <a:xfrm>
-            <a:off x="876496" y="5088592"/>
+            <a:off x="3530049" y="4717066"/>
             <a:ext cx="1228896" cy="1000265"/>
           </a:xfrm>
           <a:prstGeom prst="rect">
@@ -13835,7 +17552,7 @@
         </p:blipFill>
         <p:spPr>
           <a:xfrm>
-            <a:off x="4073435" y="5088592"/>
+            <a:off x="6538252" y="4717066"/>
             <a:ext cx="1228896" cy="1371791"/>
           </a:xfrm>
           <a:prstGeom prst="rect">
@@ -13843,6 +17560,864 @@
           </a:prstGeom>
         </p:spPr>
       </p:pic>
+      <p:sp>
+        <p:nvSpPr>
+          <p:cNvPr id="8" name="TextBox 7">
+            <a:extLst>
+              <a:ext uri="{FF2B5EF4-FFF2-40B4-BE49-F238E27FC236}">
+                <a16:creationId xmlns:a16="http://schemas.microsoft.com/office/drawing/2014/main" id="{2EC94B8C-7D43-40D0-97CB-4FECA28237D1}"/>
+              </a:ext>
+            </a:extLst>
+          </p:cNvPr>
+          <p:cNvSpPr txBox="1"/>
+          <p:nvPr/>
+        </p:nvSpPr>
+        <p:spPr>
+          <a:xfrm>
+            <a:off x="1771824" y="2957987"/>
+            <a:ext cx="404816" cy="276999"/>
+          </a:xfrm>
+          <a:prstGeom prst="rect">
+            <a:avLst/>
+          </a:prstGeom>
+          <a:noFill/>
+        </p:spPr>
+        <p:txBody>
+          <a:bodyPr wrap="square" rtlCol="0">
+            <a:spAutoFit/>
+          </a:bodyPr>
+          <a:lstStyle/>
+          <a:p>
+            <a:r>
+              <a:rPr lang="en-MY" sz="1200" dirty="0">
+                <a:solidFill>
+                  <a:srgbClr val="FFFF00"/>
+                </a:solidFill>
+              </a:rPr>
+              <a:t>③</a:t>
+            </a:r>
+          </a:p>
+        </p:txBody>
+      </p:sp>
+      <p:sp>
+        <p:nvSpPr>
+          <p:cNvPr id="10" name="TextBox 9">
+            <a:extLst>
+              <a:ext uri="{FF2B5EF4-FFF2-40B4-BE49-F238E27FC236}">
+                <a16:creationId xmlns:a16="http://schemas.microsoft.com/office/drawing/2014/main" id="{CD37BBA5-76BA-455F-B26B-2B107E6C94FE}"/>
+              </a:ext>
+            </a:extLst>
+          </p:cNvPr>
+          <p:cNvSpPr txBox="1"/>
+          <p:nvPr/>
+        </p:nvSpPr>
+        <p:spPr>
+          <a:xfrm>
+            <a:off x="1771824" y="2589324"/>
+            <a:ext cx="404816" cy="276999"/>
+          </a:xfrm>
+          <a:prstGeom prst="rect">
+            <a:avLst/>
+          </a:prstGeom>
+          <a:noFill/>
+        </p:spPr>
+        <p:txBody>
+          <a:bodyPr wrap="square" rtlCol="0">
+            <a:spAutoFit/>
+          </a:bodyPr>
+          <a:lstStyle/>
+          <a:p>
+            <a:r>
+              <a:rPr lang="en-MY" sz="1200" dirty="0">
+                <a:solidFill>
+                  <a:srgbClr val="FFFF00"/>
+                </a:solidFill>
+              </a:rPr>
+              <a:t>①</a:t>
+            </a:r>
+          </a:p>
+        </p:txBody>
+      </p:sp>
+      <p:sp>
+        <p:nvSpPr>
+          <p:cNvPr id="12" name="TextBox 11">
+            <a:extLst>
+              <a:ext uri="{FF2B5EF4-FFF2-40B4-BE49-F238E27FC236}">
+                <a16:creationId xmlns:a16="http://schemas.microsoft.com/office/drawing/2014/main" id="{46898BC5-1E09-4B7E-A0EA-B97CCACB0982}"/>
+              </a:ext>
+            </a:extLst>
+          </p:cNvPr>
+          <p:cNvSpPr txBox="1"/>
+          <p:nvPr/>
+        </p:nvSpPr>
+        <p:spPr>
+          <a:xfrm>
+            <a:off x="1771824" y="2775013"/>
+            <a:ext cx="404816" cy="276999"/>
+          </a:xfrm>
+          <a:prstGeom prst="rect">
+            <a:avLst/>
+          </a:prstGeom>
+          <a:noFill/>
+        </p:spPr>
+        <p:txBody>
+          <a:bodyPr wrap="square" rtlCol="0">
+            <a:spAutoFit/>
+          </a:bodyPr>
+          <a:lstStyle/>
+          <a:p>
+            <a:r>
+              <a:rPr lang="en-MY" sz="1200" dirty="0">
+                <a:solidFill>
+                  <a:srgbClr val="FFFF00"/>
+                </a:solidFill>
+              </a:rPr>
+              <a:t>②</a:t>
+            </a:r>
+          </a:p>
+        </p:txBody>
+      </p:sp>
+      <p:sp>
+        <p:nvSpPr>
+          <p:cNvPr id="14" name="TextBox 13">
+            <a:extLst>
+              <a:ext uri="{FF2B5EF4-FFF2-40B4-BE49-F238E27FC236}">
+                <a16:creationId xmlns:a16="http://schemas.microsoft.com/office/drawing/2014/main" id="{055808F2-BD40-4349-88CC-DC97E2D10A90}"/>
+              </a:ext>
+            </a:extLst>
+          </p:cNvPr>
+          <p:cNvSpPr txBox="1"/>
+          <p:nvPr/>
+        </p:nvSpPr>
+        <p:spPr>
+          <a:xfrm>
+            <a:off x="1771824" y="3143036"/>
+            <a:ext cx="404816" cy="276999"/>
+          </a:xfrm>
+          <a:prstGeom prst="rect">
+            <a:avLst/>
+          </a:prstGeom>
+          <a:noFill/>
+        </p:spPr>
+        <p:txBody>
+          <a:bodyPr wrap="square" rtlCol="0">
+            <a:spAutoFit/>
+          </a:bodyPr>
+          <a:lstStyle/>
+          <a:p>
+            <a:r>
+              <a:rPr lang="en-MY" sz="1200" dirty="0">
+                <a:solidFill>
+                  <a:srgbClr val="FFFF00"/>
+                </a:solidFill>
+              </a:rPr>
+              <a:t>④</a:t>
+            </a:r>
+          </a:p>
+        </p:txBody>
+      </p:sp>
+      <p:sp>
+        <p:nvSpPr>
+          <p:cNvPr id="15" name="TextBox 14">
+            <a:extLst>
+              <a:ext uri="{FF2B5EF4-FFF2-40B4-BE49-F238E27FC236}">
+                <a16:creationId xmlns:a16="http://schemas.microsoft.com/office/drawing/2014/main" id="{CFD224A1-773E-469E-993B-E7EF0A18B532}"/>
+              </a:ext>
+            </a:extLst>
+          </p:cNvPr>
+          <p:cNvSpPr txBox="1"/>
+          <p:nvPr/>
+        </p:nvSpPr>
+        <p:spPr>
+          <a:xfrm>
+            <a:off x="4722879" y="2969023"/>
+            <a:ext cx="404816" cy="276999"/>
+          </a:xfrm>
+          <a:prstGeom prst="rect">
+            <a:avLst/>
+          </a:prstGeom>
+          <a:noFill/>
+        </p:spPr>
+        <p:txBody>
+          <a:bodyPr wrap="square" rtlCol="0">
+            <a:spAutoFit/>
+          </a:bodyPr>
+          <a:lstStyle/>
+          <a:p>
+            <a:r>
+              <a:rPr lang="en-MY" sz="1200" dirty="0">
+                <a:solidFill>
+                  <a:srgbClr val="FFFF00"/>
+                </a:solidFill>
+              </a:rPr>
+              <a:t>③</a:t>
+            </a:r>
+          </a:p>
+        </p:txBody>
+      </p:sp>
+      <p:sp>
+        <p:nvSpPr>
+          <p:cNvPr id="16" name="TextBox 15">
+            <a:extLst>
+              <a:ext uri="{FF2B5EF4-FFF2-40B4-BE49-F238E27FC236}">
+                <a16:creationId xmlns:a16="http://schemas.microsoft.com/office/drawing/2014/main" id="{16981334-A0F8-4402-9A60-E7C4353F0B42}"/>
+              </a:ext>
+            </a:extLst>
+          </p:cNvPr>
+          <p:cNvSpPr txBox="1"/>
+          <p:nvPr/>
+        </p:nvSpPr>
+        <p:spPr>
+          <a:xfrm>
+            <a:off x="4722879" y="2600360"/>
+            <a:ext cx="404816" cy="276999"/>
+          </a:xfrm>
+          <a:prstGeom prst="rect">
+            <a:avLst/>
+          </a:prstGeom>
+          <a:noFill/>
+        </p:spPr>
+        <p:txBody>
+          <a:bodyPr wrap="square" rtlCol="0">
+            <a:spAutoFit/>
+          </a:bodyPr>
+          <a:lstStyle/>
+          <a:p>
+            <a:r>
+              <a:rPr lang="en-MY" sz="1200" dirty="0">
+                <a:solidFill>
+                  <a:srgbClr val="FFFF00"/>
+                </a:solidFill>
+              </a:rPr>
+              <a:t>①</a:t>
+            </a:r>
+          </a:p>
+        </p:txBody>
+      </p:sp>
+      <p:sp>
+        <p:nvSpPr>
+          <p:cNvPr id="17" name="TextBox 16">
+            <a:extLst>
+              <a:ext uri="{FF2B5EF4-FFF2-40B4-BE49-F238E27FC236}">
+                <a16:creationId xmlns:a16="http://schemas.microsoft.com/office/drawing/2014/main" id="{63A4DD44-9B51-4BAE-A1D5-315ECD3C9A40}"/>
+              </a:ext>
+            </a:extLst>
+          </p:cNvPr>
+          <p:cNvSpPr txBox="1"/>
+          <p:nvPr/>
+        </p:nvSpPr>
+        <p:spPr>
+          <a:xfrm>
+            <a:off x="4722879" y="2786049"/>
+            <a:ext cx="404816" cy="276999"/>
+          </a:xfrm>
+          <a:prstGeom prst="rect">
+            <a:avLst/>
+          </a:prstGeom>
+          <a:noFill/>
+        </p:spPr>
+        <p:txBody>
+          <a:bodyPr wrap="square" rtlCol="0">
+            <a:spAutoFit/>
+          </a:bodyPr>
+          <a:lstStyle/>
+          <a:p>
+            <a:r>
+              <a:rPr lang="en-MY" sz="1200" dirty="0">
+                <a:solidFill>
+                  <a:srgbClr val="FFFF00"/>
+                </a:solidFill>
+              </a:rPr>
+              <a:t>②</a:t>
+            </a:r>
+          </a:p>
+        </p:txBody>
+      </p:sp>
+      <p:sp>
+        <p:nvSpPr>
+          <p:cNvPr id="18" name="TextBox 17">
+            <a:extLst>
+              <a:ext uri="{FF2B5EF4-FFF2-40B4-BE49-F238E27FC236}">
+                <a16:creationId xmlns:a16="http://schemas.microsoft.com/office/drawing/2014/main" id="{BFA83646-847A-401C-922E-D2469625FFC6}"/>
+              </a:ext>
+            </a:extLst>
+          </p:cNvPr>
+          <p:cNvSpPr txBox="1"/>
+          <p:nvPr/>
+        </p:nvSpPr>
+        <p:spPr>
+          <a:xfrm>
+            <a:off x="7362332" y="2957987"/>
+            <a:ext cx="404816" cy="276999"/>
+          </a:xfrm>
+          <a:prstGeom prst="rect">
+            <a:avLst/>
+          </a:prstGeom>
+          <a:noFill/>
+        </p:spPr>
+        <p:txBody>
+          <a:bodyPr wrap="square" rtlCol="0">
+            <a:spAutoFit/>
+          </a:bodyPr>
+          <a:lstStyle/>
+          <a:p>
+            <a:r>
+              <a:rPr lang="en-MY" sz="1200" dirty="0">
+                <a:solidFill>
+                  <a:srgbClr val="FFFF00"/>
+                </a:solidFill>
+              </a:rPr>
+              <a:t>③</a:t>
+            </a:r>
+          </a:p>
+        </p:txBody>
+      </p:sp>
+      <p:sp>
+        <p:nvSpPr>
+          <p:cNvPr id="19" name="TextBox 18">
+            <a:extLst>
+              <a:ext uri="{FF2B5EF4-FFF2-40B4-BE49-F238E27FC236}">
+                <a16:creationId xmlns:a16="http://schemas.microsoft.com/office/drawing/2014/main" id="{349A367B-6136-4E6C-948D-E997A4D13ECA}"/>
+              </a:ext>
+            </a:extLst>
+          </p:cNvPr>
+          <p:cNvSpPr txBox="1"/>
+          <p:nvPr/>
+        </p:nvSpPr>
+        <p:spPr>
+          <a:xfrm>
+            <a:off x="7362332" y="2589324"/>
+            <a:ext cx="404816" cy="276999"/>
+          </a:xfrm>
+          <a:prstGeom prst="rect">
+            <a:avLst/>
+          </a:prstGeom>
+          <a:noFill/>
+        </p:spPr>
+        <p:txBody>
+          <a:bodyPr wrap="square" rtlCol="0">
+            <a:spAutoFit/>
+          </a:bodyPr>
+          <a:lstStyle/>
+          <a:p>
+            <a:r>
+              <a:rPr lang="en-MY" sz="1200" dirty="0">
+                <a:solidFill>
+                  <a:srgbClr val="FFFF00"/>
+                </a:solidFill>
+              </a:rPr>
+              <a:t>①</a:t>
+            </a:r>
+          </a:p>
+        </p:txBody>
+      </p:sp>
+      <p:sp>
+        <p:nvSpPr>
+          <p:cNvPr id="20" name="TextBox 19">
+            <a:extLst>
+              <a:ext uri="{FF2B5EF4-FFF2-40B4-BE49-F238E27FC236}">
+                <a16:creationId xmlns:a16="http://schemas.microsoft.com/office/drawing/2014/main" id="{756CFEAE-79D4-46D7-9E1F-8E55A26B4796}"/>
+              </a:ext>
+            </a:extLst>
+          </p:cNvPr>
+          <p:cNvSpPr txBox="1"/>
+          <p:nvPr/>
+        </p:nvSpPr>
+        <p:spPr>
+          <a:xfrm>
+            <a:off x="7362332" y="2775013"/>
+            <a:ext cx="404816" cy="276999"/>
+          </a:xfrm>
+          <a:prstGeom prst="rect">
+            <a:avLst/>
+          </a:prstGeom>
+          <a:noFill/>
+        </p:spPr>
+        <p:txBody>
+          <a:bodyPr wrap="square" rtlCol="0">
+            <a:spAutoFit/>
+          </a:bodyPr>
+          <a:lstStyle/>
+          <a:p>
+            <a:r>
+              <a:rPr lang="en-MY" sz="1200" dirty="0">
+                <a:solidFill>
+                  <a:srgbClr val="FFFF00"/>
+                </a:solidFill>
+              </a:rPr>
+              <a:t>②</a:t>
+            </a:r>
+          </a:p>
+        </p:txBody>
+      </p:sp>
+      <p:sp>
+        <p:nvSpPr>
+          <p:cNvPr id="21" name="TextBox 20">
+            <a:extLst>
+              <a:ext uri="{FF2B5EF4-FFF2-40B4-BE49-F238E27FC236}">
+                <a16:creationId xmlns:a16="http://schemas.microsoft.com/office/drawing/2014/main" id="{854B94D6-E1F7-4298-B028-2276F3CCD54D}"/>
+              </a:ext>
+            </a:extLst>
+          </p:cNvPr>
+          <p:cNvSpPr txBox="1"/>
+          <p:nvPr/>
+        </p:nvSpPr>
+        <p:spPr>
+          <a:xfrm>
+            <a:off x="6122895" y="5045257"/>
+            <a:ext cx="404816" cy="276999"/>
+          </a:xfrm>
+          <a:prstGeom prst="rect">
+            <a:avLst/>
+          </a:prstGeom>
+          <a:noFill/>
+        </p:spPr>
+        <p:txBody>
+          <a:bodyPr wrap="square" rtlCol="0">
+            <a:spAutoFit/>
+          </a:bodyPr>
+          <a:lstStyle/>
+          <a:p>
+            <a:r>
+              <a:rPr lang="en-MY" sz="1200" dirty="0">
+                <a:solidFill>
+                  <a:srgbClr val="FFFF00"/>
+                </a:solidFill>
+              </a:rPr>
+              <a:t>③</a:t>
+            </a:r>
+          </a:p>
+        </p:txBody>
+      </p:sp>
+      <p:sp>
+        <p:nvSpPr>
+          <p:cNvPr id="22" name="TextBox 21">
+            <a:extLst>
+              <a:ext uri="{FF2B5EF4-FFF2-40B4-BE49-F238E27FC236}">
+                <a16:creationId xmlns:a16="http://schemas.microsoft.com/office/drawing/2014/main" id="{21ACD5A4-CB4D-47E8-8051-0B01CAC71519}"/>
+              </a:ext>
+            </a:extLst>
+          </p:cNvPr>
+          <p:cNvSpPr txBox="1"/>
+          <p:nvPr/>
+        </p:nvSpPr>
+        <p:spPr>
+          <a:xfrm>
+            <a:off x="6122895" y="4685559"/>
+            <a:ext cx="404816" cy="276999"/>
+          </a:xfrm>
+          <a:prstGeom prst="rect">
+            <a:avLst/>
+          </a:prstGeom>
+          <a:noFill/>
+        </p:spPr>
+        <p:txBody>
+          <a:bodyPr wrap="square" rtlCol="0">
+            <a:spAutoFit/>
+          </a:bodyPr>
+          <a:lstStyle/>
+          <a:p>
+            <a:r>
+              <a:rPr lang="en-MY" sz="1200" dirty="0">
+                <a:solidFill>
+                  <a:srgbClr val="FFFF00"/>
+                </a:solidFill>
+              </a:rPr>
+              <a:t>①</a:t>
+            </a:r>
+          </a:p>
+        </p:txBody>
+      </p:sp>
+      <p:sp>
+        <p:nvSpPr>
+          <p:cNvPr id="23" name="TextBox 22">
+            <a:extLst>
+              <a:ext uri="{FF2B5EF4-FFF2-40B4-BE49-F238E27FC236}">
+                <a16:creationId xmlns:a16="http://schemas.microsoft.com/office/drawing/2014/main" id="{DF292AC7-285F-4500-A334-7E7632FFD268}"/>
+              </a:ext>
+            </a:extLst>
+          </p:cNvPr>
+          <p:cNvSpPr txBox="1"/>
+          <p:nvPr/>
+        </p:nvSpPr>
+        <p:spPr>
+          <a:xfrm>
+            <a:off x="6122895" y="4862283"/>
+            <a:ext cx="404816" cy="276999"/>
+          </a:xfrm>
+          <a:prstGeom prst="rect">
+            <a:avLst/>
+          </a:prstGeom>
+          <a:noFill/>
+        </p:spPr>
+        <p:txBody>
+          <a:bodyPr wrap="square" rtlCol="0">
+            <a:spAutoFit/>
+          </a:bodyPr>
+          <a:lstStyle/>
+          <a:p>
+            <a:r>
+              <a:rPr lang="en-MY" sz="1200" dirty="0">
+                <a:solidFill>
+                  <a:srgbClr val="FFFF00"/>
+                </a:solidFill>
+              </a:rPr>
+              <a:t>②</a:t>
+            </a:r>
+          </a:p>
+        </p:txBody>
+      </p:sp>
+      <p:sp>
+        <p:nvSpPr>
+          <p:cNvPr id="24" name="TextBox 23">
+            <a:extLst>
+              <a:ext uri="{FF2B5EF4-FFF2-40B4-BE49-F238E27FC236}">
+                <a16:creationId xmlns:a16="http://schemas.microsoft.com/office/drawing/2014/main" id="{CABC944A-D1F4-4C85-852E-44C06EC45A91}"/>
+              </a:ext>
+            </a:extLst>
+          </p:cNvPr>
+          <p:cNvSpPr txBox="1"/>
+          <p:nvPr/>
+        </p:nvSpPr>
+        <p:spPr>
+          <a:xfrm>
+            <a:off x="6122895" y="5230306"/>
+            <a:ext cx="404816" cy="276999"/>
+          </a:xfrm>
+          <a:prstGeom prst="rect">
+            <a:avLst/>
+          </a:prstGeom>
+          <a:noFill/>
+        </p:spPr>
+        <p:txBody>
+          <a:bodyPr wrap="square" rtlCol="0">
+            <a:spAutoFit/>
+          </a:bodyPr>
+          <a:lstStyle/>
+          <a:p>
+            <a:r>
+              <a:rPr lang="en-MY" sz="1200" dirty="0">
+                <a:solidFill>
+                  <a:srgbClr val="FFFF00"/>
+                </a:solidFill>
+              </a:rPr>
+              <a:t>④</a:t>
+            </a:r>
+          </a:p>
+        </p:txBody>
+      </p:sp>
+      <p:sp>
+        <p:nvSpPr>
+          <p:cNvPr id="25" name="TextBox 24">
+            <a:extLst>
+              <a:ext uri="{FF2B5EF4-FFF2-40B4-BE49-F238E27FC236}">
+                <a16:creationId xmlns:a16="http://schemas.microsoft.com/office/drawing/2014/main" id="{CE4DA358-026F-48A8-AC80-3FF8DE50EE8F}"/>
+              </a:ext>
+            </a:extLst>
+          </p:cNvPr>
+          <p:cNvSpPr txBox="1"/>
+          <p:nvPr/>
+        </p:nvSpPr>
+        <p:spPr>
+          <a:xfrm>
+            <a:off x="6122895" y="5411166"/>
+            <a:ext cx="404816" cy="276999"/>
+          </a:xfrm>
+          <a:prstGeom prst="rect">
+            <a:avLst/>
+          </a:prstGeom>
+          <a:noFill/>
+        </p:spPr>
+        <p:txBody>
+          <a:bodyPr wrap="square" rtlCol="0">
+            <a:spAutoFit/>
+          </a:bodyPr>
+          <a:lstStyle/>
+          <a:p>
+            <a:r>
+              <a:rPr lang="en-MY" sz="1200" dirty="0">
+                <a:solidFill>
+                  <a:srgbClr val="FFFF00"/>
+                </a:solidFill>
+              </a:rPr>
+              <a:t>⑤</a:t>
+            </a:r>
+          </a:p>
+        </p:txBody>
+      </p:sp>
+      <p:sp>
+        <p:nvSpPr>
+          <p:cNvPr id="26" name="TextBox 25">
+            <a:extLst>
+              <a:ext uri="{FF2B5EF4-FFF2-40B4-BE49-F238E27FC236}">
+                <a16:creationId xmlns:a16="http://schemas.microsoft.com/office/drawing/2014/main" id="{29822EBD-E9FC-41CE-958C-A0CF781E505D}"/>
+              </a:ext>
+            </a:extLst>
+          </p:cNvPr>
+          <p:cNvSpPr txBox="1"/>
+          <p:nvPr/>
+        </p:nvSpPr>
+        <p:spPr>
+          <a:xfrm>
+            <a:off x="6122895" y="5594001"/>
+            <a:ext cx="404816" cy="276999"/>
+          </a:xfrm>
+          <a:prstGeom prst="rect">
+            <a:avLst/>
+          </a:prstGeom>
+          <a:noFill/>
+        </p:spPr>
+        <p:txBody>
+          <a:bodyPr wrap="square" rtlCol="0">
+            <a:spAutoFit/>
+          </a:bodyPr>
+          <a:lstStyle/>
+          <a:p>
+            <a:r>
+              <a:rPr lang="en-MY" sz="1200" dirty="0">
+                <a:solidFill>
+                  <a:srgbClr val="FFFF00"/>
+                </a:solidFill>
+              </a:rPr>
+              <a:t>⑥</a:t>
+            </a:r>
+          </a:p>
+        </p:txBody>
+      </p:sp>
+      <p:sp>
+        <p:nvSpPr>
+          <p:cNvPr id="27" name="TextBox 26">
+            <a:extLst>
+              <a:ext uri="{FF2B5EF4-FFF2-40B4-BE49-F238E27FC236}">
+                <a16:creationId xmlns:a16="http://schemas.microsoft.com/office/drawing/2014/main" id="{4A1A9CF6-28FB-43A8-B95D-1E08A33A5A5A}"/>
+              </a:ext>
+            </a:extLst>
+          </p:cNvPr>
+          <p:cNvSpPr txBox="1"/>
+          <p:nvPr/>
+        </p:nvSpPr>
+        <p:spPr>
+          <a:xfrm>
+            <a:off x="6122895" y="5771121"/>
+            <a:ext cx="404816" cy="276999"/>
+          </a:xfrm>
+          <a:prstGeom prst="rect">
+            <a:avLst/>
+          </a:prstGeom>
+          <a:noFill/>
+        </p:spPr>
+        <p:txBody>
+          <a:bodyPr wrap="square" rtlCol="0">
+            <a:spAutoFit/>
+          </a:bodyPr>
+          <a:lstStyle/>
+          <a:p>
+            <a:r>
+              <a:rPr lang="en-MY" sz="1200" dirty="0">
+                <a:solidFill>
+                  <a:srgbClr val="FFFF00"/>
+                </a:solidFill>
+              </a:rPr>
+              <a:t>⑦</a:t>
+            </a:r>
+          </a:p>
+        </p:txBody>
+      </p:sp>
+      <p:sp>
+        <p:nvSpPr>
+          <p:cNvPr id="28" name="TextBox 27">
+            <a:extLst>
+              <a:ext uri="{FF2B5EF4-FFF2-40B4-BE49-F238E27FC236}">
+                <a16:creationId xmlns:a16="http://schemas.microsoft.com/office/drawing/2014/main" id="{E3741D92-59A1-457B-A7F3-1E4BE0F9F321}"/>
+              </a:ext>
+            </a:extLst>
+          </p:cNvPr>
+          <p:cNvSpPr txBox="1"/>
+          <p:nvPr/>
+        </p:nvSpPr>
+        <p:spPr>
+          <a:xfrm>
+            <a:off x="3125233" y="5045257"/>
+            <a:ext cx="404816" cy="276999"/>
+          </a:xfrm>
+          <a:prstGeom prst="rect">
+            <a:avLst/>
+          </a:prstGeom>
+          <a:noFill/>
+        </p:spPr>
+        <p:txBody>
+          <a:bodyPr wrap="square" rtlCol="0">
+            <a:spAutoFit/>
+          </a:bodyPr>
+          <a:lstStyle/>
+          <a:p>
+            <a:r>
+              <a:rPr lang="en-MY" sz="1200" dirty="0">
+                <a:solidFill>
+                  <a:srgbClr val="FFFF00"/>
+                </a:solidFill>
+              </a:rPr>
+              <a:t>③</a:t>
+            </a:r>
+          </a:p>
+        </p:txBody>
+      </p:sp>
+      <p:sp>
+        <p:nvSpPr>
+          <p:cNvPr id="29" name="TextBox 28">
+            <a:extLst>
+              <a:ext uri="{FF2B5EF4-FFF2-40B4-BE49-F238E27FC236}">
+                <a16:creationId xmlns:a16="http://schemas.microsoft.com/office/drawing/2014/main" id="{A56BA1D1-D07E-4B21-AC5A-E88DA7D8F9F4}"/>
+              </a:ext>
+            </a:extLst>
+          </p:cNvPr>
+          <p:cNvSpPr txBox="1"/>
+          <p:nvPr/>
+        </p:nvSpPr>
+        <p:spPr>
+          <a:xfrm>
+            <a:off x="3125233" y="4685559"/>
+            <a:ext cx="404816" cy="276999"/>
+          </a:xfrm>
+          <a:prstGeom prst="rect">
+            <a:avLst/>
+          </a:prstGeom>
+          <a:noFill/>
+        </p:spPr>
+        <p:txBody>
+          <a:bodyPr wrap="square" rtlCol="0">
+            <a:spAutoFit/>
+          </a:bodyPr>
+          <a:lstStyle/>
+          <a:p>
+            <a:r>
+              <a:rPr lang="en-MY" sz="1200" dirty="0">
+                <a:solidFill>
+                  <a:srgbClr val="FFFF00"/>
+                </a:solidFill>
+              </a:rPr>
+              <a:t>①</a:t>
+            </a:r>
+          </a:p>
+        </p:txBody>
+      </p:sp>
+      <p:sp>
+        <p:nvSpPr>
+          <p:cNvPr id="30" name="TextBox 29">
+            <a:extLst>
+              <a:ext uri="{FF2B5EF4-FFF2-40B4-BE49-F238E27FC236}">
+                <a16:creationId xmlns:a16="http://schemas.microsoft.com/office/drawing/2014/main" id="{B411E496-7692-4887-8DBC-39489449C6C3}"/>
+              </a:ext>
+            </a:extLst>
+          </p:cNvPr>
+          <p:cNvSpPr txBox="1"/>
+          <p:nvPr/>
+        </p:nvSpPr>
+        <p:spPr>
+          <a:xfrm>
+            <a:off x="3125233" y="4862283"/>
+            <a:ext cx="404816" cy="276999"/>
+          </a:xfrm>
+          <a:prstGeom prst="rect">
+            <a:avLst/>
+          </a:prstGeom>
+          <a:noFill/>
+        </p:spPr>
+        <p:txBody>
+          <a:bodyPr wrap="square" rtlCol="0">
+            <a:spAutoFit/>
+          </a:bodyPr>
+          <a:lstStyle/>
+          <a:p>
+            <a:r>
+              <a:rPr lang="en-MY" sz="1200" dirty="0">
+                <a:solidFill>
+                  <a:srgbClr val="FFFF00"/>
+                </a:solidFill>
+              </a:rPr>
+              <a:t>②</a:t>
+            </a:r>
+          </a:p>
+        </p:txBody>
+      </p:sp>
+      <p:sp>
+        <p:nvSpPr>
+          <p:cNvPr id="31" name="TextBox 30">
+            <a:extLst>
+              <a:ext uri="{FF2B5EF4-FFF2-40B4-BE49-F238E27FC236}">
+                <a16:creationId xmlns:a16="http://schemas.microsoft.com/office/drawing/2014/main" id="{D9950B97-5DB3-4077-A4A7-209E1B992D0F}"/>
+              </a:ext>
+            </a:extLst>
+          </p:cNvPr>
+          <p:cNvSpPr txBox="1"/>
+          <p:nvPr/>
+        </p:nvSpPr>
+        <p:spPr>
+          <a:xfrm>
+            <a:off x="3125233" y="5230306"/>
+            <a:ext cx="404816" cy="276999"/>
+          </a:xfrm>
+          <a:prstGeom prst="rect">
+            <a:avLst/>
+          </a:prstGeom>
+          <a:noFill/>
+        </p:spPr>
+        <p:txBody>
+          <a:bodyPr wrap="square" rtlCol="0">
+            <a:spAutoFit/>
+          </a:bodyPr>
+          <a:lstStyle/>
+          <a:p>
+            <a:r>
+              <a:rPr lang="en-MY" sz="1200" dirty="0">
+                <a:solidFill>
+                  <a:srgbClr val="FFFF00"/>
+                </a:solidFill>
+              </a:rPr>
+              <a:t>④</a:t>
+            </a:r>
+          </a:p>
+        </p:txBody>
+      </p:sp>
+      <p:sp>
+        <p:nvSpPr>
+          <p:cNvPr id="32" name="TextBox 31">
+            <a:extLst>
+              <a:ext uri="{FF2B5EF4-FFF2-40B4-BE49-F238E27FC236}">
+                <a16:creationId xmlns:a16="http://schemas.microsoft.com/office/drawing/2014/main" id="{0901FEE8-9073-4EDC-8C65-50033E278A2A}"/>
+              </a:ext>
+            </a:extLst>
+          </p:cNvPr>
+          <p:cNvSpPr txBox="1"/>
+          <p:nvPr/>
+        </p:nvSpPr>
+        <p:spPr>
+          <a:xfrm>
+            <a:off x="3125233" y="5411166"/>
+            <a:ext cx="404816" cy="276999"/>
+          </a:xfrm>
+          <a:prstGeom prst="rect">
+            <a:avLst/>
+          </a:prstGeom>
+          <a:noFill/>
+        </p:spPr>
+        <p:txBody>
+          <a:bodyPr wrap="square" rtlCol="0">
+            <a:spAutoFit/>
+          </a:bodyPr>
+          <a:lstStyle/>
+          <a:p>
+            <a:r>
+              <a:rPr lang="en-MY" sz="1200" dirty="0">
+                <a:solidFill>
+                  <a:srgbClr val="FFFF00"/>
+                </a:solidFill>
+              </a:rPr>
+              <a:t>⑤</a:t>
+            </a:r>
+          </a:p>
+        </p:txBody>
+      </p:sp>
     </p:spTree>
     <p:extLst>
       <p:ext uri="{BB962C8B-B14F-4D97-AF65-F5344CB8AC3E}">
@@ -15214,14 +19789,98 @@
             <p:ph type="title"/>
           </p:nvPr>
         </p:nvSpPr>
-        <p:spPr/>
+        <p:spPr>
+          <a:xfrm>
+            <a:off x="685801" y="609600"/>
+            <a:ext cx="11326905" cy="1456267"/>
+          </a:xfrm>
+        </p:spPr>
         <p:txBody>
           <a:bodyPr/>
           <a:lstStyle/>
           <a:p>
             <a:r>
-              <a:rPr lang="en-US" dirty="0"/>
-              <a:t>In class practice: what is the result for those code?</a:t>
+              <a:rPr kumimoji="0" lang="en-US" sz="3200" b="0" i="0" u="none" strike="noStrike" kern="1200" cap="all" spc="0" normalizeH="0" baseline="0" noProof="0" dirty="0">
+                <a:ln w="3175" cmpd="sng">
+                  <a:noFill/>
+                </a:ln>
+                <a:solidFill>
+                  <a:prstClr val="white"/>
+                </a:solidFill>
+                <a:effectLst/>
+                <a:uLnTx/>
+                <a:uFillTx/>
+                <a:latin typeface="Calibri Light" panose="020F0302020204030204"/>
+                <a:ea typeface="+mj-ea"/>
+                <a:cs typeface="+mj-cs"/>
+              </a:rPr>
+              <a:t>In class practice: </a:t>
+            </a:r>
+            <a:br>
+              <a:rPr kumimoji="0" lang="en-US" sz="3200" b="0" i="0" u="none" strike="noStrike" kern="1200" cap="all" spc="0" normalizeH="0" baseline="0" noProof="0" dirty="0">
+                <a:ln w="3175" cmpd="sng">
+                  <a:noFill/>
+                </a:ln>
+                <a:solidFill>
+                  <a:prstClr val="white"/>
+                </a:solidFill>
+                <a:effectLst/>
+                <a:uLnTx/>
+                <a:uFillTx/>
+                <a:latin typeface="Calibri Light" panose="020F0302020204030204"/>
+                <a:ea typeface="+mj-ea"/>
+                <a:cs typeface="+mj-cs"/>
+              </a:rPr>
+            </a:br>
+            <a:r>
+              <a:rPr kumimoji="0" lang="en-US" sz="2400" b="0" i="0" u="none" strike="noStrike" kern="1200" cap="all" spc="0" normalizeH="0" baseline="0" noProof="0" dirty="0">
+                <a:ln w="3175" cmpd="sng">
+                  <a:noFill/>
+                </a:ln>
+                <a:solidFill>
+                  <a:prstClr val="white"/>
+                </a:solidFill>
+                <a:effectLst/>
+                <a:uLnTx/>
+                <a:uFillTx/>
+                <a:latin typeface="Calibri Light" panose="020F0302020204030204"/>
+                <a:ea typeface="+mj-ea"/>
+                <a:cs typeface="+mj-cs"/>
+              </a:rPr>
+              <a:t>1. anything wrong? what is the result for those code? </a:t>
+            </a:r>
+            <a:br>
+              <a:rPr kumimoji="0" lang="en-US" sz="2400" b="0" i="0" u="none" strike="noStrike" kern="1200" cap="all" spc="0" normalizeH="0" baseline="0" noProof="0" dirty="0">
+                <a:ln w="3175" cmpd="sng">
+                  <a:noFill/>
+                </a:ln>
+                <a:solidFill>
+                  <a:prstClr val="white"/>
+                </a:solidFill>
+                <a:effectLst/>
+                <a:uLnTx/>
+                <a:uFillTx/>
+                <a:latin typeface="Calibri Light" panose="020F0302020204030204"/>
+                <a:ea typeface="+mj-ea"/>
+                <a:cs typeface="+mj-cs"/>
+              </a:rPr>
+            </a:br>
+            <a:r>
+              <a:rPr kumimoji="0" lang="en-US" sz="2400" b="0" i="0" u="none" strike="noStrike" kern="1200" cap="all" spc="0" normalizeH="0" baseline="0" noProof="0" dirty="0">
+                <a:ln w="3175" cmpd="sng">
+                  <a:noFill/>
+                </a:ln>
+                <a:solidFill>
+                  <a:prstClr val="white"/>
+                </a:solidFill>
+                <a:effectLst/>
+                <a:uLnTx/>
+                <a:uFillTx/>
+                <a:latin typeface="Calibri Light" panose="020F0302020204030204"/>
+                <a:ea typeface="+mj-ea"/>
+                <a:cs typeface="+mj-cs"/>
+              </a:rPr>
+              <a:t>2. give correct execution flow order of line number which has no error.</a:t>
             </a:r>
             <a:endParaRPr lang="en-MY" dirty="0"/>
           </a:p>
@@ -15249,7 +19908,7 @@
         </p:blipFill>
         <p:spPr>
           <a:xfrm>
-            <a:off x="4526086" y="2625305"/>
+            <a:off x="4920533" y="2625305"/>
             <a:ext cx="1600423" cy="2267266"/>
           </a:xfrm>
           <a:prstGeom prst="rect">
@@ -15279,7 +19938,7 @@
         </p:blipFill>
         <p:spPr>
           <a:xfrm>
-            <a:off x="685801" y="2625305"/>
+            <a:off x="1480542" y="2658647"/>
             <a:ext cx="1581371" cy="2267266"/>
           </a:xfrm>
           <a:prstGeom prst="rect">
@@ -15317,6 +19976,1176 @@
           </a:prstGeom>
         </p:spPr>
       </p:pic>
+      <p:sp>
+        <p:nvSpPr>
+          <p:cNvPr id="6" name="TextBox 5">
+            <a:extLst>
+              <a:ext uri="{FF2B5EF4-FFF2-40B4-BE49-F238E27FC236}">
+                <a16:creationId xmlns:a16="http://schemas.microsoft.com/office/drawing/2014/main" id="{8F0966C4-F59A-4C67-8A65-858FE2E8017E}"/>
+              </a:ext>
+            </a:extLst>
+          </p:cNvPr>
+          <p:cNvSpPr txBox="1"/>
+          <p:nvPr/>
+        </p:nvSpPr>
+        <p:spPr>
+          <a:xfrm>
+            <a:off x="1075726" y="3181404"/>
+            <a:ext cx="404816" cy="276999"/>
+          </a:xfrm>
+          <a:prstGeom prst="rect">
+            <a:avLst/>
+          </a:prstGeom>
+          <a:noFill/>
+        </p:spPr>
+        <p:txBody>
+          <a:bodyPr wrap="square" rtlCol="0">
+            <a:spAutoFit/>
+          </a:bodyPr>
+          <a:lstStyle/>
+          <a:p>
+            <a:r>
+              <a:rPr lang="en-MY" sz="1200" dirty="0">
+                <a:solidFill>
+                  <a:srgbClr val="FFFF00"/>
+                </a:solidFill>
+              </a:rPr>
+              <a:t>③</a:t>
+            </a:r>
+          </a:p>
+        </p:txBody>
+      </p:sp>
+      <p:sp>
+        <p:nvSpPr>
+          <p:cNvPr id="7" name="TextBox 6">
+            <a:extLst>
+              <a:ext uri="{FF2B5EF4-FFF2-40B4-BE49-F238E27FC236}">
+                <a16:creationId xmlns:a16="http://schemas.microsoft.com/office/drawing/2014/main" id="{6CB0D6F1-82F8-4749-B5B4-F03470023C65}"/>
+              </a:ext>
+            </a:extLst>
+          </p:cNvPr>
+          <p:cNvSpPr txBox="1"/>
+          <p:nvPr/>
+        </p:nvSpPr>
+        <p:spPr>
+          <a:xfrm>
+            <a:off x="1075726" y="2642406"/>
+            <a:ext cx="404816" cy="276999"/>
+          </a:xfrm>
+          <a:prstGeom prst="rect">
+            <a:avLst/>
+          </a:prstGeom>
+          <a:noFill/>
+        </p:spPr>
+        <p:txBody>
+          <a:bodyPr wrap="square" rtlCol="0">
+            <a:spAutoFit/>
+          </a:bodyPr>
+          <a:lstStyle/>
+          <a:p>
+            <a:r>
+              <a:rPr lang="en-MY" sz="1200" dirty="0">
+                <a:solidFill>
+                  <a:srgbClr val="FFFF00"/>
+                </a:solidFill>
+              </a:rPr>
+              <a:t>①</a:t>
+            </a:r>
+          </a:p>
+        </p:txBody>
+      </p:sp>
+      <p:sp>
+        <p:nvSpPr>
+          <p:cNvPr id="8" name="TextBox 7">
+            <a:extLst>
+              <a:ext uri="{FF2B5EF4-FFF2-40B4-BE49-F238E27FC236}">
+                <a16:creationId xmlns:a16="http://schemas.microsoft.com/office/drawing/2014/main" id="{DF8B097D-F9C7-407B-81E2-7F0AC4DF6BB6}"/>
+              </a:ext>
+            </a:extLst>
+          </p:cNvPr>
+          <p:cNvSpPr txBox="1"/>
+          <p:nvPr/>
+        </p:nvSpPr>
+        <p:spPr>
+          <a:xfrm>
+            <a:off x="1075726" y="2998430"/>
+            <a:ext cx="404816" cy="276999"/>
+          </a:xfrm>
+          <a:prstGeom prst="rect">
+            <a:avLst/>
+          </a:prstGeom>
+          <a:noFill/>
+        </p:spPr>
+        <p:txBody>
+          <a:bodyPr wrap="square" rtlCol="0">
+            <a:spAutoFit/>
+          </a:bodyPr>
+          <a:lstStyle/>
+          <a:p>
+            <a:r>
+              <a:rPr lang="en-MY" sz="1200" dirty="0">
+                <a:solidFill>
+                  <a:srgbClr val="FFFF00"/>
+                </a:solidFill>
+              </a:rPr>
+              <a:t>②</a:t>
+            </a:r>
+          </a:p>
+        </p:txBody>
+      </p:sp>
+      <p:sp>
+        <p:nvSpPr>
+          <p:cNvPr id="10" name="TextBox 9">
+            <a:extLst>
+              <a:ext uri="{FF2B5EF4-FFF2-40B4-BE49-F238E27FC236}">
+                <a16:creationId xmlns:a16="http://schemas.microsoft.com/office/drawing/2014/main" id="{6DD06AA3-D650-4A48-B1FC-44AFF4E2A079}"/>
+              </a:ext>
+            </a:extLst>
+          </p:cNvPr>
+          <p:cNvSpPr txBox="1"/>
+          <p:nvPr/>
+        </p:nvSpPr>
+        <p:spPr>
+          <a:xfrm>
+            <a:off x="1075726" y="3366453"/>
+            <a:ext cx="404816" cy="276999"/>
+          </a:xfrm>
+          <a:prstGeom prst="rect">
+            <a:avLst/>
+          </a:prstGeom>
+          <a:noFill/>
+        </p:spPr>
+        <p:txBody>
+          <a:bodyPr wrap="square" rtlCol="0">
+            <a:spAutoFit/>
+          </a:bodyPr>
+          <a:lstStyle/>
+          <a:p>
+            <a:r>
+              <a:rPr lang="en-MY" sz="1200" dirty="0">
+                <a:solidFill>
+                  <a:srgbClr val="FFFF00"/>
+                </a:solidFill>
+              </a:rPr>
+              <a:t>④</a:t>
+            </a:r>
+          </a:p>
+        </p:txBody>
+      </p:sp>
+      <p:sp>
+        <p:nvSpPr>
+          <p:cNvPr id="12" name="TextBox 11">
+            <a:extLst>
+              <a:ext uri="{FF2B5EF4-FFF2-40B4-BE49-F238E27FC236}">
+                <a16:creationId xmlns:a16="http://schemas.microsoft.com/office/drawing/2014/main" id="{F4CCE62D-8181-4406-8963-8C00B9D7608B}"/>
+              </a:ext>
+            </a:extLst>
+          </p:cNvPr>
+          <p:cNvSpPr txBox="1"/>
+          <p:nvPr/>
+        </p:nvSpPr>
+        <p:spPr>
+          <a:xfrm>
+            <a:off x="1075726" y="3547313"/>
+            <a:ext cx="404816" cy="276999"/>
+          </a:xfrm>
+          <a:prstGeom prst="rect">
+            <a:avLst/>
+          </a:prstGeom>
+          <a:noFill/>
+        </p:spPr>
+        <p:txBody>
+          <a:bodyPr wrap="square" rtlCol="0">
+            <a:spAutoFit/>
+          </a:bodyPr>
+          <a:lstStyle/>
+          <a:p>
+            <a:r>
+              <a:rPr lang="en-MY" sz="1200" dirty="0">
+                <a:solidFill>
+                  <a:srgbClr val="FFFF00"/>
+                </a:solidFill>
+              </a:rPr>
+              <a:t>⑤</a:t>
+            </a:r>
+          </a:p>
+        </p:txBody>
+      </p:sp>
+      <p:sp>
+        <p:nvSpPr>
+          <p:cNvPr id="13" name="TextBox 12">
+            <a:extLst>
+              <a:ext uri="{FF2B5EF4-FFF2-40B4-BE49-F238E27FC236}">
+                <a16:creationId xmlns:a16="http://schemas.microsoft.com/office/drawing/2014/main" id="{43E42FAC-7C9F-459D-A198-4249296D84EB}"/>
+              </a:ext>
+            </a:extLst>
+          </p:cNvPr>
+          <p:cNvSpPr txBox="1"/>
+          <p:nvPr/>
+        </p:nvSpPr>
+        <p:spPr>
+          <a:xfrm>
+            <a:off x="1075726" y="3730148"/>
+            <a:ext cx="404816" cy="276999"/>
+          </a:xfrm>
+          <a:prstGeom prst="rect">
+            <a:avLst/>
+          </a:prstGeom>
+          <a:noFill/>
+        </p:spPr>
+        <p:txBody>
+          <a:bodyPr wrap="square" rtlCol="0">
+            <a:spAutoFit/>
+          </a:bodyPr>
+          <a:lstStyle/>
+          <a:p>
+            <a:r>
+              <a:rPr lang="en-MY" sz="1200" dirty="0">
+                <a:solidFill>
+                  <a:srgbClr val="FFFF00"/>
+                </a:solidFill>
+              </a:rPr>
+              <a:t>⑥</a:t>
+            </a:r>
+          </a:p>
+        </p:txBody>
+      </p:sp>
+      <p:sp>
+        <p:nvSpPr>
+          <p:cNvPr id="14" name="TextBox 13">
+            <a:extLst>
+              <a:ext uri="{FF2B5EF4-FFF2-40B4-BE49-F238E27FC236}">
+                <a16:creationId xmlns:a16="http://schemas.microsoft.com/office/drawing/2014/main" id="{D0ADCA94-DA2D-4968-AFEE-87DC345D01C3}"/>
+              </a:ext>
+            </a:extLst>
+          </p:cNvPr>
+          <p:cNvSpPr txBox="1"/>
+          <p:nvPr/>
+        </p:nvSpPr>
+        <p:spPr>
+          <a:xfrm>
+            <a:off x="1075726" y="3907268"/>
+            <a:ext cx="404816" cy="276999"/>
+          </a:xfrm>
+          <a:prstGeom prst="rect">
+            <a:avLst/>
+          </a:prstGeom>
+          <a:noFill/>
+        </p:spPr>
+        <p:txBody>
+          <a:bodyPr wrap="square" rtlCol="0">
+            <a:spAutoFit/>
+          </a:bodyPr>
+          <a:lstStyle/>
+          <a:p>
+            <a:r>
+              <a:rPr lang="en-MY" sz="1200" dirty="0">
+                <a:solidFill>
+                  <a:srgbClr val="FFFF00"/>
+                </a:solidFill>
+              </a:rPr>
+              <a:t>⑦</a:t>
+            </a:r>
+          </a:p>
+        </p:txBody>
+      </p:sp>
+      <p:sp>
+        <p:nvSpPr>
+          <p:cNvPr id="15" name="TextBox 14">
+            <a:extLst>
+              <a:ext uri="{FF2B5EF4-FFF2-40B4-BE49-F238E27FC236}">
+                <a16:creationId xmlns:a16="http://schemas.microsoft.com/office/drawing/2014/main" id="{8FD52783-ECF8-412F-A40E-47D55E7CC323}"/>
+              </a:ext>
+            </a:extLst>
+          </p:cNvPr>
+          <p:cNvSpPr txBox="1"/>
+          <p:nvPr/>
+        </p:nvSpPr>
+        <p:spPr>
+          <a:xfrm>
+            <a:off x="1075726" y="4089562"/>
+            <a:ext cx="404816" cy="276999"/>
+          </a:xfrm>
+          <a:prstGeom prst="rect">
+            <a:avLst/>
+          </a:prstGeom>
+          <a:noFill/>
+        </p:spPr>
+        <p:txBody>
+          <a:bodyPr wrap="square" rtlCol="0">
+            <a:spAutoFit/>
+          </a:bodyPr>
+          <a:lstStyle/>
+          <a:p>
+            <a:r>
+              <a:rPr lang="en-MY" sz="1200" dirty="0">
+                <a:solidFill>
+                  <a:srgbClr val="FFFF00"/>
+                </a:solidFill>
+              </a:rPr>
+              <a:t>⑧</a:t>
+            </a:r>
+          </a:p>
+        </p:txBody>
+      </p:sp>
+      <p:sp>
+        <p:nvSpPr>
+          <p:cNvPr id="16" name="TextBox 15">
+            <a:extLst>
+              <a:ext uri="{FF2B5EF4-FFF2-40B4-BE49-F238E27FC236}">
+                <a16:creationId xmlns:a16="http://schemas.microsoft.com/office/drawing/2014/main" id="{C1E4EA7E-77F0-48B8-AE15-2365CFC5F01E}"/>
+              </a:ext>
+            </a:extLst>
+          </p:cNvPr>
+          <p:cNvSpPr txBox="1"/>
+          <p:nvPr/>
+        </p:nvSpPr>
+        <p:spPr>
+          <a:xfrm>
+            <a:off x="1075726" y="4271772"/>
+            <a:ext cx="404816" cy="276999"/>
+          </a:xfrm>
+          <a:prstGeom prst="rect">
+            <a:avLst/>
+          </a:prstGeom>
+          <a:noFill/>
+        </p:spPr>
+        <p:txBody>
+          <a:bodyPr wrap="square" rtlCol="0">
+            <a:spAutoFit/>
+          </a:bodyPr>
+          <a:lstStyle/>
+          <a:p>
+            <a:r>
+              <a:rPr lang="en-MY" sz="1200" dirty="0">
+                <a:solidFill>
+                  <a:srgbClr val="FFFF00"/>
+                </a:solidFill>
+              </a:rPr>
+              <a:t>⑨</a:t>
+            </a:r>
+          </a:p>
+        </p:txBody>
+      </p:sp>
+      <p:sp>
+        <p:nvSpPr>
+          <p:cNvPr id="17" name="TextBox 16">
+            <a:extLst>
+              <a:ext uri="{FF2B5EF4-FFF2-40B4-BE49-F238E27FC236}">
+                <a16:creationId xmlns:a16="http://schemas.microsoft.com/office/drawing/2014/main" id="{F7DDF4DD-133E-4551-A102-5DC7368F4C93}"/>
+              </a:ext>
+            </a:extLst>
+          </p:cNvPr>
+          <p:cNvSpPr txBox="1"/>
+          <p:nvPr/>
+        </p:nvSpPr>
+        <p:spPr>
+          <a:xfrm>
+            <a:off x="1075726" y="4640192"/>
+            <a:ext cx="404816" cy="276999"/>
+          </a:xfrm>
+          <a:prstGeom prst="rect">
+            <a:avLst/>
+          </a:prstGeom>
+          <a:noFill/>
+        </p:spPr>
+        <p:txBody>
+          <a:bodyPr wrap="square" rtlCol="0">
+            <a:spAutoFit/>
+          </a:bodyPr>
+          <a:lstStyle/>
+          <a:p>
+            <a:r>
+              <a:rPr lang="en-MY" sz="1200" dirty="0">
+                <a:solidFill>
+                  <a:srgbClr val="FFFF00"/>
+                </a:solidFill>
+              </a:rPr>
+              <a:t>⑩</a:t>
+            </a:r>
+          </a:p>
+        </p:txBody>
+      </p:sp>
+      <p:sp>
+        <p:nvSpPr>
+          <p:cNvPr id="19" name="TextBox 18">
+            <a:extLst>
+              <a:ext uri="{FF2B5EF4-FFF2-40B4-BE49-F238E27FC236}">
+                <a16:creationId xmlns:a16="http://schemas.microsoft.com/office/drawing/2014/main" id="{36A946A8-3D7D-49CC-B006-F3EDD142C9DD}"/>
+              </a:ext>
+            </a:extLst>
+          </p:cNvPr>
+          <p:cNvSpPr txBox="1"/>
+          <p:nvPr/>
+        </p:nvSpPr>
+        <p:spPr>
+          <a:xfrm>
+            <a:off x="4463294" y="3182233"/>
+            <a:ext cx="404816" cy="276999"/>
+          </a:xfrm>
+          <a:prstGeom prst="rect">
+            <a:avLst/>
+          </a:prstGeom>
+          <a:noFill/>
+        </p:spPr>
+        <p:txBody>
+          <a:bodyPr wrap="square" rtlCol="0">
+            <a:spAutoFit/>
+          </a:bodyPr>
+          <a:lstStyle/>
+          <a:p>
+            <a:r>
+              <a:rPr lang="en-MY" sz="1200" dirty="0">
+                <a:solidFill>
+                  <a:srgbClr val="FFFF00"/>
+                </a:solidFill>
+              </a:rPr>
+              <a:t>③</a:t>
+            </a:r>
+          </a:p>
+        </p:txBody>
+      </p:sp>
+      <p:sp>
+        <p:nvSpPr>
+          <p:cNvPr id="20" name="TextBox 19">
+            <a:extLst>
+              <a:ext uri="{FF2B5EF4-FFF2-40B4-BE49-F238E27FC236}">
+                <a16:creationId xmlns:a16="http://schemas.microsoft.com/office/drawing/2014/main" id="{6E58E738-956B-4493-B696-25ECEC6AC1AF}"/>
+              </a:ext>
+            </a:extLst>
+          </p:cNvPr>
+          <p:cNvSpPr txBox="1"/>
+          <p:nvPr/>
+        </p:nvSpPr>
+        <p:spPr>
+          <a:xfrm>
+            <a:off x="4463294" y="2643235"/>
+            <a:ext cx="404816" cy="276999"/>
+          </a:xfrm>
+          <a:prstGeom prst="rect">
+            <a:avLst/>
+          </a:prstGeom>
+          <a:noFill/>
+        </p:spPr>
+        <p:txBody>
+          <a:bodyPr wrap="square" rtlCol="0">
+            <a:spAutoFit/>
+          </a:bodyPr>
+          <a:lstStyle/>
+          <a:p>
+            <a:r>
+              <a:rPr lang="en-MY" sz="1200" dirty="0">
+                <a:solidFill>
+                  <a:srgbClr val="FFFF00"/>
+                </a:solidFill>
+              </a:rPr>
+              <a:t>①</a:t>
+            </a:r>
+          </a:p>
+        </p:txBody>
+      </p:sp>
+      <p:sp>
+        <p:nvSpPr>
+          <p:cNvPr id="21" name="TextBox 20">
+            <a:extLst>
+              <a:ext uri="{FF2B5EF4-FFF2-40B4-BE49-F238E27FC236}">
+                <a16:creationId xmlns:a16="http://schemas.microsoft.com/office/drawing/2014/main" id="{140F4188-2EA3-4C6A-913D-C29F87F56020}"/>
+              </a:ext>
+            </a:extLst>
+          </p:cNvPr>
+          <p:cNvSpPr txBox="1"/>
+          <p:nvPr/>
+        </p:nvSpPr>
+        <p:spPr>
+          <a:xfrm>
+            <a:off x="4463294" y="2999259"/>
+            <a:ext cx="404816" cy="276999"/>
+          </a:xfrm>
+          <a:prstGeom prst="rect">
+            <a:avLst/>
+          </a:prstGeom>
+          <a:noFill/>
+        </p:spPr>
+        <p:txBody>
+          <a:bodyPr wrap="square" rtlCol="0">
+            <a:spAutoFit/>
+          </a:bodyPr>
+          <a:lstStyle/>
+          <a:p>
+            <a:r>
+              <a:rPr lang="en-MY" sz="1200" dirty="0">
+                <a:solidFill>
+                  <a:srgbClr val="FFFF00"/>
+                </a:solidFill>
+              </a:rPr>
+              <a:t>②</a:t>
+            </a:r>
+          </a:p>
+        </p:txBody>
+      </p:sp>
+      <p:sp>
+        <p:nvSpPr>
+          <p:cNvPr id="22" name="TextBox 21">
+            <a:extLst>
+              <a:ext uri="{FF2B5EF4-FFF2-40B4-BE49-F238E27FC236}">
+                <a16:creationId xmlns:a16="http://schemas.microsoft.com/office/drawing/2014/main" id="{3A820BC8-4BDB-4137-87C3-A24A4DC40B24}"/>
+              </a:ext>
+            </a:extLst>
+          </p:cNvPr>
+          <p:cNvSpPr txBox="1"/>
+          <p:nvPr/>
+        </p:nvSpPr>
+        <p:spPr>
+          <a:xfrm>
+            <a:off x="4463294" y="3367282"/>
+            <a:ext cx="404816" cy="276999"/>
+          </a:xfrm>
+          <a:prstGeom prst="rect">
+            <a:avLst/>
+          </a:prstGeom>
+          <a:noFill/>
+        </p:spPr>
+        <p:txBody>
+          <a:bodyPr wrap="square" rtlCol="0">
+            <a:spAutoFit/>
+          </a:bodyPr>
+          <a:lstStyle/>
+          <a:p>
+            <a:r>
+              <a:rPr lang="en-MY" sz="1200" dirty="0">
+                <a:solidFill>
+                  <a:srgbClr val="FFFF00"/>
+                </a:solidFill>
+              </a:rPr>
+              <a:t>④</a:t>
+            </a:r>
+          </a:p>
+        </p:txBody>
+      </p:sp>
+      <p:sp>
+        <p:nvSpPr>
+          <p:cNvPr id="23" name="TextBox 22">
+            <a:extLst>
+              <a:ext uri="{FF2B5EF4-FFF2-40B4-BE49-F238E27FC236}">
+                <a16:creationId xmlns:a16="http://schemas.microsoft.com/office/drawing/2014/main" id="{79E8D5BF-3478-4941-B41B-D593F230338C}"/>
+              </a:ext>
+            </a:extLst>
+          </p:cNvPr>
+          <p:cNvSpPr txBox="1"/>
+          <p:nvPr/>
+        </p:nvSpPr>
+        <p:spPr>
+          <a:xfrm>
+            <a:off x="4463294" y="3548142"/>
+            <a:ext cx="404816" cy="276999"/>
+          </a:xfrm>
+          <a:prstGeom prst="rect">
+            <a:avLst/>
+          </a:prstGeom>
+          <a:noFill/>
+        </p:spPr>
+        <p:txBody>
+          <a:bodyPr wrap="square" rtlCol="0">
+            <a:spAutoFit/>
+          </a:bodyPr>
+          <a:lstStyle/>
+          <a:p>
+            <a:r>
+              <a:rPr lang="en-MY" sz="1200" dirty="0">
+                <a:solidFill>
+                  <a:srgbClr val="FFFF00"/>
+                </a:solidFill>
+              </a:rPr>
+              <a:t>⑤</a:t>
+            </a:r>
+          </a:p>
+        </p:txBody>
+      </p:sp>
+      <p:sp>
+        <p:nvSpPr>
+          <p:cNvPr id="24" name="TextBox 23">
+            <a:extLst>
+              <a:ext uri="{FF2B5EF4-FFF2-40B4-BE49-F238E27FC236}">
+                <a16:creationId xmlns:a16="http://schemas.microsoft.com/office/drawing/2014/main" id="{653BD732-8248-46D7-A52E-2FABD71F31E6}"/>
+              </a:ext>
+            </a:extLst>
+          </p:cNvPr>
+          <p:cNvSpPr txBox="1"/>
+          <p:nvPr/>
+        </p:nvSpPr>
+        <p:spPr>
+          <a:xfrm>
+            <a:off x="4463294" y="3730977"/>
+            <a:ext cx="404816" cy="276999"/>
+          </a:xfrm>
+          <a:prstGeom prst="rect">
+            <a:avLst/>
+          </a:prstGeom>
+          <a:noFill/>
+        </p:spPr>
+        <p:txBody>
+          <a:bodyPr wrap="square" rtlCol="0">
+            <a:spAutoFit/>
+          </a:bodyPr>
+          <a:lstStyle/>
+          <a:p>
+            <a:r>
+              <a:rPr lang="en-MY" sz="1200" dirty="0">
+                <a:solidFill>
+                  <a:srgbClr val="FFFF00"/>
+                </a:solidFill>
+              </a:rPr>
+              <a:t>⑥</a:t>
+            </a:r>
+          </a:p>
+        </p:txBody>
+      </p:sp>
+      <p:sp>
+        <p:nvSpPr>
+          <p:cNvPr id="25" name="TextBox 24">
+            <a:extLst>
+              <a:ext uri="{FF2B5EF4-FFF2-40B4-BE49-F238E27FC236}">
+                <a16:creationId xmlns:a16="http://schemas.microsoft.com/office/drawing/2014/main" id="{DEFEF8F2-3DAD-4AFC-9CEA-19CFAE360420}"/>
+              </a:ext>
+            </a:extLst>
+          </p:cNvPr>
+          <p:cNvSpPr txBox="1"/>
+          <p:nvPr/>
+        </p:nvSpPr>
+        <p:spPr>
+          <a:xfrm>
+            <a:off x="4463294" y="3908097"/>
+            <a:ext cx="404816" cy="276999"/>
+          </a:xfrm>
+          <a:prstGeom prst="rect">
+            <a:avLst/>
+          </a:prstGeom>
+          <a:noFill/>
+        </p:spPr>
+        <p:txBody>
+          <a:bodyPr wrap="square" rtlCol="0">
+            <a:spAutoFit/>
+          </a:bodyPr>
+          <a:lstStyle/>
+          <a:p>
+            <a:r>
+              <a:rPr lang="en-MY" sz="1200" dirty="0">
+                <a:solidFill>
+                  <a:srgbClr val="FFFF00"/>
+                </a:solidFill>
+              </a:rPr>
+              <a:t>⑦</a:t>
+            </a:r>
+          </a:p>
+        </p:txBody>
+      </p:sp>
+      <p:sp>
+        <p:nvSpPr>
+          <p:cNvPr id="26" name="TextBox 25">
+            <a:extLst>
+              <a:ext uri="{FF2B5EF4-FFF2-40B4-BE49-F238E27FC236}">
+                <a16:creationId xmlns:a16="http://schemas.microsoft.com/office/drawing/2014/main" id="{4328D172-DAA5-439C-A7C2-DBA6A5911E3D}"/>
+              </a:ext>
+            </a:extLst>
+          </p:cNvPr>
+          <p:cNvSpPr txBox="1"/>
+          <p:nvPr/>
+        </p:nvSpPr>
+        <p:spPr>
+          <a:xfrm>
+            <a:off x="4463294" y="4090391"/>
+            <a:ext cx="404816" cy="276999"/>
+          </a:xfrm>
+          <a:prstGeom prst="rect">
+            <a:avLst/>
+          </a:prstGeom>
+          <a:noFill/>
+        </p:spPr>
+        <p:txBody>
+          <a:bodyPr wrap="square" rtlCol="0">
+            <a:spAutoFit/>
+          </a:bodyPr>
+          <a:lstStyle/>
+          <a:p>
+            <a:r>
+              <a:rPr lang="en-MY" sz="1200" dirty="0">
+                <a:solidFill>
+                  <a:srgbClr val="FFFF00"/>
+                </a:solidFill>
+              </a:rPr>
+              <a:t>⑧</a:t>
+            </a:r>
+          </a:p>
+        </p:txBody>
+      </p:sp>
+      <p:sp>
+        <p:nvSpPr>
+          <p:cNvPr id="27" name="TextBox 26">
+            <a:extLst>
+              <a:ext uri="{FF2B5EF4-FFF2-40B4-BE49-F238E27FC236}">
+                <a16:creationId xmlns:a16="http://schemas.microsoft.com/office/drawing/2014/main" id="{565157FC-42D3-406A-A920-4F9AB581D30C}"/>
+              </a:ext>
+            </a:extLst>
+          </p:cNvPr>
+          <p:cNvSpPr txBox="1"/>
+          <p:nvPr/>
+        </p:nvSpPr>
+        <p:spPr>
+          <a:xfrm>
+            <a:off x="4463294" y="4272601"/>
+            <a:ext cx="404816" cy="276999"/>
+          </a:xfrm>
+          <a:prstGeom prst="rect">
+            <a:avLst/>
+          </a:prstGeom>
+          <a:noFill/>
+        </p:spPr>
+        <p:txBody>
+          <a:bodyPr wrap="square" rtlCol="0">
+            <a:spAutoFit/>
+          </a:bodyPr>
+          <a:lstStyle/>
+          <a:p>
+            <a:r>
+              <a:rPr lang="en-MY" sz="1200" dirty="0">
+                <a:solidFill>
+                  <a:srgbClr val="FFFF00"/>
+                </a:solidFill>
+              </a:rPr>
+              <a:t>⑨</a:t>
+            </a:r>
+          </a:p>
+        </p:txBody>
+      </p:sp>
+      <p:sp>
+        <p:nvSpPr>
+          <p:cNvPr id="28" name="TextBox 27">
+            <a:extLst>
+              <a:ext uri="{FF2B5EF4-FFF2-40B4-BE49-F238E27FC236}">
+                <a16:creationId xmlns:a16="http://schemas.microsoft.com/office/drawing/2014/main" id="{0DFE3423-8269-4548-950B-9098E3B1320B}"/>
+              </a:ext>
+            </a:extLst>
+          </p:cNvPr>
+          <p:cNvSpPr txBox="1"/>
+          <p:nvPr/>
+        </p:nvSpPr>
+        <p:spPr>
+          <a:xfrm>
+            <a:off x="4463294" y="4641021"/>
+            <a:ext cx="404816" cy="276999"/>
+          </a:xfrm>
+          <a:prstGeom prst="rect">
+            <a:avLst/>
+          </a:prstGeom>
+          <a:noFill/>
+        </p:spPr>
+        <p:txBody>
+          <a:bodyPr wrap="square" rtlCol="0">
+            <a:spAutoFit/>
+          </a:bodyPr>
+          <a:lstStyle/>
+          <a:p>
+            <a:r>
+              <a:rPr lang="en-MY" sz="1200" dirty="0">
+                <a:solidFill>
+                  <a:srgbClr val="FFFF00"/>
+                </a:solidFill>
+              </a:rPr>
+              <a:t>⑩</a:t>
+            </a:r>
+          </a:p>
+        </p:txBody>
+      </p:sp>
+      <p:sp>
+        <p:nvSpPr>
+          <p:cNvPr id="29" name="TextBox 28">
+            <a:extLst>
+              <a:ext uri="{FF2B5EF4-FFF2-40B4-BE49-F238E27FC236}">
+                <a16:creationId xmlns:a16="http://schemas.microsoft.com/office/drawing/2014/main" id="{39A3495B-9954-49A2-8AC0-5E384044417B}"/>
+              </a:ext>
+            </a:extLst>
+          </p:cNvPr>
+          <p:cNvSpPr txBox="1"/>
+          <p:nvPr/>
+        </p:nvSpPr>
+        <p:spPr>
+          <a:xfrm>
+            <a:off x="8590123" y="3210574"/>
+            <a:ext cx="404816" cy="276999"/>
+          </a:xfrm>
+          <a:prstGeom prst="rect">
+            <a:avLst/>
+          </a:prstGeom>
+          <a:noFill/>
+        </p:spPr>
+        <p:txBody>
+          <a:bodyPr wrap="square" rtlCol="0">
+            <a:spAutoFit/>
+          </a:bodyPr>
+          <a:lstStyle/>
+          <a:p>
+            <a:r>
+              <a:rPr lang="en-MY" sz="1200" dirty="0">
+                <a:solidFill>
+                  <a:srgbClr val="FFFF00"/>
+                </a:solidFill>
+              </a:rPr>
+              <a:t>③</a:t>
+            </a:r>
+          </a:p>
+        </p:txBody>
+      </p:sp>
+      <p:sp>
+        <p:nvSpPr>
+          <p:cNvPr id="30" name="TextBox 29">
+            <a:extLst>
+              <a:ext uri="{FF2B5EF4-FFF2-40B4-BE49-F238E27FC236}">
+                <a16:creationId xmlns:a16="http://schemas.microsoft.com/office/drawing/2014/main" id="{9EC35B2B-AA95-4632-B1DC-B2C5B3DB503F}"/>
+              </a:ext>
+            </a:extLst>
+          </p:cNvPr>
+          <p:cNvSpPr txBox="1"/>
+          <p:nvPr/>
+        </p:nvSpPr>
+        <p:spPr>
+          <a:xfrm>
+            <a:off x="8590123" y="2671576"/>
+            <a:ext cx="404816" cy="276999"/>
+          </a:xfrm>
+          <a:prstGeom prst="rect">
+            <a:avLst/>
+          </a:prstGeom>
+          <a:noFill/>
+        </p:spPr>
+        <p:txBody>
+          <a:bodyPr wrap="square" rtlCol="0">
+            <a:spAutoFit/>
+          </a:bodyPr>
+          <a:lstStyle/>
+          <a:p>
+            <a:r>
+              <a:rPr lang="en-MY" sz="1200" dirty="0">
+                <a:solidFill>
+                  <a:srgbClr val="FFFF00"/>
+                </a:solidFill>
+              </a:rPr>
+              <a:t>①</a:t>
+            </a:r>
+          </a:p>
+        </p:txBody>
+      </p:sp>
+      <p:sp>
+        <p:nvSpPr>
+          <p:cNvPr id="31" name="TextBox 30">
+            <a:extLst>
+              <a:ext uri="{FF2B5EF4-FFF2-40B4-BE49-F238E27FC236}">
+                <a16:creationId xmlns:a16="http://schemas.microsoft.com/office/drawing/2014/main" id="{91BD25BA-2D96-4FB4-B307-9A57DCADE716}"/>
+              </a:ext>
+            </a:extLst>
+          </p:cNvPr>
+          <p:cNvSpPr txBox="1"/>
+          <p:nvPr/>
+        </p:nvSpPr>
+        <p:spPr>
+          <a:xfrm>
+            <a:off x="8590123" y="3027600"/>
+            <a:ext cx="404816" cy="276999"/>
+          </a:xfrm>
+          <a:prstGeom prst="rect">
+            <a:avLst/>
+          </a:prstGeom>
+          <a:noFill/>
+        </p:spPr>
+        <p:txBody>
+          <a:bodyPr wrap="square" rtlCol="0">
+            <a:spAutoFit/>
+          </a:bodyPr>
+          <a:lstStyle/>
+          <a:p>
+            <a:r>
+              <a:rPr lang="en-MY" sz="1200" dirty="0">
+                <a:solidFill>
+                  <a:srgbClr val="FFFF00"/>
+                </a:solidFill>
+              </a:rPr>
+              <a:t>②</a:t>
+            </a:r>
+          </a:p>
+        </p:txBody>
+      </p:sp>
+      <p:sp>
+        <p:nvSpPr>
+          <p:cNvPr id="32" name="TextBox 31">
+            <a:extLst>
+              <a:ext uri="{FF2B5EF4-FFF2-40B4-BE49-F238E27FC236}">
+                <a16:creationId xmlns:a16="http://schemas.microsoft.com/office/drawing/2014/main" id="{10EDF9F5-214D-4BFD-B25C-D666F8BB09A8}"/>
+              </a:ext>
+            </a:extLst>
+          </p:cNvPr>
+          <p:cNvSpPr txBox="1"/>
+          <p:nvPr/>
+        </p:nvSpPr>
+        <p:spPr>
+          <a:xfrm>
+            <a:off x="8590123" y="3395623"/>
+            <a:ext cx="404816" cy="276999"/>
+          </a:xfrm>
+          <a:prstGeom prst="rect">
+            <a:avLst/>
+          </a:prstGeom>
+          <a:noFill/>
+        </p:spPr>
+        <p:txBody>
+          <a:bodyPr wrap="square" rtlCol="0">
+            <a:spAutoFit/>
+          </a:bodyPr>
+          <a:lstStyle/>
+          <a:p>
+            <a:r>
+              <a:rPr lang="en-MY" sz="1200" dirty="0">
+                <a:solidFill>
+                  <a:srgbClr val="FFFF00"/>
+                </a:solidFill>
+              </a:rPr>
+              <a:t>④</a:t>
+            </a:r>
+          </a:p>
+        </p:txBody>
+      </p:sp>
+      <p:sp>
+        <p:nvSpPr>
+          <p:cNvPr id="33" name="TextBox 32">
+            <a:extLst>
+              <a:ext uri="{FF2B5EF4-FFF2-40B4-BE49-F238E27FC236}">
+                <a16:creationId xmlns:a16="http://schemas.microsoft.com/office/drawing/2014/main" id="{D901B2B4-3269-47D3-92F6-CE9998D9855E}"/>
+              </a:ext>
+            </a:extLst>
+          </p:cNvPr>
+          <p:cNvSpPr txBox="1"/>
+          <p:nvPr/>
+        </p:nvSpPr>
+        <p:spPr>
+          <a:xfrm>
+            <a:off x="8590123" y="3576483"/>
+            <a:ext cx="404816" cy="276999"/>
+          </a:xfrm>
+          <a:prstGeom prst="rect">
+            <a:avLst/>
+          </a:prstGeom>
+          <a:noFill/>
+        </p:spPr>
+        <p:txBody>
+          <a:bodyPr wrap="square" rtlCol="0">
+            <a:spAutoFit/>
+          </a:bodyPr>
+          <a:lstStyle/>
+          <a:p>
+            <a:r>
+              <a:rPr lang="en-MY" sz="1200" dirty="0">
+                <a:solidFill>
+                  <a:srgbClr val="FFFF00"/>
+                </a:solidFill>
+              </a:rPr>
+              <a:t>⑤</a:t>
+            </a:r>
+          </a:p>
+        </p:txBody>
+      </p:sp>
+      <p:sp>
+        <p:nvSpPr>
+          <p:cNvPr id="34" name="TextBox 33">
+            <a:extLst>
+              <a:ext uri="{FF2B5EF4-FFF2-40B4-BE49-F238E27FC236}">
+                <a16:creationId xmlns:a16="http://schemas.microsoft.com/office/drawing/2014/main" id="{D5F28A42-FDD5-42CB-983A-CE7DE1318154}"/>
+              </a:ext>
+            </a:extLst>
+          </p:cNvPr>
+          <p:cNvSpPr txBox="1"/>
+          <p:nvPr/>
+        </p:nvSpPr>
+        <p:spPr>
+          <a:xfrm>
+            <a:off x="8590123" y="3759318"/>
+            <a:ext cx="404816" cy="276999"/>
+          </a:xfrm>
+          <a:prstGeom prst="rect">
+            <a:avLst/>
+          </a:prstGeom>
+          <a:noFill/>
+        </p:spPr>
+        <p:txBody>
+          <a:bodyPr wrap="square" rtlCol="0">
+            <a:spAutoFit/>
+          </a:bodyPr>
+          <a:lstStyle/>
+          <a:p>
+            <a:r>
+              <a:rPr lang="en-MY" sz="1200" dirty="0">
+                <a:solidFill>
+                  <a:srgbClr val="FFFF00"/>
+                </a:solidFill>
+              </a:rPr>
+              <a:t>⑥</a:t>
+            </a:r>
+          </a:p>
+        </p:txBody>
+      </p:sp>
+      <p:sp>
+        <p:nvSpPr>
+          <p:cNvPr id="35" name="TextBox 34">
+            <a:extLst>
+              <a:ext uri="{FF2B5EF4-FFF2-40B4-BE49-F238E27FC236}">
+                <a16:creationId xmlns:a16="http://schemas.microsoft.com/office/drawing/2014/main" id="{CF661C4C-7230-41FB-95BF-5FDACC897C47}"/>
+              </a:ext>
+            </a:extLst>
+          </p:cNvPr>
+          <p:cNvSpPr txBox="1"/>
+          <p:nvPr/>
+        </p:nvSpPr>
+        <p:spPr>
+          <a:xfrm>
+            <a:off x="8590123" y="3936438"/>
+            <a:ext cx="404816" cy="276999"/>
+          </a:xfrm>
+          <a:prstGeom prst="rect">
+            <a:avLst/>
+          </a:prstGeom>
+          <a:noFill/>
+        </p:spPr>
+        <p:txBody>
+          <a:bodyPr wrap="square" rtlCol="0">
+            <a:spAutoFit/>
+          </a:bodyPr>
+          <a:lstStyle/>
+          <a:p>
+            <a:r>
+              <a:rPr lang="en-MY" sz="1200" dirty="0">
+                <a:solidFill>
+                  <a:srgbClr val="FFFF00"/>
+                </a:solidFill>
+              </a:rPr>
+              <a:t>⑦</a:t>
+            </a:r>
+          </a:p>
+        </p:txBody>
+      </p:sp>
+      <p:sp>
+        <p:nvSpPr>
+          <p:cNvPr id="36" name="TextBox 35">
+            <a:extLst>
+              <a:ext uri="{FF2B5EF4-FFF2-40B4-BE49-F238E27FC236}">
+                <a16:creationId xmlns:a16="http://schemas.microsoft.com/office/drawing/2014/main" id="{3E6E5A4F-FA54-4955-A10A-A572C41522C6}"/>
+              </a:ext>
+            </a:extLst>
+          </p:cNvPr>
+          <p:cNvSpPr txBox="1"/>
+          <p:nvPr/>
+        </p:nvSpPr>
+        <p:spPr>
+          <a:xfrm>
+            <a:off x="8590123" y="4118732"/>
+            <a:ext cx="404816" cy="276999"/>
+          </a:xfrm>
+          <a:prstGeom prst="rect">
+            <a:avLst/>
+          </a:prstGeom>
+          <a:noFill/>
+        </p:spPr>
+        <p:txBody>
+          <a:bodyPr wrap="square" rtlCol="0">
+            <a:spAutoFit/>
+          </a:bodyPr>
+          <a:lstStyle/>
+          <a:p>
+            <a:r>
+              <a:rPr lang="en-MY" sz="1200" dirty="0">
+                <a:solidFill>
+                  <a:srgbClr val="FFFF00"/>
+                </a:solidFill>
+              </a:rPr>
+              <a:t>⑧</a:t>
+            </a:r>
+          </a:p>
+        </p:txBody>
+      </p:sp>
+      <p:sp>
+        <p:nvSpPr>
+          <p:cNvPr id="37" name="TextBox 36">
+            <a:extLst>
+              <a:ext uri="{FF2B5EF4-FFF2-40B4-BE49-F238E27FC236}">
+                <a16:creationId xmlns:a16="http://schemas.microsoft.com/office/drawing/2014/main" id="{D88F2C18-4E78-426E-9211-640F72439C3A}"/>
+              </a:ext>
+            </a:extLst>
+          </p:cNvPr>
+          <p:cNvSpPr txBox="1"/>
+          <p:nvPr/>
+        </p:nvSpPr>
+        <p:spPr>
+          <a:xfrm>
+            <a:off x="8590123" y="4300942"/>
+            <a:ext cx="404816" cy="276999"/>
+          </a:xfrm>
+          <a:prstGeom prst="rect">
+            <a:avLst/>
+          </a:prstGeom>
+          <a:noFill/>
+        </p:spPr>
+        <p:txBody>
+          <a:bodyPr wrap="square" rtlCol="0">
+            <a:spAutoFit/>
+          </a:bodyPr>
+          <a:lstStyle/>
+          <a:p>
+            <a:r>
+              <a:rPr lang="en-MY" sz="1200" dirty="0">
+                <a:solidFill>
+                  <a:srgbClr val="FFFF00"/>
+                </a:solidFill>
+              </a:rPr>
+              <a:t>⑨</a:t>
+            </a:r>
+          </a:p>
+        </p:txBody>
+      </p:sp>
+      <p:sp>
+        <p:nvSpPr>
+          <p:cNvPr id="38" name="TextBox 37">
+            <a:extLst>
+              <a:ext uri="{FF2B5EF4-FFF2-40B4-BE49-F238E27FC236}">
+                <a16:creationId xmlns:a16="http://schemas.microsoft.com/office/drawing/2014/main" id="{82661DA3-CE1B-4785-87B8-8C4C313511CE}"/>
+              </a:ext>
+            </a:extLst>
+          </p:cNvPr>
+          <p:cNvSpPr txBox="1"/>
+          <p:nvPr/>
+        </p:nvSpPr>
+        <p:spPr>
+          <a:xfrm>
+            <a:off x="8590123" y="4669362"/>
+            <a:ext cx="404816" cy="276999"/>
+          </a:xfrm>
+          <a:prstGeom prst="rect">
+            <a:avLst/>
+          </a:prstGeom>
+          <a:noFill/>
+        </p:spPr>
+        <p:txBody>
+          <a:bodyPr wrap="square" rtlCol="0">
+            <a:spAutoFit/>
+          </a:bodyPr>
+          <a:lstStyle/>
+          <a:p>
+            <a:r>
+              <a:rPr lang="en-MY" sz="1200" dirty="0">
+                <a:solidFill>
+                  <a:srgbClr val="FFFF00"/>
+                </a:solidFill>
+              </a:rPr>
+              <a:t>⑩</a:t>
+            </a:r>
+          </a:p>
+        </p:txBody>
+      </p:sp>
     </p:spTree>
     <p:extLst>
       <p:ext uri="{BB962C8B-B14F-4D97-AF65-F5344CB8AC3E}">
@@ -16654,14 +22483,100 @@
             <p:ph type="title"/>
           </p:nvPr>
         </p:nvSpPr>
-        <p:spPr/>
-        <p:txBody>
-          <a:bodyPr/>
-          <a:lstStyle/>
-          <a:p>
-            <a:r>
-              <a:rPr lang="en-US" dirty="0"/>
-              <a:t>In class practice: what is the result for those code?</a:t>
+        <p:spPr>
+          <a:xfrm>
+            <a:off x="685801" y="609600"/>
+            <a:ext cx="10986246" cy="1456267"/>
+          </a:xfrm>
+        </p:spPr>
+        <p:txBody>
+          <a:bodyPr>
+            <a:normAutofit/>
+          </a:bodyPr>
+          <a:lstStyle/>
+          <a:p>
+            <a:r>
+              <a:rPr kumimoji="0" lang="en-US" sz="3200" b="0" i="0" u="none" strike="noStrike" kern="1200" cap="all" spc="0" normalizeH="0" baseline="0" noProof="0" dirty="0">
+                <a:ln w="3175" cmpd="sng">
+                  <a:noFill/>
+                </a:ln>
+                <a:solidFill>
+                  <a:prstClr val="white"/>
+                </a:solidFill>
+                <a:effectLst/>
+                <a:uLnTx/>
+                <a:uFillTx/>
+                <a:latin typeface="Calibri Light" panose="020F0302020204030204"/>
+                <a:ea typeface="+mj-ea"/>
+                <a:cs typeface="+mj-cs"/>
+              </a:rPr>
+              <a:t>In class practice: </a:t>
+            </a:r>
+            <a:br>
+              <a:rPr kumimoji="0" lang="en-US" sz="3200" b="0" i="0" u="none" strike="noStrike" kern="1200" cap="all" spc="0" normalizeH="0" baseline="0" noProof="0" dirty="0">
+                <a:ln w="3175" cmpd="sng">
+                  <a:noFill/>
+                </a:ln>
+                <a:solidFill>
+                  <a:prstClr val="white"/>
+                </a:solidFill>
+                <a:effectLst/>
+                <a:uLnTx/>
+                <a:uFillTx/>
+                <a:latin typeface="Calibri Light" panose="020F0302020204030204"/>
+                <a:ea typeface="+mj-ea"/>
+                <a:cs typeface="+mj-cs"/>
+              </a:rPr>
+            </a:br>
+            <a:r>
+              <a:rPr kumimoji="0" lang="en-US" sz="2400" b="0" i="0" u="none" strike="noStrike" kern="1200" cap="all" spc="0" normalizeH="0" baseline="0" noProof="0" dirty="0">
+                <a:ln w="3175" cmpd="sng">
+                  <a:noFill/>
+                </a:ln>
+                <a:solidFill>
+                  <a:prstClr val="white"/>
+                </a:solidFill>
+                <a:effectLst/>
+                <a:uLnTx/>
+                <a:uFillTx/>
+                <a:latin typeface="Calibri Light" panose="020F0302020204030204"/>
+                <a:ea typeface="+mj-ea"/>
+                <a:cs typeface="+mj-cs"/>
+              </a:rPr>
+              <a:t>1. anything wrong? what is the result for those code? </a:t>
+            </a:r>
+            <a:br>
+              <a:rPr kumimoji="0" lang="en-US" sz="2400" b="0" i="0" u="none" strike="noStrike" kern="1200" cap="all" spc="0" normalizeH="0" baseline="0" noProof="0" dirty="0">
+                <a:ln w="3175" cmpd="sng">
+                  <a:noFill/>
+                </a:ln>
+                <a:solidFill>
+                  <a:prstClr val="white"/>
+                </a:solidFill>
+                <a:effectLst/>
+                <a:uLnTx/>
+                <a:uFillTx/>
+                <a:latin typeface="Calibri Light" panose="020F0302020204030204"/>
+                <a:ea typeface="+mj-ea"/>
+                <a:cs typeface="+mj-cs"/>
+              </a:rPr>
+            </a:br>
+            <a:r>
+              <a:rPr kumimoji="0" lang="en-US" sz="2400" b="0" i="0" u="none" strike="noStrike" kern="1200" cap="all" spc="0" normalizeH="0" baseline="0" noProof="0" dirty="0">
+                <a:ln w="3175" cmpd="sng">
+                  <a:noFill/>
+                </a:ln>
+                <a:solidFill>
+                  <a:prstClr val="white"/>
+                </a:solidFill>
+                <a:effectLst/>
+                <a:uLnTx/>
+                <a:uFillTx/>
+                <a:latin typeface="Calibri Light" panose="020F0302020204030204"/>
+                <a:ea typeface="+mj-ea"/>
+                <a:cs typeface="+mj-cs"/>
+              </a:rPr>
+              <a:t>2. give correct execution flow order of line number which has no error.</a:t>
             </a:r>
             <a:endParaRPr lang="en-MY" dirty="0"/>
           </a:p>
@@ -16689,7 +22604,7 @@
         </p:blipFill>
         <p:spPr>
           <a:xfrm>
-            <a:off x="4395449" y="2446725"/>
+            <a:off x="5713261" y="2742560"/>
             <a:ext cx="2896004" cy="1152686"/>
           </a:xfrm>
           <a:prstGeom prst="rect">
@@ -16719,7 +22634,7 @@
         </p:blipFill>
         <p:spPr>
           <a:xfrm>
-            <a:off x="870873" y="2446725"/>
+            <a:off x="2188685" y="2742560"/>
             <a:ext cx="1724266" cy="428685"/>
           </a:xfrm>
           <a:prstGeom prst="rect">
@@ -16727,6 +22642,504 @@
           </a:prstGeom>
         </p:spPr>
       </p:pic>
+      <p:sp>
+        <p:nvSpPr>
+          <p:cNvPr id="6" name="TextBox 5">
+            <a:extLst>
+              <a:ext uri="{FF2B5EF4-FFF2-40B4-BE49-F238E27FC236}">
+                <a16:creationId xmlns:a16="http://schemas.microsoft.com/office/drawing/2014/main" id="{6230C113-E826-4A1F-8F70-F17F438E7F18}"/>
+              </a:ext>
+            </a:extLst>
+          </p:cNvPr>
+          <p:cNvSpPr txBox="1"/>
+          <p:nvPr/>
+        </p:nvSpPr>
+        <p:spPr>
+          <a:xfrm>
+            <a:off x="5308445" y="3074067"/>
+            <a:ext cx="404816" cy="276999"/>
+          </a:xfrm>
+          <a:prstGeom prst="rect">
+            <a:avLst/>
+          </a:prstGeom>
+          <a:noFill/>
+        </p:spPr>
+        <p:txBody>
+          <a:bodyPr wrap="square" rtlCol="0">
+            <a:spAutoFit/>
+          </a:bodyPr>
+          <a:lstStyle/>
+          <a:p>
+            <a:r>
+              <a:rPr lang="en-MY" sz="1200" dirty="0">
+                <a:solidFill>
+                  <a:srgbClr val="FFFF00"/>
+                </a:solidFill>
+              </a:rPr>
+              <a:t>③</a:t>
+            </a:r>
+          </a:p>
+        </p:txBody>
+      </p:sp>
+      <p:sp>
+        <p:nvSpPr>
+          <p:cNvPr id="8" name="TextBox 7">
+            <a:extLst>
+              <a:ext uri="{FF2B5EF4-FFF2-40B4-BE49-F238E27FC236}">
+                <a16:creationId xmlns:a16="http://schemas.microsoft.com/office/drawing/2014/main" id="{8DD14460-15AD-4D3C-891C-564291138FE1}"/>
+              </a:ext>
+            </a:extLst>
+          </p:cNvPr>
+          <p:cNvSpPr txBox="1"/>
+          <p:nvPr/>
+        </p:nvSpPr>
+        <p:spPr>
+          <a:xfrm>
+            <a:off x="5308445" y="2714369"/>
+            <a:ext cx="404816" cy="276999"/>
+          </a:xfrm>
+          <a:prstGeom prst="rect">
+            <a:avLst/>
+          </a:prstGeom>
+          <a:noFill/>
+        </p:spPr>
+        <p:txBody>
+          <a:bodyPr wrap="square" rtlCol="0">
+            <a:spAutoFit/>
+          </a:bodyPr>
+          <a:lstStyle/>
+          <a:p>
+            <a:r>
+              <a:rPr lang="en-MY" sz="1200" dirty="0">
+                <a:solidFill>
+                  <a:srgbClr val="FFFF00"/>
+                </a:solidFill>
+              </a:rPr>
+              <a:t>①</a:t>
+            </a:r>
+          </a:p>
+        </p:txBody>
+      </p:sp>
+      <p:sp>
+        <p:nvSpPr>
+          <p:cNvPr id="9" name="TextBox 8">
+            <a:extLst>
+              <a:ext uri="{FF2B5EF4-FFF2-40B4-BE49-F238E27FC236}">
+                <a16:creationId xmlns:a16="http://schemas.microsoft.com/office/drawing/2014/main" id="{5EC5E2B8-88FA-4225-94E7-A686C33AEBA6}"/>
+              </a:ext>
+            </a:extLst>
+          </p:cNvPr>
+          <p:cNvSpPr txBox="1"/>
+          <p:nvPr/>
+        </p:nvSpPr>
+        <p:spPr>
+          <a:xfrm>
+            <a:off x="5308445" y="2891093"/>
+            <a:ext cx="404816" cy="276999"/>
+          </a:xfrm>
+          <a:prstGeom prst="rect">
+            <a:avLst/>
+          </a:prstGeom>
+          <a:noFill/>
+        </p:spPr>
+        <p:txBody>
+          <a:bodyPr wrap="square" rtlCol="0">
+            <a:spAutoFit/>
+          </a:bodyPr>
+          <a:lstStyle/>
+          <a:p>
+            <a:r>
+              <a:rPr lang="en-MY" sz="1200" dirty="0">
+                <a:solidFill>
+                  <a:srgbClr val="FFFF00"/>
+                </a:solidFill>
+              </a:rPr>
+              <a:t>②</a:t>
+            </a:r>
+          </a:p>
+        </p:txBody>
+      </p:sp>
+      <p:sp>
+        <p:nvSpPr>
+          <p:cNvPr id="10" name="TextBox 9">
+            <a:extLst>
+              <a:ext uri="{FF2B5EF4-FFF2-40B4-BE49-F238E27FC236}">
+                <a16:creationId xmlns:a16="http://schemas.microsoft.com/office/drawing/2014/main" id="{D449C646-B3C2-452B-8808-629F9A3A2890}"/>
+              </a:ext>
+            </a:extLst>
+          </p:cNvPr>
+          <p:cNvSpPr txBox="1"/>
+          <p:nvPr/>
+        </p:nvSpPr>
+        <p:spPr>
+          <a:xfrm>
+            <a:off x="5308445" y="3259116"/>
+            <a:ext cx="404816" cy="276999"/>
+          </a:xfrm>
+          <a:prstGeom prst="rect">
+            <a:avLst/>
+          </a:prstGeom>
+          <a:noFill/>
+        </p:spPr>
+        <p:txBody>
+          <a:bodyPr wrap="square" rtlCol="0">
+            <a:spAutoFit/>
+          </a:bodyPr>
+          <a:lstStyle/>
+          <a:p>
+            <a:r>
+              <a:rPr lang="en-MY" sz="1200" dirty="0">
+                <a:solidFill>
+                  <a:srgbClr val="FFFF00"/>
+                </a:solidFill>
+              </a:rPr>
+              <a:t>④</a:t>
+            </a:r>
+          </a:p>
+        </p:txBody>
+      </p:sp>
+      <p:sp>
+        <p:nvSpPr>
+          <p:cNvPr id="11" name="TextBox 10">
+            <a:extLst>
+              <a:ext uri="{FF2B5EF4-FFF2-40B4-BE49-F238E27FC236}">
+                <a16:creationId xmlns:a16="http://schemas.microsoft.com/office/drawing/2014/main" id="{D964D86E-B0A6-4D5D-9393-F4B004609BAB}"/>
+              </a:ext>
+            </a:extLst>
+          </p:cNvPr>
+          <p:cNvSpPr txBox="1"/>
+          <p:nvPr/>
+        </p:nvSpPr>
+        <p:spPr>
+          <a:xfrm>
+            <a:off x="5308445" y="3439976"/>
+            <a:ext cx="404816" cy="276999"/>
+          </a:xfrm>
+          <a:prstGeom prst="rect">
+            <a:avLst/>
+          </a:prstGeom>
+          <a:noFill/>
+        </p:spPr>
+        <p:txBody>
+          <a:bodyPr wrap="square" rtlCol="0">
+            <a:spAutoFit/>
+          </a:bodyPr>
+          <a:lstStyle/>
+          <a:p>
+            <a:r>
+              <a:rPr lang="en-MY" sz="1200" dirty="0">
+                <a:solidFill>
+                  <a:srgbClr val="FFFF00"/>
+                </a:solidFill>
+              </a:rPr>
+              <a:t>⑤</a:t>
+            </a:r>
+          </a:p>
+        </p:txBody>
+      </p:sp>
+      <p:sp>
+        <p:nvSpPr>
+          <p:cNvPr id="12" name="TextBox 11">
+            <a:extLst>
+              <a:ext uri="{FF2B5EF4-FFF2-40B4-BE49-F238E27FC236}">
+                <a16:creationId xmlns:a16="http://schemas.microsoft.com/office/drawing/2014/main" id="{757092FF-B4F5-4CD0-AC13-C3C7CD810CB8}"/>
+              </a:ext>
+            </a:extLst>
+          </p:cNvPr>
+          <p:cNvSpPr txBox="1"/>
+          <p:nvPr/>
+        </p:nvSpPr>
+        <p:spPr>
+          <a:xfrm>
+            <a:off x="5308445" y="3622811"/>
+            <a:ext cx="404816" cy="276999"/>
+          </a:xfrm>
+          <a:prstGeom prst="rect">
+            <a:avLst/>
+          </a:prstGeom>
+          <a:noFill/>
+        </p:spPr>
+        <p:txBody>
+          <a:bodyPr wrap="square" rtlCol="0">
+            <a:spAutoFit/>
+          </a:bodyPr>
+          <a:lstStyle/>
+          <a:p>
+            <a:r>
+              <a:rPr lang="en-MY" sz="1200" dirty="0">
+                <a:solidFill>
+                  <a:srgbClr val="FFFF00"/>
+                </a:solidFill>
+              </a:rPr>
+              <a:t>⑥</a:t>
+            </a:r>
+          </a:p>
+        </p:txBody>
+      </p:sp>
+      <p:sp>
+        <p:nvSpPr>
+          <p:cNvPr id="13" name="TextBox 12">
+            <a:extLst>
+              <a:ext uri="{FF2B5EF4-FFF2-40B4-BE49-F238E27FC236}">
+                <a16:creationId xmlns:a16="http://schemas.microsoft.com/office/drawing/2014/main" id="{D3265944-ABC1-450A-9D9D-A1BFDF2776E8}"/>
+              </a:ext>
+            </a:extLst>
+          </p:cNvPr>
+          <p:cNvSpPr txBox="1"/>
+          <p:nvPr/>
+        </p:nvSpPr>
+        <p:spPr>
+          <a:xfrm>
+            <a:off x="1783869" y="2758843"/>
+            <a:ext cx="404816" cy="276999"/>
+          </a:xfrm>
+          <a:prstGeom prst="rect">
+            <a:avLst/>
+          </a:prstGeom>
+          <a:noFill/>
+        </p:spPr>
+        <p:txBody>
+          <a:bodyPr wrap="square" rtlCol="0">
+            <a:spAutoFit/>
+          </a:bodyPr>
+          <a:lstStyle/>
+          <a:p>
+            <a:r>
+              <a:rPr lang="en-MY" sz="1200" dirty="0">
+                <a:solidFill>
+                  <a:srgbClr val="FFFF00"/>
+                </a:solidFill>
+              </a:rPr>
+              <a:t>①</a:t>
+            </a:r>
+          </a:p>
+        </p:txBody>
+      </p:sp>
+      <p:sp>
+        <p:nvSpPr>
+          <p:cNvPr id="14" name="TextBox 13">
+            <a:extLst>
+              <a:ext uri="{FF2B5EF4-FFF2-40B4-BE49-F238E27FC236}">
+                <a16:creationId xmlns:a16="http://schemas.microsoft.com/office/drawing/2014/main" id="{6941F5B6-2EAF-4FF4-80F3-E63E0CC6A22A}"/>
+              </a:ext>
+            </a:extLst>
+          </p:cNvPr>
+          <p:cNvSpPr txBox="1"/>
+          <p:nvPr/>
+        </p:nvSpPr>
+        <p:spPr>
+          <a:xfrm>
+            <a:off x="1783869" y="2935567"/>
+            <a:ext cx="404816" cy="276999"/>
+          </a:xfrm>
+          <a:prstGeom prst="rect">
+            <a:avLst/>
+          </a:prstGeom>
+          <a:noFill/>
+        </p:spPr>
+        <p:txBody>
+          <a:bodyPr wrap="square" rtlCol="0">
+            <a:spAutoFit/>
+          </a:bodyPr>
+          <a:lstStyle/>
+          <a:p>
+            <a:r>
+              <a:rPr lang="en-MY" sz="1200" dirty="0">
+                <a:solidFill>
+                  <a:srgbClr val="FFFF00"/>
+                </a:solidFill>
+              </a:rPr>
+              <a:t>②</a:t>
+            </a:r>
+          </a:p>
+        </p:txBody>
+      </p:sp>
+      <p:pic>
+        <p:nvPicPr>
+          <p:cNvPr id="4" name="Picture 3">
+            <a:extLst>
+              <a:ext uri="{FF2B5EF4-FFF2-40B4-BE49-F238E27FC236}">
+                <a16:creationId xmlns:a16="http://schemas.microsoft.com/office/drawing/2014/main" id="{D74221E9-9950-40EB-BB71-05373DA26EFB}"/>
+              </a:ext>
+            </a:extLst>
+          </p:cNvPr>
+          <p:cNvPicPr>
+            <a:picLocks noChangeAspect="1"/>
+          </p:cNvPicPr>
+          <p:nvPr/>
+        </p:nvPicPr>
+        <p:blipFill>
+          <a:blip r:embed="rId4"/>
+          <a:stretch>
+            <a:fillRect/>
+          </a:stretch>
+        </p:blipFill>
+        <p:spPr>
+          <a:xfrm>
+            <a:off x="2520910" y="4792134"/>
+            <a:ext cx="1914792" cy="1009791"/>
+          </a:xfrm>
+          <a:prstGeom prst="rect">
+            <a:avLst/>
+          </a:prstGeom>
+        </p:spPr>
+      </p:pic>
+      <p:sp>
+        <p:nvSpPr>
+          <p:cNvPr id="15" name="TextBox 14">
+            <a:extLst>
+              <a:ext uri="{FF2B5EF4-FFF2-40B4-BE49-F238E27FC236}">
+                <a16:creationId xmlns:a16="http://schemas.microsoft.com/office/drawing/2014/main" id="{D4BAB32F-ECA2-4311-BABF-420CDB396615}"/>
+              </a:ext>
+            </a:extLst>
+          </p:cNvPr>
+          <p:cNvSpPr txBox="1"/>
+          <p:nvPr/>
+        </p:nvSpPr>
+        <p:spPr>
+          <a:xfrm>
+            <a:off x="2116094" y="5171001"/>
+            <a:ext cx="404816" cy="276999"/>
+          </a:xfrm>
+          <a:prstGeom prst="rect">
+            <a:avLst/>
+          </a:prstGeom>
+          <a:noFill/>
+        </p:spPr>
+        <p:txBody>
+          <a:bodyPr wrap="square" rtlCol="0">
+            <a:spAutoFit/>
+          </a:bodyPr>
+          <a:lstStyle/>
+          <a:p>
+            <a:r>
+              <a:rPr lang="en-MY" sz="1200" dirty="0">
+                <a:solidFill>
+                  <a:srgbClr val="FFFF00"/>
+                </a:solidFill>
+              </a:rPr>
+              <a:t>③</a:t>
+            </a:r>
+          </a:p>
+        </p:txBody>
+      </p:sp>
+      <p:sp>
+        <p:nvSpPr>
+          <p:cNvPr id="16" name="TextBox 15">
+            <a:extLst>
+              <a:ext uri="{FF2B5EF4-FFF2-40B4-BE49-F238E27FC236}">
+                <a16:creationId xmlns:a16="http://schemas.microsoft.com/office/drawing/2014/main" id="{8888F9C5-A5A2-4600-A4BD-A1D86287419A}"/>
+              </a:ext>
+            </a:extLst>
+          </p:cNvPr>
+          <p:cNvSpPr txBox="1"/>
+          <p:nvPr/>
+        </p:nvSpPr>
+        <p:spPr>
+          <a:xfrm>
+            <a:off x="2116094" y="4811303"/>
+            <a:ext cx="404816" cy="276999"/>
+          </a:xfrm>
+          <a:prstGeom prst="rect">
+            <a:avLst/>
+          </a:prstGeom>
+          <a:noFill/>
+        </p:spPr>
+        <p:txBody>
+          <a:bodyPr wrap="square" rtlCol="0">
+            <a:spAutoFit/>
+          </a:bodyPr>
+          <a:lstStyle/>
+          <a:p>
+            <a:r>
+              <a:rPr lang="en-MY" sz="1200" dirty="0">
+                <a:solidFill>
+                  <a:srgbClr val="FFFF00"/>
+                </a:solidFill>
+              </a:rPr>
+              <a:t>①</a:t>
+            </a:r>
+          </a:p>
+        </p:txBody>
+      </p:sp>
+      <p:sp>
+        <p:nvSpPr>
+          <p:cNvPr id="17" name="TextBox 16">
+            <a:extLst>
+              <a:ext uri="{FF2B5EF4-FFF2-40B4-BE49-F238E27FC236}">
+                <a16:creationId xmlns:a16="http://schemas.microsoft.com/office/drawing/2014/main" id="{9396FAC3-FA32-44E8-8F5C-582E02A11FC2}"/>
+              </a:ext>
+            </a:extLst>
+          </p:cNvPr>
+          <p:cNvSpPr txBox="1"/>
+          <p:nvPr/>
+        </p:nvSpPr>
+        <p:spPr>
+          <a:xfrm>
+            <a:off x="2116094" y="4988027"/>
+            <a:ext cx="404816" cy="276999"/>
+          </a:xfrm>
+          <a:prstGeom prst="rect">
+            <a:avLst/>
+          </a:prstGeom>
+          <a:noFill/>
+        </p:spPr>
+        <p:txBody>
+          <a:bodyPr wrap="square" rtlCol="0">
+            <a:spAutoFit/>
+          </a:bodyPr>
+          <a:lstStyle/>
+          <a:p>
+            <a:r>
+              <a:rPr lang="en-MY" sz="1200" dirty="0">
+                <a:solidFill>
+                  <a:srgbClr val="FFFF00"/>
+                </a:solidFill>
+              </a:rPr>
+              <a:t>②</a:t>
+            </a:r>
+          </a:p>
+        </p:txBody>
+      </p:sp>
+      <p:sp>
+        <p:nvSpPr>
+          <p:cNvPr id="18" name="TextBox 17">
+            <a:extLst>
+              <a:ext uri="{FF2B5EF4-FFF2-40B4-BE49-F238E27FC236}">
+                <a16:creationId xmlns:a16="http://schemas.microsoft.com/office/drawing/2014/main" id="{BABC0A99-C6E5-44E7-B834-9A0ED707F939}"/>
+              </a:ext>
+            </a:extLst>
+          </p:cNvPr>
+          <p:cNvSpPr txBox="1"/>
+          <p:nvPr/>
+        </p:nvSpPr>
+        <p:spPr>
+          <a:xfrm>
+            <a:off x="2116094" y="5508453"/>
+            <a:ext cx="404816" cy="276999"/>
+          </a:xfrm>
+          <a:prstGeom prst="rect">
+            <a:avLst/>
+          </a:prstGeom>
+          <a:noFill/>
+        </p:spPr>
+        <p:txBody>
+          <a:bodyPr wrap="square" rtlCol="0">
+            <a:spAutoFit/>
+          </a:bodyPr>
+          <a:lstStyle/>
+          <a:p>
+            <a:r>
+              <a:rPr lang="en-MY" sz="1200" dirty="0">
+                <a:solidFill>
+                  <a:srgbClr val="FFFF00"/>
+                </a:solidFill>
+              </a:rPr>
+              <a:t>④</a:t>
+            </a:r>
+          </a:p>
+        </p:txBody>
+      </p:sp>
     </p:spTree>
     <p:extLst>
       <p:ext uri="{BB962C8B-B14F-4D97-AF65-F5344CB8AC3E}">
